--- a/presentations/GRC-power-hour.pptx
+++ b/presentations/GRC-power-hour.pptx
@@ -5,17 +5,36 @@
     <p:sldMasterId id="2147483648" r:id="rId1"/>
   </p:sldMasterIdLst>
   <p:notesMasterIdLst>
-    <p:notesMasterId r:id="rId10"/>
+    <p:notesMasterId r:id="rId29"/>
   </p:notesMasterIdLst>
   <p:sldIdLst>
-    <p:sldId id="256" r:id="rId2"/>
-    <p:sldId id="257" r:id="rId3"/>
-    <p:sldId id="258" r:id="rId4"/>
-    <p:sldId id="261" r:id="rId5"/>
-    <p:sldId id="262" r:id="rId6"/>
-    <p:sldId id="263" r:id="rId7"/>
-    <p:sldId id="260" r:id="rId8"/>
-    <p:sldId id="259" r:id="rId9"/>
+    <p:sldId id="257" r:id="rId2"/>
+    <p:sldId id="258" r:id="rId3"/>
+    <p:sldId id="261" r:id="rId4"/>
+    <p:sldId id="262" r:id="rId5"/>
+    <p:sldId id="263" r:id="rId6"/>
+    <p:sldId id="260" r:id="rId7"/>
+    <p:sldId id="277" r:id="rId8"/>
+    <p:sldId id="268" r:id="rId9"/>
+    <p:sldId id="264" r:id="rId10"/>
+    <p:sldId id="265" r:id="rId11"/>
+    <p:sldId id="266" r:id="rId12"/>
+    <p:sldId id="282" r:id="rId13"/>
+    <p:sldId id="283" r:id="rId14"/>
+    <p:sldId id="284" r:id="rId15"/>
+    <p:sldId id="259" r:id="rId16"/>
+    <p:sldId id="281" r:id="rId17"/>
+    <p:sldId id="285" r:id="rId18"/>
+    <p:sldId id="269" r:id="rId19"/>
+    <p:sldId id="278" r:id="rId20"/>
+    <p:sldId id="279" r:id="rId21"/>
+    <p:sldId id="280" r:id="rId22"/>
+    <p:sldId id="271" r:id="rId23"/>
+    <p:sldId id="272" r:id="rId24"/>
+    <p:sldId id="273" r:id="rId25"/>
+    <p:sldId id="274" r:id="rId26"/>
+    <p:sldId id="275" r:id="rId27"/>
+    <p:sldId id="276" r:id="rId28"/>
   </p:sldIdLst>
   <p:sldSz cx="12192000" cy="6858000"/>
   <p:notesSz cx="6858000" cy="9144000"/>
@@ -541,10 +560,6 @@
             <a:endParaRPr lang="en-US" baseline="0" dirty="0" smtClean="0"/>
           </a:p>
           <a:p>
-            <a:r>
-              <a:rPr lang="en-US" baseline="0" dirty="0" smtClean="0"/>
-              <a:t>White women are not the answer to diversity in science.</a:t>
-            </a:r>
             <a:endParaRPr lang="en-US" dirty="0"/>
           </a:p>
         </p:txBody>
@@ -564,9 +579,9 @@
           <a:bodyPr/>
           <a:lstStyle/>
           <a:p>
-            <a:fld id="{8D34B7F9-023E-9043-83F6-CC57F9882E67}" type="slidenum">
+            <a:fld id="{2844F712-3B46-2B45-996F-224A8BD0E15D}" type="slidenum">
               <a:rPr lang="en-US" smtClean="0"/>
-              <a:t>3</a:t>
+              <a:t>1</a:t>
             </a:fld>
             <a:endParaRPr lang="en-US"/>
           </a:p>
@@ -575,7 +590,7 @@
     </p:spTree>
     <p:extLst>
       <p:ext uri="{BB962C8B-B14F-4D97-AF65-F5344CB8AC3E}">
-        <p14:creationId xmlns:p14="http://schemas.microsoft.com/office/powerpoint/2010/main" val="398703430"/>
+        <p14:creationId xmlns:p14="http://schemas.microsoft.com/office/powerpoint/2010/main" val="817982632"/>
       </p:ext>
     </p:extLst>
   </p:cSld>
@@ -629,6 +644,90 @@
           <a:bodyPr/>
           <a:lstStyle/>
           <a:p>
+            <a:endParaRPr lang="en-US" baseline="0" dirty="0" smtClean="0"/>
+          </a:p>
+        </p:txBody>
+      </p:sp>
+      <p:sp>
+        <p:nvSpPr>
+          <p:cNvPr id="4" name="Slide Number Placeholder 3"/>
+          <p:cNvSpPr>
+            <a:spLocks noGrp="1"/>
+          </p:cNvSpPr>
+          <p:nvPr>
+            <p:ph type="sldNum" sz="quarter" idx="10"/>
+          </p:nvPr>
+        </p:nvSpPr>
+        <p:spPr/>
+        <p:txBody>
+          <a:bodyPr/>
+          <a:lstStyle/>
+          <a:p>
+            <a:fld id="{8D34B7F9-023E-9043-83F6-CC57F9882E67}" type="slidenum">
+              <a:rPr lang="en-US" smtClean="0"/>
+              <a:t>2</a:t>
+            </a:fld>
+            <a:endParaRPr lang="en-US"/>
+          </a:p>
+        </p:txBody>
+      </p:sp>
+    </p:spTree>
+    <p:extLst>
+      <p:ext uri="{BB962C8B-B14F-4D97-AF65-F5344CB8AC3E}">
+        <p14:creationId xmlns:p14="http://schemas.microsoft.com/office/powerpoint/2010/main" val="398703430"/>
+      </p:ext>
+    </p:extLst>
+  </p:cSld>
+  <p:clrMapOvr>
+    <a:masterClrMapping/>
+  </p:clrMapOvr>
+</p:notes>
+</file>
+
+<file path=ppt/notesSlides/notesSlide3.xml><?xml version="1.0" encoding="utf-8"?>
+<p:notes xmlns:a="http://schemas.openxmlformats.org/drawingml/2006/main" xmlns:r="http://schemas.openxmlformats.org/officeDocument/2006/relationships" xmlns:p="http://schemas.openxmlformats.org/presentationml/2006/main">
+  <p:cSld>
+    <p:spTree>
+      <p:nvGrpSpPr>
+        <p:cNvPr id="1" name=""/>
+        <p:cNvGrpSpPr/>
+        <p:nvPr/>
+      </p:nvGrpSpPr>
+      <p:grpSpPr>
+        <a:xfrm>
+          <a:off x="0" y="0"/>
+          <a:ext cx="0" cy="0"/>
+          <a:chOff x="0" y="0"/>
+          <a:chExt cx="0" cy="0"/>
+        </a:xfrm>
+      </p:grpSpPr>
+      <p:sp>
+        <p:nvSpPr>
+          <p:cNvPr id="2" name="Slide Image Placeholder 1"/>
+          <p:cNvSpPr>
+            <a:spLocks noGrp="1" noRot="1" noChangeAspect="1"/>
+          </p:cNvSpPr>
+          <p:nvPr>
+            <p:ph type="sldImg"/>
+          </p:nvPr>
+        </p:nvSpPr>
+        <p:spPr/>
+      </p:sp>
+      <p:sp>
+        <p:nvSpPr>
+          <p:cNvPr id="3" name="Notes Placeholder 2"/>
+          <p:cNvSpPr>
+            <a:spLocks noGrp="1"/>
+          </p:cNvSpPr>
+          <p:nvPr>
+            <p:ph type="body" idx="1"/>
+          </p:nvPr>
+        </p:nvSpPr>
+        <p:spPr/>
+        <p:txBody>
+          <a:bodyPr/>
+          <a:lstStyle/>
+          <a:p>
             <a:r>
               <a:rPr lang="en-US" dirty="0" smtClean="0"/>
               <a:t>https://</a:t>
@@ -670,7 +769,7 @@
           <a:p>
             <a:fld id="{93C55A74-A050-5D42-9E47-E7BA72BD9CB8}" type="slidenum">
               <a:rPr lang="en-US" smtClean="0"/>
-              <a:t>6</a:t>
+              <a:t>5</a:t>
             </a:fld>
             <a:endParaRPr lang="en-US"/>
           </a:p>
@@ -3553,41 +3652,105 @@
             <a:spLocks noGrp="1"/>
           </p:cNvSpPr>
           <p:nvPr>
-            <p:ph type="ctrTitle"/>
-          </p:nvPr>
-        </p:nvSpPr>
-        <p:spPr/>
+            <p:ph type="title"/>
+          </p:nvPr>
+        </p:nvSpPr>
+        <p:spPr>
+          <a:xfrm>
+            <a:off x="838200" y="500062"/>
+            <a:ext cx="10515600" cy="1325563"/>
+          </a:xfrm>
+        </p:spPr>
         <p:txBody>
           <a:bodyPr/>
           <a:lstStyle/>
           <a:p>
-            <a:endParaRPr lang="en-US"/>
-          </a:p>
-        </p:txBody>
-      </p:sp>
-      <p:sp>
-        <p:nvSpPr>
-          <p:cNvPr id="3" name="Subtitle 2"/>
-          <p:cNvSpPr>
-            <a:spLocks noGrp="1"/>
-          </p:cNvSpPr>
-          <p:nvPr>
-            <p:ph type="subTitle" idx="1"/>
-          </p:nvPr>
-        </p:nvSpPr>
-        <p:spPr/>
+            <a:pPr algn="ctr"/>
+            <a:r>
+              <a:rPr lang="en-US" dirty="0" smtClean="0"/>
+              <a:t>Welcome to the </a:t>
+            </a:r>
+            <a:r>
+              <a:rPr lang="en-US" dirty="0" err="1" smtClean="0"/>
+              <a:t>PowerHour</a:t>
+            </a:r>
+            <a:r>
+              <a:rPr lang="en-US" smtClean="0"/>
+              <a:t/>
+            </a:r>
+            <a:br>
+              <a:rPr lang="en-US" smtClean="0"/>
+            </a:br>
+            <a:endParaRPr lang="en-US" dirty="0"/>
+          </a:p>
+        </p:txBody>
+      </p:sp>
+      <p:sp>
+        <p:nvSpPr>
+          <p:cNvPr id="3" name="Content Placeholder 2"/>
+          <p:cNvSpPr>
+            <a:spLocks noGrp="1"/>
+          </p:cNvSpPr>
+          <p:nvPr>
+            <p:ph idx="1"/>
+          </p:nvPr>
+        </p:nvSpPr>
+        <p:spPr>
+          <a:xfrm>
+            <a:off x="838200" y="2011679"/>
+            <a:ext cx="10515600" cy="4165283"/>
+          </a:xfrm>
+        </p:spPr>
         <p:txBody>
           <a:bodyPr/>
           <a:lstStyle/>
           <a:p>
-            <a:endParaRPr lang="en-US"/>
+            <a:r>
+              <a:rPr lang="en-US" dirty="0" smtClean="0"/>
+              <a:t>Brief overview of the the problem (10 mins)</a:t>
+            </a:r>
+          </a:p>
+          <a:p>
+            <a:r>
+              <a:rPr lang="en-US" dirty="0" smtClean="0"/>
+              <a:t>Discussion in small groups (challenges and solutions) (3:10 </a:t>
+            </a:r>
+            <a:r>
+              <a:rPr lang="mr-IN" dirty="0" smtClean="0"/>
+              <a:t>–</a:t>
+            </a:r>
+            <a:r>
+              <a:rPr lang="en-US" dirty="0" smtClean="0"/>
+              <a:t> 3:45)</a:t>
+            </a:r>
+          </a:p>
+          <a:p>
+            <a:r>
+              <a:rPr lang="en-US" dirty="0" smtClean="0"/>
+              <a:t>Report back (3:45 </a:t>
+            </a:r>
+            <a:r>
+              <a:rPr lang="mr-IN" dirty="0" smtClean="0"/>
+              <a:t>–</a:t>
+            </a:r>
+            <a:r>
+              <a:rPr lang="en-US" dirty="0" smtClean="0"/>
+              <a:t> 4:00)</a:t>
+            </a:r>
+          </a:p>
+          <a:p>
+            <a:r>
+              <a:rPr lang="en-US" dirty="0" smtClean="0"/>
+              <a:t>Keep the discussions and solutions going (4:00 till Friday and beyond!)</a:t>
+            </a:r>
+            <a:endParaRPr lang="en-US" dirty="0"/>
           </a:p>
         </p:txBody>
       </p:sp>
     </p:spTree>
     <p:extLst>
       <p:ext uri="{BB962C8B-B14F-4D97-AF65-F5344CB8AC3E}">
-        <p14:creationId xmlns:p14="http://schemas.microsoft.com/office/powerpoint/2010/main" val="2025525660"/>
+        <p14:creationId xmlns:p14="http://schemas.microsoft.com/office/powerpoint/2010/main" val="308436585"/>
       </p:ext>
     </p:extLst>
   </p:cSld>
@@ -3597,7 +3760,7 @@
 </p:sld>
 </file>
 
-<file path=ppt/slides/slide2.xml><?xml version="1.0" encoding="utf-8"?>
+<file path=ppt/slides/slide10.xml><?xml version="1.0" encoding="utf-8"?>
 <p:sld xmlns:a="http://schemas.openxmlformats.org/drawingml/2006/main" xmlns:r="http://schemas.openxmlformats.org/officeDocument/2006/relationships" xmlns:p="http://schemas.openxmlformats.org/presentationml/2006/main">
   <p:cSld>
     <p:spTree>
@@ -3626,88 +3789,335 @@
         </p:nvSpPr>
         <p:spPr/>
         <p:txBody>
-          <a:bodyPr/>
-          <a:lstStyle/>
-          <a:p>
-            <a:r>
-              <a:rPr lang="en-US" dirty="0" smtClean="0"/>
-              <a:t>Welcome to the power hour</a:t>
-            </a:r>
-            <a:endParaRPr lang="en-US" dirty="0"/>
-          </a:p>
-        </p:txBody>
-      </p:sp>
-      <p:sp>
-        <p:nvSpPr>
-          <p:cNvPr id="3" name="Content Placeholder 2"/>
-          <p:cNvSpPr>
-            <a:spLocks noGrp="1"/>
-          </p:cNvSpPr>
-          <p:nvPr>
-            <p:ph idx="1"/>
-          </p:nvPr>
-        </p:nvSpPr>
-        <p:spPr/>
-        <p:txBody>
-          <a:bodyPr/>
-          <a:lstStyle/>
-          <a:p>
-            <a:r>
-              <a:rPr lang="en-US" dirty="0" smtClean="0"/>
-              <a:t>Brief overview of the the problem (5 mins)</a:t>
-            </a:r>
-          </a:p>
-          <a:p>
-            <a:r>
-              <a:rPr lang="en-US" dirty="0" smtClean="0"/>
-              <a:t>Discussion in small groups (challenges and solutions) (3:10 </a:t>
-            </a:r>
-            <a:r>
-              <a:rPr lang="mr-IN" dirty="0" smtClean="0"/>
-              <a:t>–</a:t>
-            </a:r>
-            <a:r>
-              <a:rPr lang="en-US" dirty="0" smtClean="0"/>
-              <a:t> 3:40)</a:t>
-            </a:r>
-          </a:p>
-          <a:p>
-            <a:r>
-              <a:rPr lang="en-US" dirty="0" smtClean="0"/>
-              <a:t>Report back (3:40 </a:t>
-            </a:r>
-            <a:r>
-              <a:rPr lang="mr-IN" dirty="0" smtClean="0"/>
-              <a:t>–</a:t>
-            </a:r>
-            <a:r>
-              <a:rPr lang="en-US" dirty="0" smtClean="0"/>
-              <a:t> 4:00)</a:t>
-            </a:r>
-          </a:p>
-          <a:p>
-            <a:r>
-              <a:rPr lang="en-US" dirty="0" smtClean="0"/>
-              <a:t>Keep the discussions and solutions going (4:00 till Friday and beyond!)</a:t>
-            </a:r>
-            <a:endParaRPr lang="en-US" dirty="0"/>
+          <a:bodyPr>
+            <a:noAutofit/>
+          </a:bodyPr>
+          <a:lstStyle/>
+          <a:p>
+            <a:r>
+              <a:rPr lang="en-CA" sz="3200" dirty="0">
+                <a:latin typeface="+mn-lt"/>
+              </a:rPr>
+              <a:t>The </a:t>
+            </a:r>
+            <a:r>
+              <a:rPr lang="en-CA" sz="3200" dirty="0" smtClean="0">
+                <a:latin typeface="+mn-lt"/>
+              </a:rPr>
+              <a:t>time gap</a:t>
+            </a:r>
+            <a:r>
+              <a:rPr lang="en-CA" sz="3200" dirty="0">
+                <a:latin typeface="+mn-lt"/>
+              </a:rPr>
+              <a:t>: Women faculty have less time for research also because they spend 4-14 hours more on “chores” at home</a:t>
+            </a:r>
+            <a:endParaRPr lang="en-CA" sz="3200" dirty="0">
+              <a:latin typeface="+mn-lt"/>
+            </a:endParaRPr>
+          </a:p>
+        </p:txBody>
+      </p:sp>
+      <p:pic>
+        <p:nvPicPr>
+          <p:cNvPr id="4" name="Picture 3"/>
+          <p:cNvPicPr>
+            <a:picLocks noChangeAspect="1"/>
+          </p:cNvPicPr>
+          <p:nvPr/>
+        </p:nvPicPr>
+        <p:blipFill>
+          <a:blip r:embed="rId2"/>
+          <a:stretch>
+            <a:fillRect/>
+          </a:stretch>
+        </p:blipFill>
+        <p:spPr>
+          <a:xfrm>
+            <a:off x="2139950" y="2000294"/>
+            <a:ext cx="7656880" cy="4400506"/>
+          </a:xfrm>
+          <a:prstGeom prst="rect">
+            <a:avLst/>
+          </a:prstGeom>
+        </p:spPr>
+      </p:pic>
+      <p:cxnSp>
+        <p:nvCxnSpPr>
+          <p:cNvPr id="5" name="Straight Connector 4"/>
+          <p:cNvCxnSpPr/>
+          <p:nvPr/>
+        </p:nvCxnSpPr>
+        <p:spPr>
+          <a:xfrm flipH="1">
+            <a:off x="7588624" y="2000294"/>
+            <a:ext cx="26894" cy="1200106"/>
+          </a:xfrm>
+          <a:prstGeom prst="line">
+            <a:avLst/>
+          </a:prstGeom>
+          <a:ln w="76200">
+            <a:solidFill>
+              <a:srgbClr val="FF0000"/>
+            </a:solidFill>
+          </a:ln>
+        </p:spPr>
+        <p:style>
+          <a:lnRef idx="1">
+            <a:schemeClr val="accent1"/>
+          </a:lnRef>
+          <a:fillRef idx="0">
+            <a:schemeClr val="accent1"/>
+          </a:fillRef>
+          <a:effectRef idx="0">
+            <a:schemeClr val="accent1"/>
+          </a:effectRef>
+          <a:fontRef idx="minor">
+            <a:schemeClr val="tx1"/>
+          </a:fontRef>
+        </p:style>
+      </p:cxnSp>
+      <p:cxnSp>
+        <p:nvCxnSpPr>
+          <p:cNvPr id="7" name="Straight Connector 6"/>
+          <p:cNvCxnSpPr/>
+          <p:nvPr/>
+        </p:nvCxnSpPr>
+        <p:spPr>
+          <a:xfrm flipH="1">
+            <a:off x="7575177" y="3362930"/>
+            <a:ext cx="26894" cy="1200106"/>
+          </a:xfrm>
+          <a:prstGeom prst="line">
+            <a:avLst/>
+          </a:prstGeom>
+          <a:ln w="76200">
+            <a:solidFill>
+              <a:srgbClr val="FF0000"/>
+            </a:solidFill>
+          </a:ln>
+        </p:spPr>
+        <p:style>
+          <a:lnRef idx="1">
+            <a:schemeClr val="accent1"/>
+          </a:lnRef>
+          <a:fillRef idx="0">
+            <a:schemeClr val="accent1"/>
+          </a:fillRef>
+          <a:effectRef idx="0">
+            <a:schemeClr val="accent1"/>
+          </a:effectRef>
+          <a:fontRef idx="minor">
+            <a:schemeClr val="tx1"/>
+          </a:fontRef>
+        </p:style>
+      </p:cxnSp>
+      <p:cxnSp>
+        <p:nvCxnSpPr>
+          <p:cNvPr id="8" name="Straight Connector 7"/>
+          <p:cNvCxnSpPr/>
+          <p:nvPr/>
+        </p:nvCxnSpPr>
+        <p:spPr>
+          <a:xfrm flipH="1">
+            <a:off x="7615519" y="4693024"/>
+            <a:ext cx="322729" cy="1188988"/>
+          </a:xfrm>
+          <a:prstGeom prst="line">
+            <a:avLst/>
+          </a:prstGeom>
+          <a:ln w="76200">
+            <a:solidFill>
+              <a:srgbClr val="FF0000"/>
+            </a:solidFill>
+          </a:ln>
+        </p:spPr>
+        <p:style>
+          <a:lnRef idx="1">
+            <a:schemeClr val="accent1"/>
+          </a:lnRef>
+          <a:fillRef idx="0">
+            <a:schemeClr val="accent1"/>
+          </a:fillRef>
+          <a:effectRef idx="0">
+            <a:schemeClr val="accent1"/>
+          </a:effectRef>
+          <a:fontRef idx="minor">
+            <a:schemeClr val="tx1"/>
+          </a:fontRef>
+        </p:style>
+      </p:cxnSp>
+      <p:sp>
+        <p:nvSpPr>
+          <p:cNvPr id="10" name="TextBox 9"/>
+          <p:cNvSpPr txBox="1"/>
+          <p:nvPr/>
+        </p:nvSpPr>
+        <p:spPr>
+          <a:xfrm>
+            <a:off x="4159625" y="1815628"/>
+            <a:ext cx="989373" cy="369332"/>
+          </a:xfrm>
+          <a:prstGeom prst="rect">
+            <a:avLst/>
+          </a:prstGeom>
+          <a:noFill/>
+        </p:spPr>
+        <p:txBody>
+          <a:bodyPr wrap="none" rtlCol="0">
+            <a:spAutoFit/>
+          </a:bodyPr>
+          <a:lstStyle/>
+          <a:p>
+            <a:r>
+              <a:rPr lang="en-CA" dirty="0"/>
+              <a:t>research</a:t>
+            </a:r>
+            <a:endParaRPr lang="en-CA" dirty="0"/>
+          </a:p>
+        </p:txBody>
+      </p:sp>
+      <p:sp>
+        <p:nvSpPr>
+          <p:cNvPr id="11" name="TextBox 10"/>
+          <p:cNvSpPr txBox="1"/>
+          <p:nvPr/>
+        </p:nvSpPr>
+        <p:spPr>
+          <a:xfrm>
+            <a:off x="5256629" y="1815628"/>
+            <a:ext cx="988476" cy="369332"/>
+          </a:xfrm>
+          <a:prstGeom prst="rect">
+            <a:avLst/>
+          </a:prstGeom>
+          <a:noFill/>
+        </p:spPr>
+        <p:txBody>
+          <a:bodyPr wrap="none" rtlCol="0">
+            <a:spAutoFit/>
+          </a:bodyPr>
+          <a:lstStyle/>
+          <a:p>
+            <a:r>
+              <a:rPr lang="en-CA" dirty="0"/>
+              <a:t>teaching</a:t>
+            </a:r>
+            <a:endParaRPr lang="en-CA" dirty="0"/>
+          </a:p>
+        </p:txBody>
+      </p:sp>
+      <p:sp>
+        <p:nvSpPr>
+          <p:cNvPr id="12" name="TextBox 11"/>
+          <p:cNvSpPr txBox="1"/>
+          <p:nvPr/>
+        </p:nvSpPr>
+        <p:spPr>
+          <a:xfrm>
+            <a:off x="6411998" y="1836290"/>
+            <a:ext cx="601511" cy="369332"/>
+          </a:xfrm>
+          <a:prstGeom prst="rect">
+            <a:avLst/>
+          </a:prstGeom>
+          <a:noFill/>
+        </p:spPr>
+        <p:txBody>
+          <a:bodyPr wrap="none" rtlCol="0">
+            <a:spAutoFit/>
+          </a:bodyPr>
+          <a:lstStyle/>
+          <a:p>
+            <a:r>
+              <a:rPr lang="en-CA" dirty="0"/>
+              <a:t>grad</a:t>
+            </a:r>
+            <a:endParaRPr lang="en-CA" dirty="0"/>
+          </a:p>
+        </p:txBody>
+      </p:sp>
+      <p:sp>
+        <p:nvSpPr>
+          <p:cNvPr id="13" name="TextBox 12"/>
+          <p:cNvSpPr txBox="1"/>
+          <p:nvPr/>
+        </p:nvSpPr>
+        <p:spPr>
+          <a:xfrm>
+            <a:off x="6886508" y="1829334"/>
+            <a:ext cx="842410" cy="369332"/>
+          </a:xfrm>
+          <a:prstGeom prst="rect">
+            <a:avLst/>
+          </a:prstGeom>
+          <a:noFill/>
+        </p:spPr>
+        <p:txBody>
+          <a:bodyPr wrap="none" rtlCol="0">
+            <a:spAutoFit/>
+          </a:bodyPr>
+          <a:lstStyle/>
+          <a:p>
+            <a:r>
+              <a:rPr lang="en-CA" dirty="0"/>
+              <a:t>service</a:t>
+            </a:r>
+            <a:endParaRPr lang="en-CA" dirty="0"/>
+          </a:p>
+        </p:txBody>
+      </p:sp>
+      <p:sp>
+        <p:nvSpPr>
+          <p:cNvPr id="14" name="TextBox 13"/>
+          <p:cNvSpPr txBox="1"/>
+          <p:nvPr/>
+        </p:nvSpPr>
+        <p:spPr>
+          <a:xfrm>
+            <a:off x="7982616" y="1829334"/>
+            <a:ext cx="1042914" cy="369332"/>
+          </a:xfrm>
+          <a:prstGeom prst="rect">
+            <a:avLst/>
+          </a:prstGeom>
+          <a:noFill/>
+        </p:spPr>
+        <p:txBody>
+          <a:bodyPr wrap="none" rtlCol="0">
+            <a:spAutoFit/>
+          </a:bodyPr>
+          <a:lstStyle/>
+          <a:p>
+            <a:r>
+              <a:rPr lang="en-CA" dirty="0"/>
+              <a:t>domestic</a:t>
+            </a:r>
+            <a:endParaRPr lang="en-CA" dirty="0"/>
           </a:p>
         </p:txBody>
       </p:sp>
     </p:spTree>
     <p:extLst>
       <p:ext uri="{BB962C8B-B14F-4D97-AF65-F5344CB8AC3E}">
-        <p14:creationId xmlns:p14="http://schemas.microsoft.com/office/powerpoint/2010/main" val="308436585"/>
+        <p14:creationId xmlns:p14="http://schemas.microsoft.com/office/powerpoint/2010/main" val="1400938805"/>
       </p:ext>
     </p:extLst>
   </p:cSld>
   <p:clrMapOvr>
     <a:masterClrMapping/>
   </p:clrMapOvr>
+  <p:timing>
+    <p:tnLst>
+      <p:par>
+        <p:cTn id="1" dur="indefinite" restart="never" nodeType="tmRoot"/>
+      </p:par>
+    </p:tnLst>
+  </p:timing>
 </p:sld>
 </file>
 
-<file path=ppt/slides/slide3.xml><?xml version="1.0" encoding="utf-8"?>
+<file path=ppt/slides/slide11.xml><?xml version="1.0" encoding="utf-8"?>
 <p:sld xmlns:a="http://schemas.openxmlformats.org/drawingml/2006/main" xmlns:r="http://schemas.openxmlformats.org/officeDocument/2006/relationships" xmlns:p="http://schemas.openxmlformats.org/presentationml/2006/main">
   <p:cSld>
     <p:spTree>
@@ -3726,87 +4136,68 @@
       </p:grpSpPr>
       <p:sp>
         <p:nvSpPr>
-          <p:cNvPr id="4" name="TextBox 3"/>
-          <p:cNvSpPr txBox="1"/>
-          <p:nvPr/>
+          <p:cNvPr id="3" name="Content Placeholder 2"/>
+          <p:cNvSpPr>
+            <a:spLocks noGrp="1"/>
+          </p:cNvSpPr>
+          <p:nvPr>
+            <p:ph idx="1"/>
+          </p:nvPr>
         </p:nvSpPr>
         <p:spPr>
           <a:xfrm>
-            <a:off x="495480" y="1595021"/>
-            <a:ext cx="8246553" cy="5262979"/>
+            <a:off x="874295" y="937780"/>
+            <a:ext cx="10515600" cy="4351338"/>
+          </a:xfrm>
+        </p:spPr>
+        <p:txBody>
+          <a:bodyPr/>
+          <a:lstStyle/>
+          <a:p>
+            <a:pPr marL="0" indent="0">
+              <a:buNone/>
+            </a:pPr>
+            <a:r>
+              <a:rPr lang="en-CA" dirty="0" smtClean="0"/>
+              <a:t>Canadian women do 70% more domestic chores (&gt;1 hour per day) than men, and have 30% less leisure time as a result. </a:t>
+            </a:r>
+          </a:p>
+          <a:p>
+            <a:pPr marL="0" indent="0">
+              <a:buNone/>
+            </a:pPr>
+            <a:endParaRPr lang="en-CA" dirty="0"/>
+          </a:p>
+        </p:txBody>
+      </p:sp>
+      <p:pic>
+        <p:nvPicPr>
+          <p:cNvPr id="8" name="Picture 7"/>
+          <p:cNvPicPr>
+            <a:picLocks noChangeAspect="1"/>
+          </p:cNvPicPr>
+          <p:nvPr/>
+        </p:nvPicPr>
+        <p:blipFill>
+          <a:blip r:embed="rId2"/>
+          <a:stretch>
+            <a:fillRect/>
+          </a:stretch>
+        </p:blipFill>
+        <p:spPr>
+          <a:xfrm>
+            <a:off x="1251696" y="2093819"/>
+            <a:ext cx="9047336" cy="2620856"/>
           </a:xfrm>
           <a:prstGeom prst="rect">
             <a:avLst/>
           </a:prstGeom>
-          <a:noFill/>
         </p:spPr>
-        <p:txBody>
-          <a:bodyPr wrap="none" rtlCol="0">
-            <a:spAutoFit/>
-          </a:bodyPr>
-          <a:lstStyle/>
-          <a:p>
-            <a:pPr algn="ctr"/>
-            <a:r>
-              <a:rPr lang="en-US" sz="4800" dirty="0" smtClean="0"/>
-              <a:t>Overview</a:t>
-            </a:r>
-          </a:p>
-          <a:p>
-            <a:endParaRPr lang="en-US" sz="4800" dirty="0"/>
-          </a:p>
-          <a:p>
-            <a:pPr marL="342900" indent="-342900">
-              <a:buAutoNum type="arabicParenR"/>
-            </a:pPr>
-            <a:r>
-              <a:rPr lang="en-US" sz="4800" dirty="0" smtClean="0"/>
-              <a:t> Women are leaving Academia</a:t>
-            </a:r>
-          </a:p>
-          <a:p>
-            <a:pPr marL="342900" indent="-342900">
-              <a:buAutoNum type="arabicParenR"/>
-            </a:pPr>
-            <a:r>
-              <a:rPr lang="en-US" sz="4800" dirty="0" smtClean="0"/>
-              <a:t> Why? – Implicit Biases</a:t>
-            </a:r>
-          </a:p>
-          <a:p>
-            <a:pPr marL="342900" indent="-342900">
-              <a:buAutoNum type="arabicParenR"/>
-            </a:pPr>
-            <a:r>
-              <a:rPr lang="en-US" sz="4800" dirty="0" smtClean="0"/>
-              <a:t> Why? – Unique challenges</a:t>
-            </a:r>
-          </a:p>
-          <a:p>
-            <a:pPr marL="342900" indent="-342900">
-              <a:buAutoNum type="arabicParenR"/>
-            </a:pPr>
-            <a:r>
-              <a:rPr lang="en-US" sz="4800" dirty="0"/>
-              <a:t> </a:t>
-            </a:r>
-            <a:r>
-              <a:rPr lang="en-US" sz="4800" dirty="0" smtClean="0"/>
-              <a:t>Let’s discuss!</a:t>
-            </a:r>
-          </a:p>
-          <a:p>
-            <a:pPr marL="800100" lvl="1" indent="-342900">
-              <a:buAutoNum type="arabicParenR"/>
-            </a:pPr>
-            <a:endParaRPr lang="en-CA" sz="4800" dirty="0"/>
-          </a:p>
-        </p:txBody>
-      </p:sp>
+      </p:pic>
     </p:spTree>
     <p:extLst>
       <p:ext uri="{BB962C8B-B14F-4D97-AF65-F5344CB8AC3E}">
-        <p14:creationId xmlns:p14="http://schemas.microsoft.com/office/powerpoint/2010/main" val="2015643884"/>
+        <p14:creationId xmlns:p14="http://schemas.microsoft.com/office/powerpoint/2010/main" val="567789927"/>
       </p:ext>
     </p:extLst>
   </p:cSld>
@@ -3823,7 +4214,7 @@
 </p:sld>
 </file>
 
-<file path=ppt/slides/slide4.xml><?xml version="1.0" encoding="utf-8"?>
+<file path=ppt/slides/slide12.xml><?xml version="1.0" encoding="utf-8"?>
 <p:sld xmlns:a="http://schemas.openxmlformats.org/drawingml/2006/main" xmlns:r="http://schemas.openxmlformats.org/officeDocument/2006/relationships" xmlns:p="http://schemas.openxmlformats.org/presentationml/2006/main">
   <p:cSld>
     <p:spTree>
@@ -3840,81 +4231,9 @@
           <a:chExt cx="0" cy="0"/>
         </a:xfrm>
       </p:grpSpPr>
-      <p:pic>
-        <p:nvPicPr>
-          <p:cNvPr id="1026" name="Picture 2" descr="More women earn doctoratesTaken from: http://best.berkeley.edu/~aagogino/papers/WIA_findings.pdf "/>
-          <p:cNvPicPr>
-            <a:picLocks noChangeAspect="1" noChangeArrowheads="1"/>
-          </p:cNvPicPr>
-          <p:nvPr/>
-        </p:nvPicPr>
-        <p:blipFill>
-          <a:blip r:embed="rId2">
-            <a:extLst>
-              <a:ext uri="{28A0092B-C50C-407E-A947-70E740481C1C}">
-                <a14:useLocalDpi xmlns:a14="http://schemas.microsoft.com/office/drawing/2010/main" val="0"/>
-              </a:ext>
-            </a:extLst>
-          </a:blip>
-          <a:srcRect/>
-          <a:stretch>
-            <a:fillRect/>
-          </a:stretch>
-        </p:blipFill>
-        <p:spPr bwMode="auto">
-          <a:xfrm>
-            <a:off x="3289300" y="1480286"/>
-            <a:ext cx="7162799" cy="5377714"/>
-          </a:xfrm>
-          <a:prstGeom prst="rect">
-            <a:avLst/>
-          </a:prstGeom>
-          <a:noFill/>
-          <a:extLst>
-            <a:ext uri="{909E8E84-426E-40DD-AFC4-6F175D3DCCD1}">
-              <a14:hiddenFill xmlns:a14="http://schemas.microsoft.com/office/drawing/2010/main">
-                <a:solidFill>
-                  <a:srgbClr val="FFFFFF"/>
-                </a:solidFill>
-              </a14:hiddenFill>
-            </a:ext>
-          </a:extLst>
-        </p:spPr>
-      </p:pic>
-      <p:cxnSp>
-        <p:nvCxnSpPr>
-          <p:cNvPr id="5" name="Straight Connector 4"/>
-          <p:cNvCxnSpPr/>
-          <p:nvPr/>
-        </p:nvCxnSpPr>
-        <p:spPr>
-          <a:xfrm flipV="1">
-            <a:off x="4368800" y="3429000"/>
-            <a:ext cx="4203700" cy="1231900"/>
-          </a:xfrm>
-          <a:prstGeom prst="line">
-            <a:avLst/>
-          </a:prstGeom>
-          <a:ln w="76200"/>
-        </p:spPr>
-        <p:style>
-          <a:lnRef idx="1">
-            <a:schemeClr val="accent1"/>
-          </a:lnRef>
-          <a:fillRef idx="0">
-            <a:schemeClr val="accent1"/>
-          </a:fillRef>
-          <a:effectRef idx="0">
-            <a:schemeClr val="accent1"/>
-          </a:effectRef>
-          <a:fontRef idx="minor">
-            <a:schemeClr val="tx1"/>
-          </a:fontRef>
-        </p:style>
-      </p:cxnSp>
-      <p:sp>
-        <p:nvSpPr>
-          <p:cNvPr id="13" name="Title 1"/>
+      <p:sp>
+        <p:nvSpPr>
+          <p:cNvPr id="2" name="Title 1"/>
           <p:cNvSpPr>
             <a:spLocks noGrp="1"/>
           </p:cNvSpPr>
@@ -3924,246 +4243,180 @@
         </p:nvSpPr>
         <p:spPr>
           <a:xfrm>
-            <a:off x="2578100" y="365126"/>
-            <a:ext cx="7124700" cy="840005"/>
+            <a:off x="838200" y="365125"/>
+            <a:ext cx="9855200" cy="1325563"/>
           </a:xfrm>
         </p:spPr>
         <p:txBody>
           <a:bodyPr>
-            <a:normAutofit fontScale="90000"/>
+            <a:normAutofit/>
           </a:bodyPr>
           <a:lstStyle/>
           <a:p>
             <a:pPr algn="ctr"/>
             <a:r>
-              <a:rPr lang="en-US" b="1" dirty="0" smtClean="0"/>
-              <a:t>1- Women Are Leaving Academia</a:t>
+              <a:rPr lang="fr-CA" b="1" dirty="0" smtClean="0"/>
+              <a:t>2- </a:t>
+            </a:r>
+            <a:r>
+              <a:rPr lang="fr-CA" b="1" dirty="0" err="1" smtClean="0"/>
+              <a:t>Why</a:t>
+            </a:r>
+            <a:r>
+              <a:rPr lang="fr-CA" b="1" dirty="0" smtClean="0"/>
+              <a:t>? </a:t>
+            </a:r>
+            <a:r>
+              <a:rPr lang="fr-CA" b="1" dirty="0" err="1" smtClean="0"/>
+              <a:t>Unconscious</a:t>
+            </a:r>
+            <a:r>
+              <a:rPr lang="fr-CA" b="1" dirty="0" smtClean="0"/>
+              <a:t>/</a:t>
+            </a:r>
+            <a:r>
+              <a:rPr lang="fr-CA" b="1" dirty="0" err="1" smtClean="0"/>
+              <a:t>Implicit</a:t>
+            </a:r>
+            <a:r>
+              <a:rPr lang="fr-CA" b="1" dirty="0" smtClean="0"/>
+              <a:t> </a:t>
+            </a:r>
+            <a:r>
+              <a:rPr lang="fr-CA" b="1" dirty="0" err="1" smtClean="0"/>
+              <a:t>Bias</a:t>
             </a:r>
             <a:endParaRPr lang="en-CA" b="1" dirty="0"/>
+          </a:p>
+        </p:txBody>
+      </p:sp>
+      <p:sp>
+        <p:nvSpPr>
+          <p:cNvPr id="3" name="Content Placeholder 2"/>
+          <p:cNvSpPr>
+            <a:spLocks noGrp="1"/>
+          </p:cNvSpPr>
+          <p:nvPr>
+            <p:ph idx="1"/>
+          </p:nvPr>
+        </p:nvSpPr>
+        <p:spPr>
+          <a:xfrm>
+            <a:off x="838200" y="1609555"/>
+            <a:ext cx="10515600" cy="2397054"/>
+          </a:xfrm>
+        </p:spPr>
+        <p:txBody>
+          <a:bodyPr/>
+          <a:lstStyle/>
+          <a:p>
+            <a:r>
+              <a:rPr lang="en-US" b="1" dirty="0"/>
+              <a:t>Unconscious bias </a:t>
+            </a:r>
+            <a:r>
+              <a:rPr lang="en-US" dirty="0"/>
+              <a:t>refers to </a:t>
+            </a:r>
+            <a:r>
+              <a:rPr lang="en-US" dirty="0" smtClean="0"/>
+              <a:t>the assumptions </a:t>
+            </a:r>
+            <a:r>
+              <a:rPr lang="en-US" dirty="0"/>
+              <a:t>and conclusions we </a:t>
+            </a:r>
+            <a:r>
+              <a:rPr lang="en-US" dirty="0" smtClean="0"/>
+              <a:t>jump </a:t>
+            </a:r>
+            <a:r>
+              <a:rPr lang="en-CA" dirty="0" smtClean="0"/>
+              <a:t>to </a:t>
+            </a:r>
+            <a:r>
+              <a:rPr lang="en-CA" dirty="0"/>
+              <a:t>without </a:t>
+            </a:r>
+            <a:r>
+              <a:rPr lang="en-CA" dirty="0" smtClean="0"/>
+              <a:t>thinking </a:t>
+            </a:r>
+          </a:p>
+          <a:p>
+            <a:r>
+              <a:rPr lang="fr-CA" dirty="0" err="1" smtClean="0"/>
+              <a:t>We</a:t>
+            </a:r>
+            <a:r>
+              <a:rPr lang="fr-CA" dirty="0" smtClean="0"/>
+              <a:t> </a:t>
+            </a:r>
+            <a:r>
+              <a:rPr lang="fr-CA" u="sng" dirty="0" smtClean="0"/>
+              <a:t>all</a:t>
+            </a:r>
+            <a:r>
+              <a:rPr lang="fr-CA" dirty="0" smtClean="0"/>
+              <a:t> have </a:t>
+            </a:r>
+            <a:r>
+              <a:rPr lang="fr-CA" dirty="0" err="1" smtClean="0"/>
+              <a:t>them</a:t>
+            </a:r>
+            <a:r>
+              <a:rPr lang="fr-CA" dirty="0" smtClean="0"/>
+              <a:t>! </a:t>
+            </a:r>
+          </a:p>
+          <a:p>
+            <a:r>
+              <a:rPr lang="en-CA" dirty="0"/>
+              <a:t>These biases </a:t>
+            </a:r>
+            <a:r>
+              <a:rPr lang="en-CA" dirty="0" smtClean="0"/>
+              <a:t>do </a:t>
+            </a:r>
+            <a:r>
+              <a:rPr lang="en-US" dirty="0" smtClean="0"/>
+              <a:t>not </a:t>
+            </a:r>
+            <a:r>
+              <a:rPr lang="en-US" dirty="0"/>
+              <a:t>indicate hostility towards </a:t>
+            </a:r>
+            <a:r>
+              <a:rPr lang="en-US" dirty="0" smtClean="0"/>
+              <a:t>certain groups</a:t>
+            </a:r>
+            <a:r>
+              <a:rPr lang="en-US" dirty="0"/>
+              <a:t>; they reflect how the </a:t>
+            </a:r>
+            <a:r>
+              <a:rPr lang="en-US" dirty="0" smtClean="0"/>
+              <a:t>individual </a:t>
+            </a:r>
+            <a:r>
+              <a:rPr lang="en-CA" dirty="0" smtClean="0"/>
+              <a:t>has </a:t>
+            </a:r>
+            <a:r>
+              <a:rPr lang="en-CA" dirty="0"/>
+              <a:t>been socialized.</a:t>
+            </a:r>
+            <a:endParaRPr lang="fr-CA" dirty="0" smtClean="0"/>
+          </a:p>
+          <a:p>
+            <a:endParaRPr lang="en-CA" dirty="0"/>
           </a:p>
         </p:txBody>
       </p:sp>
     </p:spTree>
     <p:extLst>
       <p:ext uri="{BB962C8B-B14F-4D97-AF65-F5344CB8AC3E}">
-        <p14:creationId xmlns:p14="http://schemas.microsoft.com/office/powerpoint/2010/main" val="1733366775"/>
-      </p:ext>
-    </p:extLst>
-  </p:cSld>
-  <p:clrMapOvr>
-    <a:masterClrMapping/>
-  </p:clrMapOvr>
-  <p:timing>
-    <p:tnLst>
-      <p:par>
-        <p:cTn id="1" dur="indefinite" restart="never" nodeType="tmRoot"/>
-      </p:par>
-    </p:tnLst>
-  </p:timing>
-</p:sld>
-</file>
-
-<file path=ppt/slides/slide5.xml><?xml version="1.0" encoding="utf-8"?>
-<p:sld xmlns:a="http://schemas.openxmlformats.org/drawingml/2006/main" xmlns:r="http://schemas.openxmlformats.org/officeDocument/2006/relationships" xmlns:p="http://schemas.openxmlformats.org/presentationml/2006/main">
-  <p:cSld>
-    <p:spTree>
-      <p:nvGrpSpPr>
-        <p:cNvPr id="1" name=""/>
-        <p:cNvGrpSpPr/>
-        <p:nvPr/>
-      </p:nvGrpSpPr>
-      <p:grpSpPr>
-        <a:xfrm>
-          <a:off x="0" y="0"/>
-          <a:ext cx="0" cy="0"/>
-          <a:chOff x="0" y="0"/>
-          <a:chExt cx="0" cy="0"/>
-        </a:xfrm>
-      </p:grpSpPr>
-      <p:pic>
-        <p:nvPicPr>
-          <p:cNvPr id="4" name="Content Placeholder 3"/>
-          <p:cNvPicPr>
-            <a:picLocks noGrp="1" noChangeAspect="1"/>
-          </p:cNvPicPr>
-          <p:nvPr>
-            <p:ph idx="1"/>
-          </p:nvPr>
-        </p:nvPicPr>
-        <p:blipFill>
-          <a:blip r:embed="rId2">
-            <a:extLst>
-              <a:ext uri="{28A0092B-C50C-407E-A947-70E740481C1C}">
-                <a14:useLocalDpi xmlns:a14="http://schemas.microsoft.com/office/drawing/2010/main" val="0"/>
-              </a:ext>
-            </a:extLst>
-          </a:blip>
-          <a:stretch>
-            <a:fillRect/>
-          </a:stretch>
-        </p:blipFill>
-        <p:spPr>
-          <a:xfrm>
-            <a:off x="1064554" y="142876"/>
-            <a:ext cx="9611384" cy="6117723"/>
-          </a:xfrm>
-          <a:prstGeom prst="rect">
-            <a:avLst/>
-          </a:prstGeom>
-        </p:spPr>
-      </p:pic>
-      <p:sp>
-        <p:nvSpPr>
-          <p:cNvPr id="5" name="TextBox 4"/>
-          <p:cNvSpPr txBox="1"/>
-          <p:nvPr/>
-        </p:nvSpPr>
-        <p:spPr>
-          <a:xfrm>
-            <a:off x="6875929" y="6395529"/>
-            <a:ext cx="5316071" cy="369332"/>
-          </a:xfrm>
-          <a:prstGeom prst="rect">
-            <a:avLst/>
-          </a:prstGeom>
-          <a:noFill/>
-        </p:spPr>
-        <p:txBody>
-          <a:bodyPr wrap="none" rtlCol="0">
-            <a:spAutoFit/>
-          </a:bodyPr>
-          <a:lstStyle/>
-          <a:p>
-            <a:r>
-              <a:rPr lang="en-CA" dirty="0" smtClean="0"/>
-              <a:t>Image from https://www.chemicalimbalance.ed.ac.uk/</a:t>
-            </a:r>
-            <a:endParaRPr lang="en-CA" dirty="0"/>
-          </a:p>
-        </p:txBody>
-      </p:sp>
-    </p:spTree>
-    <p:extLst>
-      <p:ext uri="{BB962C8B-B14F-4D97-AF65-F5344CB8AC3E}">
-        <p14:creationId xmlns:p14="http://schemas.microsoft.com/office/powerpoint/2010/main" val="2079715870"/>
-      </p:ext>
-    </p:extLst>
-  </p:cSld>
-  <p:clrMapOvr>
-    <a:masterClrMapping/>
-  </p:clrMapOvr>
-  <p:timing>
-    <p:tnLst>
-      <p:par>
-        <p:cTn id="1" dur="indefinite" restart="never" nodeType="tmRoot"/>
-      </p:par>
-    </p:tnLst>
-  </p:timing>
-</p:sld>
-</file>
-
-<file path=ppt/slides/slide6.xml><?xml version="1.0" encoding="utf-8"?>
-<p:sld xmlns:a="http://schemas.openxmlformats.org/drawingml/2006/main" xmlns:r="http://schemas.openxmlformats.org/officeDocument/2006/relationships" xmlns:p="http://schemas.openxmlformats.org/presentationml/2006/main">
-  <p:cSld>
-    <p:spTree>
-      <p:nvGrpSpPr>
-        <p:cNvPr id="1" name=""/>
-        <p:cNvGrpSpPr/>
-        <p:nvPr/>
-      </p:nvGrpSpPr>
-      <p:grpSpPr>
-        <a:xfrm>
-          <a:off x="0" y="0"/>
-          <a:ext cx="0" cy="0"/>
-          <a:chOff x="0" y="0"/>
-          <a:chExt cx="0" cy="0"/>
-        </a:xfrm>
-      </p:grpSpPr>
-      <p:pic>
-        <p:nvPicPr>
-          <p:cNvPr id="5" name="Picture 4"/>
-          <p:cNvPicPr>
-            <a:picLocks noChangeAspect="1"/>
-          </p:cNvPicPr>
-          <p:nvPr/>
-        </p:nvPicPr>
-        <p:blipFill>
-          <a:blip r:embed="rId3"/>
-          <a:stretch>
-            <a:fillRect/>
-          </a:stretch>
-        </p:blipFill>
-        <p:spPr>
-          <a:xfrm>
-            <a:off x="3058472" y="2984994"/>
-            <a:ext cx="6444297" cy="3633356"/>
-          </a:xfrm>
-          <a:prstGeom prst="rect">
-            <a:avLst/>
-          </a:prstGeom>
-        </p:spPr>
-      </p:pic>
-      <p:sp>
-        <p:nvSpPr>
-          <p:cNvPr id="6" name="TextBox 5"/>
-          <p:cNvSpPr txBox="1"/>
-          <p:nvPr/>
-        </p:nvSpPr>
-        <p:spPr>
-          <a:xfrm>
-            <a:off x="1934075" y="264597"/>
-            <a:ext cx="8267631" cy="2585323"/>
-          </a:xfrm>
-          <a:prstGeom prst="rect">
-            <a:avLst/>
-          </a:prstGeom>
-          <a:noFill/>
-        </p:spPr>
-        <p:txBody>
-          <a:bodyPr wrap="square" rtlCol="0">
-            <a:spAutoFit/>
-          </a:bodyPr>
-          <a:lstStyle/>
-          <a:p>
-            <a:r>
-              <a:rPr lang="en-US" b="1" dirty="0"/>
-              <a:t>There are problems: </a:t>
-            </a:r>
-          </a:p>
-          <a:p>
-            <a:endParaRPr lang="en-US" dirty="0"/>
-          </a:p>
-          <a:p>
-            <a:r>
-              <a:rPr lang="en-US" dirty="0"/>
-              <a:t>Women are not retained in academia in proportion to their abundance in the educational pipeline</a:t>
-            </a:r>
-          </a:p>
-          <a:p>
-            <a:endParaRPr lang="en-US" dirty="0"/>
-          </a:p>
-          <a:p>
-            <a:r>
-              <a:rPr lang="en-US" dirty="0"/>
-              <a:t>Research suggests the reasons are largely related to social perceptions and their institutional manifestations.</a:t>
-            </a:r>
-          </a:p>
-          <a:p>
-            <a:endParaRPr lang="en-US" dirty="0"/>
-          </a:p>
-          <a:p>
-            <a:r>
-              <a:rPr lang="en-US" dirty="0"/>
-              <a:t>These are solvable problems.</a:t>
-            </a:r>
-            <a:endParaRPr lang="en-US" dirty="0"/>
-          </a:p>
-        </p:txBody>
-      </p:sp>
-    </p:spTree>
-    <p:extLst>
-      <p:ext uri="{BB962C8B-B14F-4D97-AF65-F5344CB8AC3E}">
-        <p14:creationId xmlns:p14="http://schemas.microsoft.com/office/powerpoint/2010/main" val="1421947834"/>
+        <p14:creationId xmlns:p14="http://schemas.microsoft.com/office/powerpoint/2010/main" val="1653227869"/>
       </p:ext>
     </p:extLst>
   </p:cSld>
@@ -4204,201 +4457,9 @@
                                           </p:stCondLst>
                                         </p:cTn>
                                         <p:tgtEl>
-                                          <p:spTgt spid="6">
-                                            <p:txEl>
-                                              <p:pRg st="0" end="0"/>
-                                            </p:txEl>
-                                          </p:spTgt>
-                                        </p:tgtEl>
-                                        <p:attrNameLst>
-                                          <p:attrName>style.visibility</p:attrName>
-                                        </p:attrNameLst>
-                                      </p:cBhvr>
-                                      <p:to>
-                                        <p:strVal val="visible"/>
-                                      </p:to>
-                                    </p:set>
-                                  </p:childTnLst>
-                                </p:cTn>
-                              </p:par>
-                            </p:childTnLst>
-                          </p:cTn>
-                        </p:par>
-                      </p:childTnLst>
-                    </p:cTn>
-                  </p:par>
-                  <p:par>
-                    <p:cTn id="7" fill="hold">
-                      <p:stCondLst>
-                        <p:cond delay="indefinite"/>
-                      </p:stCondLst>
-                      <p:childTnLst>
-                        <p:par>
-                          <p:cTn id="8" fill="hold">
-                            <p:stCondLst>
-                              <p:cond delay="0"/>
-                            </p:stCondLst>
-                            <p:childTnLst>
-                              <p:par>
-                                <p:cTn id="9" presetID="1" presetClass="entr" presetSubtype="0" fill="hold" nodeType="clickEffect">
-                                  <p:stCondLst>
-                                    <p:cond delay="0"/>
-                                  </p:stCondLst>
-                                  <p:childTnLst>
-                                    <p:set>
-                                      <p:cBhvr>
-                                        <p:cTn id="10" dur="1" fill="hold">
-                                          <p:stCondLst>
-                                            <p:cond delay="0"/>
-                                          </p:stCondLst>
-                                        </p:cTn>
-                                        <p:tgtEl>
-                                          <p:spTgt spid="6">
+                                          <p:spTgt spid="3">
                                             <p:txEl>
                                               <p:pRg st="2" end="2"/>
-                                            </p:txEl>
-                                          </p:spTgt>
-                                        </p:tgtEl>
-                                        <p:attrNameLst>
-                                          <p:attrName>style.visibility</p:attrName>
-                                        </p:attrNameLst>
-                                      </p:cBhvr>
-                                      <p:to>
-                                        <p:strVal val="visible"/>
-                                      </p:to>
-                                    </p:set>
-                                  </p:childTnLst>
-                                </p:cTn>
-                              </p:par>
-                            </p:childTnLst>
-                          </p:cTn>
-                        </p:par>
-                      </p:childTnLst>
-                    </p:cTn>
-                  </p:par>
-                  <p:par>
-                    <p:cTn id="11" fill="hold">
-                      <p:stCondLst>
-                        <p:cond delay="indefinite"/>
-                      </p:stCondLst>
-                      <p:childTnLst>
-                        <p:par>
-                          <p:cTn id="12" fill="hold">
-                            <p:stCondLst>
-                              <p:cond delay="0"/>
-                            </p:stCondLst>
-                            <p:childTnLst>
-                              <p:par>
-                                <p:cTn id="13" presetID="1" presetClass="entr" presetSubtype="0" fill="hold" nodeType="clickEffect">
-                                  <p:stCondLst>
-                                    <p:cond delay="0"/>
-                                  </p:stCondLst>
-                                  <p:childTnLst>
-                                    <p:set>
-                                      <p:cBhvr>
-                                        <p:cTn id="14" dur="1" fill="hold">
-                                          <p:stCondLst>
-                                            <p:cond delay="0"/>
-                                          </p:stCondLst>
-                                        </p:cTn>
-                                        <p:tgtEl>
-                                          <p:spTgt spid="5"/>
-                                        </p:tgtEl>
-                                        <p:attrNameLst>
-                                          <p:attrName>style.visibility</p:attrName>
-                                        </p:attrNameLst>
-                                      </p:cBhvr>
-                                      <p:to>
-                                        <p:strVal val="visible"/>
-                                      </p:to>
-                                    </p:set>
-                                  </p:childTnLst>
-                                </p:cTn>
-                              </p:par>
-                            </p:childTnLst>
-                          </p:cTn>
-                        </p:par>
-                      </p:childTnLst>
-                    </p:cTn>
-                  </p:par>
-                  <p:par>
-                    <p:cTn id="15" fill="hold">
-                      <p:stCondLst>
-                        <p:cond delay="indefinite"/>
-                      </p:stCondLst>
-                      <p:childTnLst>
-                        <p:par>
-                          <p:cTn id="16" fill="hold">
-                            <p:stCondLst>
-                              <p:cond delay="0"/>
-                            </p:stCondLst>
-                            <p:childTnLst>
-                              <p:par>
-                                <p:cTn id="17" presetID="1" presetClass="entr" presetSubtype="0" fill="hold" nodeType="clickEffect">
-                                  <p:stCondLst>
-                                    <p:cond delay="0"/>
-                                  </p:stCondLst>
-                                  <p:childTnLst>
-                                    <p:set>
-                                      <p:cBhvr>
-                                        <p:cTn id="18" dur="1" fill="hold">
-                                          <p:stCondLst>
-                                            <p:cond delay="0"/>
-                                          </p:stCondLst>
-                                        </p:cTn>
-                                        <p:tgtEl>
-                                          <p:spTgt spid="6">
-                                            <p:txEl>
-                                              <p:pRg st="4" end="4"/>
-                                            </p:txEl>
-                                          </p:spTgt>
-                                        </p:tgtEl>
-                                        <p:attrNameLst>
-                                          <p:attrName>style.visibility</p:attrName>
-                                        </p:attrNameLst>
-                                      </p:cBhvr>
-                                      <p:to>
-                                        <p:strVal val="visible"/>
-                                      </p:to>
-                                    </p:set>
-                                  </p:childTnLst>
-                                </p:cTn>
-                              </p:par>
-                            </p:childTnLst>
-                          </p:cTn>
-                        </p:par>
-                      </p:childTnLst>
-                    </p:cTn>
-                  </p:par>
-                  <p:par>
-                    <p:cTn id="19" fill="hold">
-                      <p:stCondLst>
-                        <p:cond delay="indefinite"/>
-                      </p:stCondLst>
-                      <p:childTnLst>
-                        <p:par>
-                          <p:cTn id="20" fill="hold">
-                            <p:stCondLst>
-                              <p:cond delay="0"/>
-                            </p:stCondLst>
-                            <p:childTnLst>
-                              <p:par>
-                                <p:cTn id="21" presetID="1" presetClass="entr" presetSubtype="0" fill="hold" nodeType="clickEffect">
-                                  <p:stCondLst>
-                                    <p:cond delay="0"/>
-                                  </p:stCondLst>
-                                  <p:childTnLst>
-                                    <p:set>
-                                      <p:cBhvr>
-                                        <p:cTn id="22" dur="1" fill="hold">
-                                          <p:stCondLst>
-                                            <p:cond delay="0"/>
-                                          </p:stCondLst>
-                                        </p:cTn>
-                                        <p:tgtEl>
-                                          <p:spTgt spid="6">
-                                            <p:txEl>
-                                              <p:pRg st="6" end="6"/>
                                             </p:txEl>
                                           </p:spTgt>
                                         </p:tgtEl>
@@ -4444,7 +4505,7 @@
 </p:sld>
 </file>
 
-<file path=ppt/slides/slide7.xml><?xml version="1.0" encoding="utf-8"?>
+<file path=ppt/slides/slide13.xml><?xml version="1.0" encoding="utf-8"?>
 <p:sld xmlns:a="http://schemas.openxmlformats.org/drawingml/2006/main" xmlns:r="http://schemas.openxmlformats.org/officeDocument/2006/relationships" xmlns:p="http://schemas.openxmlformats.org/presentationml/2006/main">
   <p:cSld>
     <p:spTree>
@@ -4461,258 +4522,1274 @@
           <a:chExt cx="0" cy="0"/>
         </a:xfrm>
       </p:grpSpPr>
-      <p:sp>
-        <p:nvSpPr>
-          <p:cNvPr id="3" name="Content Placeholder 2"/>
-          <p:cNvSpPr>
-            <a:spLocks noGrp="1"/>
-          </p:cNvSpPr>
-          <p:nvPr>
-            <p:ph idx="1"/>
-          </p:nvPr>
+      <p:pic>
+        <p:nvPicPr>
+          <p:cNvPr id="5122" name="Picture 2" descr="I wouldn't call this an infographic so that's why it's here. This is a list of the common stereotypes of men and women. Link: http://www.cliffsnotes.com/study_guide/Gender-Stereotypes.topicArticleId-26957,articleId-26896.html"/>
+          <p:cNvPicPr>
+            <a:picLocks noChangeAspect="1" noChangeArrowheads="1"/>
+          </p:cNvPicPr>
+          <p:nvPr/>
+        </p:nvPicPr>
+        <p:blipFill>
+          <a:blip r:embed="rId2">
+            <a:extLst>
+              <a:ext uri="{28A0092B-C50C-407E-A947-70E740481C1C}">
+                <a14:useLocalDpi xmlns:a14="http://schemas.microsoft.com/office/drawing/2010/main" val="0"/>
+              </a:ext>
+            </a:extLst>
+          </a:blip>
+          <a:srcRect/>
+          <a:stretch>
+            <a:fillRect/>
+          </a:stretch>
+        </p:blipFill>
+        <p:spPr bwMode="auto">
+          <a:xfrm>
+            <a:off x="3179762" y="371246"/>
+            <a:ext cx="5857875" cy="5356454"/>
+          </a:xfrm>
+          <a:prstGeom prst="rect">
+            <a:avLst/>
+          </a:prstGeom>
+          <a:noFill/>
+          <a:extLst>
+            <a:ext uri="{909E8E84-426E-40DD-AFC4-6F175D3DCCD1}">
+              <a14:hiddenFill xmlns:a14="http://schemas.microsoft.com/office/drawing/2010/main">
+                <a:solidFill>
+                  <a:srgbClr val="FFFFFF"/>
+                </a:solidFill>
+              </a14:hiddenFill>
+            </a:ext>
+          </a:extLst>
+        </p:spPr>
+      </p:pic>
+      <p:sp>
+        <p:nvSpPr>
+          <p:cNvPr id="9" name="Oval 8"/>
+          <p:cNvSpPr/>
+          <p:nvPr/>
         </p:nvSpPr>
         <p:spPr>
           <a:xfrm>
-            <a:off x="254000" y="1205131"/>
-            <a:ext cx="11772900" cy="5524500"/>
+            <a:off x="6862762" y="2355850"/>
+            <a:ext cx="1574800" cy="273050"/>
           </a:xfrm>
+          <a:prstGeom prst="ellipse">
+            <a:avLst/>
+          </a:prstGeom>
+          <a:noFill/>
+          <a:ln>
+            <a:solidFill>
+              <a:srgbClr val="FF0000"/>
+            </a:solidFill>
+          </a:ln>
         </p:spPr>
-        <p:txBody>
-          <a:bodyPr>
-            <a:normAutofit lnSpcReduction="10000"/>
-          </a:bodyPr>
-          <a:lstStyle/>
-          <a:p>
-            <a:r>
-              <a:rPr lang="en-US" dirty="0" smtClean="0"/>
-              <a:t>Decreased </a:t>
-            </a:r>
-            <a:r>
-              <a:rPr lang="en-US" u="sng" dirty="0" smtClean="0"/>
-              <a:t>Salary</a:t>
-            </a:r>
-            <a:endParaRPr lang="en-US" dirty="0" smtClean="0"/>
-          </a:p>
-          <a:p>
-            <a:pPr lvl="1"/>
-            <a:r>
-              <a:rPr lang="en-US" sz="1900" dirty="0" smtClean="0"/>
-              <a:t>Shen et al. 2010. Why women earn less: Just two factors explain post-PhD pay gap. Nature </a:t>
-            </a:r>
-            <a:endParaRPr lang="en-US" sz="2200" dirty="0" smtClean="0"/>
-          </a:p>
-          <a:p>
-            <a:r>
-              <a:rPr lang="en-US" dirty="0" smtClean="0"/>
-              <a:t>Decreased in </a:t>
-            </a:r>
-            <a:r>
-              <a:rPr lang="en-US" u="sng" dirty="0" smtClean="0"/>
-              <a:t>Hiring and Mentoring</a:t>
-            </a:r>
-          </a:p>
-          <a:p>
-            <a:pPr lvl="1"/>
-            <a:r>
-              <a:rPr lang="en-US" sz="1900" dirty="0" smtClean="0"/>
-              <a:t>Moss-</a:t>
-            </a:r>
-            <a:r>
-              <a:rPr lang="en-US" sz="1900" dirty="0" err="1" smtClean="0"/>
-              <a:t>Rascusin</a:t>
-            </a:r>
-            <a:r>
-              <a:rPr lang="en-US" sz="1900" dirty="0" smtClean="0"/>
-              <a:t> </a:t>
-            </a:r>
-            <a:r>
-              <a:rPr lang="en-US" sz="1900" i="1" dirty="0" smtClean="0"/>
-              <a:t>et al. </a:t>
-            </a:r>
-            <a:r>
-              <a:rPr lang="en-US" sz="1900" dirty="0" smtClean="0"/>
-              <a:t>2012. Science faculty’s subtle gender biases favor male students. PNAS</a:t>
-            </a:r>
-          </a:p>
-          <a:p>
-            <a:r>
-              <a:rPr lang="en-US" dirty="0" smtClean="0"/>
-              <a:t>Decreased </a:t>
-            </a:r>
-            <a:r>
-              <a:rPr lang="en-US" u="sng" dirty="0" smtClean="0"/>
-              <a:t>Funding</a:t>
-            </a:r>
-            <a:r>
-              <a:rPr lang="en-US" dirty="0" smtClean="0"/>
-              <a:t> (4%)</a:t>
-            </a:r>
-          </a:p>
-          <a:p>
-            <a:pPr lvl="1"/>
-            <a:r>
-              <a:rPr lang="en-US" sz="1900" dirty="0" smtClean="0"/>
-              <a:t>Van der lee &amp; </a:t>
-            </a:r>
-            <a:r>
-              <a:rPr lang="en-US" sz="1900" dirty="0" err="1" smtClean="0"/>
-              <a:t>Ellemers</a:t>
-            </a:r>
-            <a:r>
-              <a:rPr lang="en-US" sz="1900" dirty="0" smtClean="0"/>
-              <a:t>. 2015. Gender </a:t>
-            </a:r>
-            <a:r>
-              <a:rPr lang="en-US" sz="1900" dirty="0"/>
-              <a:t>contributes to personal research </a:t>
-            </a:r>
-            <a:r>
-              <a:rPr lang="en-US" sz="1900" dirty="0" smtClean="0"/>
-              <a:t>funding </a:t>
-            </a:r>
-            <a:r>
-              <a:rPr lang="en-CA" sz="1900" dirty="0" smtClean="0"/>
-              <a:t>success </a:t>
-            </a:r>
-            <a:r>
-              <a:rPr lang="en-CA" sz="1900" dirty="0"/>
-              <a:t>in The </a:t>
-            </a:r>
-            <a:r>
-              <a:rPr lang="en-CA" sz="1900" dirty="0" smtClean="0"/>
-              <a:t>Netherlands. PNAS. </a:t>
-            </a:r>
-          </a:p>
-          <a:p>
-            <a:r>
-              <a:rPr lang="en-US" dirty="0" smtClean="0"/>
-              <a:t>Decreased </a:t>
-            </a:r>
-            <a:r>
-              <a:rPr lang="en-US" u="sng" dirty="0" smtClean="0"/>
-              <a:t>Awards and Prizes</a:t>
-            </a:r>
-          </a:p>
-          <a:p>
-            <a:pPr lvl="1"/>
-            <a:r>
-              <a:rPr lang="en-US" sz="1900" dirty="0" smtClean="0"/>
-              <a:t>Lincoln </a:t>
-            </a:r>
-            <a:r>
-              <a:rPr lang="en-US" sz="1900" i="1" dirty="0" smtClean="0"/>
-              <a:t>et al. </a:t>
-            </a:r>
-            <a:r>
-              <a:rPr lang="en-US" sz="1900" dirty="0" smtClean="0"/>
-              <a:t>2012. The Matilda Effect in science: Awards and prizes in the US, 1990s and 2000s. Social Studies of Science. </a:t>
-            </a:r>
-          </a:p>
-          <a:p>
-            <a:r>
-              <a:rPr lang="en-US" dirty="0" smtClean="0"/>
-              <a:t>Decreased </a:t>
-            </a:r>
-            <a:r>
-              <a:rPr lang="en-US" u="sng" dirty="0" smtClean="0"/>
-              <a:t>Publication</a:t>
-            </a:r>
-            <a:r>
-              <a:rPr lang="en-US" dirty="0" smtClean="0"/>
-              <a:t> (8%)</a:t>
-            </a:r>
-          </a:p>
-          <a:p>
-            <a:pPr lvl="1"/>
-            <a:r>
-              <a:rPr lang="en-US" sz="1900" dirty="0" err="1" smtClean="0"/>
-              <a:t>Budden</a:t>
-            </a:r>
-            <a:r>
-              <a:rPr lang="en-US" sz="1900" dirty="0" smtClean="0"/>
-              <a:t> </a:t>
-            </a:r>
-            <a:r>
-              <a:rPr lang="en-US" sz="1900" i="1" dirty="0" smtClean="0"/>
-              <a:t>et al. </a:t>
-            </a:r>
-            <a:r>
-              <a:rPr lang="en-US" sz="1900" dirty="0" smtClean="0"/>
-              <a:t>2008. Double-blind </a:t>
-            </a:r>
-            <a:r>
-              <a:rPr lang="en-US" sz="1900" dirty="0"/>
-              <a:t>review </a:t>
-            </a:r>
-            <a:r>
-              <a:rPr lang="en-US" sz="1900" dirty="0" err="1"/>
-              <a:t>favours</a:t>
-            </a:r>
-            <a:r>
-              <a:rPr lang="en-US" sz="1900" dirty="0"/>
-              <a:t> increased representation of female </a:t>
-            </a:r>
-            <a:r>
-              <a:rPr lang="en-US" sz="1900" dirty="0" smtClean="0"/>
-              <a:t>authors. Trends in Ecology and Evolution</a:t>
-            </a:r>
-          </a:p>
-          <a:p>
-            <a:pPr lvl="1"/>
-            <a:endParaRPr lang="en-US" sz="1900" dirty="0"/>
-          </a:p>
-          <a:p>
-            <a:pPr marL="457200" lvl="1" indent="0">
-              <a:buNone/>
-            </a:pPr>
-            <a:r>
-              <a:rPr lang="en-US" dirty="0" smtClean="0"/>
-              <a:t>=&gt; These differences are not associated with differences in productivity or performance</a:t>
-            </a:r>
-          </a:p>
-          <a:p>
-            <a:pPr marL="0" indent="0">
-              <a:buNone/>
-            </a:pPr>
-            <a:endParaRPr lang="en-CA" sz="2200" u="sng" dirty="0"/>
-          </a:p>
-        </p:txBody>
-      </p:sp>
-      <p:sp>
-        <p:nvSpPr>
-          <p:cNvPr id="8" name="Title 1"/>
-          <p:cNvSpPr>
-            <a:spLocks noGrp="1"/>
-          </p:cNvSpPr>
-          <p:nvPr>
-            <p:ph type="title"/>
-          </p:nvPr>
+        <p:style>
+          <a:lnRef idx="2">
+            <a:schemeClr val="accent1">
+              <a:shade val="50000"/>
+            </a:schemeClr>
+          </a:lnRef>
+          <a:fillRef idx="1">
+            <a:schemeClr val="accent1"/>
+          </a:fillRef>
+          <a:effectRef idx="0">
+            <a:schemeClr val="accent1"/>
+          </a:effectRef>
+          <a:fontRef idx="minor">
+            <a:schemeClr val="lt1"/>
+          </a:fontRef>
+        </p:style>
+        <p:txBody>
+          <a:bodyPr rtlCol="0" anchor="ctr"/>
+          <a:lstStyle/>
+          <a:p>
+            <a:pPr algn="ctr"/>
+            <a:endParaRPr lang="en-CA"/>
+          </a:p>
+        </p:txBody>
+      </p:sp>
+      <p:sp>
+        <p:nvSpPr>
+          <p:cNvPr id="10" name="Oval 9"/>
+          <p:cNvSpPr/>
+          <p:nvPr/>
         </p:nvSpPr>
         <p:spPr>
           <a:xfrm>
-            <a:off x="0" y="276226"/>
-            <a:ext cx="4953000" cy="840005"/>
+            <a:off x="6761162" y="4476750"/>
+            <a:ext cx="1574800" cy="273050"/>
           </a:xfrm>
+          <a:prstGeom prst="ellipse">
+            <a:avLst/>
+          </a:prstGeom>
+          <a:noFill/>
+          <a:ln>
+            <a:solidFill>
+              <a:srgbClr val="FF0000"/>
+            </a:solidFill>
+          </a:ln>
         </p:spPr>
-        <p:txBody>
-          <a:bodyPr>
-            <a:normAutofit/>
+        <p:style>
+          <a:lnRef idx="2">
+            <a:schemeClr val="accent1">
+              <a:shade val="50000"/>
+            </a:schemeClr>
+          </a:lnRef>
+          <a:fillRef idx="1">
+            <a:schemeClr val="accent1"/>
+          </a:fillRef>
+          <a:effectRef idx="0">
+            <a:schemeClr val="accent1"/>
+          </a:effectRef>
+          <a:fontRef idx="minor">
+            <a:schemeClr val="lt1"/>
+          </a:fontRef>
+        </p:style>
+        <p:txBody>
+          <a:bodyPr rtlCol="0" anchor="ctr"/>
+          <a:lstStyle/>
+          <a:p>
+            <a:pPr algn="ctr"/>
+            <a:endParaRPr lang="en-CA"/>
+          </a:p>
+        </p:txBody>
+      </p:sp>
+      <p:sp>
+        <p:nvSpPr>
+          <p:cNvPr id="11" name="Oval 10"/>
+          <p:cNvSpPr/>
+          <p:nvPr/>
+        </p:nvSpPr>
+        <p:spPr>
+          <a:xfrm>
+            <a:off x="6761162" y="4749800"/>
+            <a:ext cx="1574800" cy="273050"/>
+          </a:xfrm>
+          <a:prstGeom prst="ellipse">
+            <a:avLst/>
+          </a:prstGeom>
+          <a:noFill/>
+          <a:ln>
+            <a:solidFill>
+              <a:srgbClr val="FF0000"/>
+            </a:solidFill>
+          </a:ln>
+        </p:spPr>
+        <p:style>
+          <a:lnRef idx="2">
+            <a:schemeClr val="accent1">
+              <a:shade val="50000"/>
+            </a:schemeClr>
+          </a:lnRef>
+          <a:fillRef idx="1">
+            <a:schemeClr val="accent1"/>
+          </a:fillRef>
+          <a:effectRef idx="0">
+            <a:schemeClr val="accent1"/>
+          </a:effectRef>
+          <a:fontRef idx="minor">
+            <a:schemeClr val="lt1"/>
+          </a:fontRef>
+        </p:style>
+        <p:txBody>
+          <a:bodyPr rtlCol="0" anchor="ctr"/>
+          <a:lstStyle/>
+          <a:p>
+            <a:pPr algn="ctr"/>
+            <a:endParaRPr lang="en-CA"/>
+          </a:p>
+        </p:txBody>
+      </p:sp>
+      <p:sp>
+        <p:nvSpPr>
+          <p:cNvPr id="13" name="Oval 12"/>
+          <p:cNvSpPr/>
+          <p:nvPr/>
+        </p:nvSpPr>
+        <p:spPr>
+          <a:xfrm>
+            <a:off x="3746500" y="4749800"/>
+            <a:ext cx="1574800" cy="273050"/>
+          </a:xfrm>
+          <a:prstGeom prst="ellipse">
+            <a:avLst/>
+          </a:prstGeom>
+          <a:noFill/>
+          <a:ln>
+            <a:solidFill>
+              <a:srgbClr val="FF0000"/>
+            </a:solidFill>
+          </a:ln>
+        </p:spPr>
+        <p:style>
+          <a:lnRef idx="2">
+            <a:schemeClr val="accent1">
+              <a:shade val="50000"/>
+            </a:schemeClr>
+          </a:lnRef>
+          <a:fillRef idx="1">
+            <a:schemeClr val="accent1"/>
+          </a:fillRef>
+          <a:effectRef idx="0">
+            <a:schemeClr val="accent1"/>
+          </a:effectRef>
+          <a:fontRef idx="minor">
+            <a:schemeClr val="lt1"/>
+          </a:fontRef>
+        </p:style>
+        <p:txBody>
+          <a:bodyPr rtlCol="0" anchor="ctr"/>
+          <a:lstStyle/>
+          <a:p>
+            <a:pPr algn="ctr"/>
+            <a:endParaRPr lang="en-CA"/>
+          </a:p>
+        </p:txBody>
+      </p:sp>
+      <p:sp>
+        <p:nvSpPr>
+          <p:cNvPr id="14" name="Oval 13"/>
+          <p:cNvSpPr/>
+          <p:nvPr/>
+        </p:nvSpPr>
+        <p:spPr>
+          <a:xfrm>
+            <a:off x="3746500" y="5422671"/>
+            <a:ext cx="1574800" cy="273050"/>
+          </a:xfrm>
+          <a:prstGeom prst="ellipse">
+            <a:avLst/>
+          </a:prstGeom>
+          <a:noFill/>
+          <a:ln>
+            <a:solidFill>
+              <a:srgbClr val="FF0000"/>
+            </a:solidFill>
+          </a:ln>
+        </p:spPr>
+        <p:style>
+          <a:lnRef idx="2">
+            <a:schemeClr val="accent1">
+              <a:shade val="50000"/>
+            </a:schemeClr>
+          </a:lnRef>
+          <a:fillRef idx="1">
+            <a:schemeClr val="accent1"/>
+          </a:fillRef>
+          <a:effectRef idx="0">
+            <a:schemeClr val="accent1"/>
+          </a:effectRef>
+          <a:fontRef idx="minor">
+            <a:schemeClr val="lt1"/>
+          </a:fontRef>
+        </p:style>
+        <p:txBody>
+          <a:bodyPr rtlCol="0" anchor="ctr"/>
+          <a:lstStyle/>
+          <a:p>
+            <a:pPr algn="ctr"/>
+            <a:endParaRPr lang="en-CA"/>
+          </a:p>
+        </p:txBody>
+      </p:sp>
+      <p:sp>
+        <p:nvSpPr>
+          <p:cNvPr id="7" name="TextBox 6"/>
+          <p:cNvSpPr txBox="1"/>
+          <p:nvPr/>
+        </p:nvSpPr>
+        <p:spPr>
+          <a:xfrm>
+            <a:off x="9455150" y="1025754"/>
+            <a:ext cx="1924051" cy="2554545"/>
+          </a:xfrm>
+          <a:prstGeom prst="rect">
+            <a:avLst/>
+          </a:prstGeom>
+          <a:noFill/>
+        </p:spPr>
+        <p:txBody>
+          <a:bodyPr wrap="square" rtlCol="0">
+            <a:spAutoFit/>
           </a:bodyPr>
           <a:lstStyle/>
           <a:p>
+            <a:r>
+              <a:rPr lang="en-US" sz="2000" b="1" dirty="0" smtClean="0"/>
+              <a:t>These are also qualities we look for in scientists, </a:t>
+            </a:r>
+          </a:p>
+          <a:p>
+            <a:r>
+              <a:rPr lang="en-US" sz="2000" b="1" dirty="0" smtClean="0"/>
+              <a:t>So the idea of a woman scientist clashes with our implicit biases.</a:t>
+            </a:r>
+          </a:p>
+        </p:txBody>
+      </p:sp>
+      <p:cxnSp>
+        <p:nvCxnSpPr>
+          <p:cNvPr id="16" name="Straight Arrow Connector 15"/>
+          <p:cNvCxnSpPr>
+            <a:stCxn id="7" idx="1"/>
+            <a:endCxn id="24" idx="6"/>
+          </p:cNvCxnSpPr>
+          <p:nvPr/>
+        </p:nvCxnSpPr>
+        <p:spPr>
+          <a:xfrm flipH="1" flipV="1">
+            <a:off x="8437562" y="1766546"/>
+            <a:ext cx="1017588" cy="536481"/>
+          </a:xfrm>
+          <a:prstGeom prst="straightConnector1">
+            <a:avLst/>
+          </a:prstGeom>
+          <a:ln>
+            <a:solidFill>
+              <a:srgbClr val="FF0000"/>
+            </a:solidFill>
+            <a:tailEnd type="triangle"/>
+          </a:ln>
+        </p:spPr>
+        <p:style>
+          <a:lnRef idx="1">
+            <a:schemeClr val="accent1"/>
+          </a:lnRef>
+          <a:fillRef idx="0">
+            <a:schemeClr val="accent1"/>
+          </a:fillRef>
+          <a:effectRef idx="0">
+            <a:schemeClr val="accent1"/>
+          </a:effectRef>
+          <a:fontRef idx="minor">
+            <a:schemeClr val="tx1"/>
+          </a:fontRef>
+        </p:style>
+      </p:cxnSp>
+      <p:cxnSp>
+        <p:nvCxnSpPr>
+          <p:cNvPr id="18" name="Straight Arrow Connector 17"/>
+          <p:cNvCxnSpPr>
+            <a:stCxn id="7" idx="1"/>
+            <a:endCxn id="9" idx="6"/>
+          </p:cNvCxnSpPr>
+          <p:nvPr/>
+        </p:nvCxnSpPr>
+        <p:spPr>
+          <a:xfrm flipH="1">
+            <a:off x="8437562" y="2303027"/>
+            <a:ext cx="1017588" cy="189348"/>
+          </a:xfrm>
+          <a:prstGeom prst="straightConnector1">
+            <a:avLst/>
+          </a:prstGeom>
+          <a:ln>
+            <a:solidFill>
+              <a:srgbClr val="FF0000"/>
+            </a:solidFill>
+            <a:tailEnd type="triangle"/>
+          </a:ln>
+        </p:spPr>
+        <p:style>
+          <a:lnRef idx="1">
+            <a:schemeClr val="accent1"/>
+          </a:lnRef>
+          <a:fillRef idx="0">
+            <a:schemeClr val="accent1"/>
+          </a:fillRef>
+          <a:effectRef idx="0">
+            <a:schemeClr val="accent1"/>
+          </a:effectRef>
+          <a:fontRef idx="minor">
+            <a:schemeClr val="tx1"/>
+          </a:fontRef>
+        </p:style>
+      </p:cxnSp>
+      <p:cxnSp>
+        <p:nvCxnSpPr>
+          <p:cNvPr id="20" name="Straight Arrow Connector 19"/>
+          <p:cNvCxnSpPr>
+            <a:stCxn id="7" idx="1"/>
+            <a:endCxn id="10" idx="6"/>
+          </p:cNvCxnSpPr>
+          <p:nvPr/>
+        </p:nvCxnSpPr>
+        <p:spPr>
+          <a:xfrm flipH="1">
+            <a:off x="8335962" y="2303027"/>
+            <a:ext cx="1119188" cy="2310248"/>
+          </a:xfrm>
+          <a:prstGeom prst="straightConnector1">
+            <a:avLst/>
+          </a:prstGeom>
+          <a:ln>
+            <a:solidFill>
+              <a:srgbClr val="FF0000"/>
+            </a:solidFill>
+            <a:tailEnd type="triangle"/>
+          </a:ln>
+        </p:spPr>
+        <p:style>
+          <a:lnRef idx="1">
+            <a:schemeClr val="accent1"/>
+          </a:lnRef>
+          <a:fillRef idx="0">
+            <a:schemeClr val="accent1"/>
+          </a:fillRef>
+          <a:effectRef idx="0">
+            <a:schemeClr val="accent1"/>
+          </a:effectRef>
+          <a:fontRef idx="minor">
+            <a:schemeClr val="tx1"/>
+          </a:fontRef>
+        </p:style>
+      </p:cxnSp>
+      <p:cxnSp>
+        <p:nvCxnSpPr>
+          <p:cNvPr id="22" name="Straight Arrow Connector 21"/>
+          <p:cNvCxnSpPr>
+            <a:stCxn id="7" idx="1"/>
+            <a:endCxn id="11" idx="6"/>
+          </p:cNvCxnSpPr>
+          <p:nvPr/>
+        </p:nvCxnSpPr>
+        <p:spPr>
+          <a:xfrm flipH="1">
+            <a:off x="8335962" y="2303027"/>
+            <a:ext cx="1119188" cy="2583298"/>
+          </a:xfrm>
+          <a:prstGeom prst="straightConnector1">
+            <a:avLst/>
+          </a:prstGeom>
+          <a:ln>
+            <a:solidFill>
+              <a:srgbClr val="FF0000"/>
+            </a:solidFill>
+            <a:tailEnd type="triangle"/>
+          </a:ln>
+        </p:spPr>
+        <p:style>
+          <a:lnRef idx="1">
+            <a:schemeClr val="accent1"/>
+          </a:lnRef>
+          <a:fillRef idx="0">
+            <a:schemeClr val="accent1"/>
+          </a:fillRef>
+          <a:effectRef idx="0">
+            <a:schemeClr val="accent1"/>
+          </a:effectRef>
+          <a:fontRef idx="minor">
+            <a:schemeClr val="tx1"/>
+          </a:fontRef>
+        </p:style>
+      </p:cxnSp>
+      <p:sp>
+        <p:nvSpPr>
+          <p:cNvPr id="24" name="Oval 23"/>
+          <p:cNvSpPr/>
+          <p:nvPr/>
+        </p:nvSpPr>
+        <p:spPr>
+          <a:xfrm>
+            <a:off x="6862762" y="1645896"/>
+            <a:ext cx="1574800" cy="241300"/>
+          </a:xfrm>
+          <a:prstGeom prst="ellipse">
+            <a:avLst/>
+          </a:prstGeom>
+          <a:noFill/>
+          <a:ln>
+            <a:solidFill>
+              <a:srgbClr val="FF0000"/>
+            </a:solidFill>
+          </a:ln>
+        </p:spPr>
+        <p:style>
+          <a:lnRef idx="2">
+            <a:schemeClr val="accent1">
+              <a:shade val="50000"/>
+            </a:schemeClr>
+          </a:lnRef>
+          <a:fillRef idx="1">
+            <a:schemeClr val="accent1"/>
+          </a:fillRef>
+          <a:effectRef idx="0">
+            <a:schemeClr val="accent1"/>
+          </a:effectRef>
+          <a:fontRef idx="minor">
+            <a:schemeClr val="lt1"/>
+          </a:fontRef>
+        </p:style>
+        <p:txBody>
+          <a:bodyPr rtlCol="0" anchor="ctr"/>
+          <a:lstStyle/>
+          <a:p>
             <a:pPr algn="ctr"/>
-            <a:r>
-              <a:rPr lang="en-US" sz="3600" dirty="0"/>
-              <a:t>The Gender Penalty</a:t>
-            </a:r>
-            <a:endParaRPr lang="en-CA" sz="3600" dirty="0"/>
-          </a:p>
-        </p:txBody>
-      </p:sp>
+            <a:endParaRPr lang="en-CA"/>
+          </a:p>
+        </p:txBody>
+      </p:sp>
+      <p:sp>
+        <p:nvSpPr>
+          <p:cNvPr id="44" name="Oval 43"/>
+          <p:cNvSpPr/>
+          <p:nvPr/>
+        </p:nvSpPr>
+        <p:spPr>
+          <a:xfrm>
+            <a:off x="3121025" y="3742699"/>
+            <a:ext cx="2886074" cy="302674"/>
+          </a:xfrm>
+          <a:prstGeom prst="ellipse">
+            <a:avLst/>
+          </a:prstGeom>
+          <a:noFill/>
+          <a:ln>
+            <a:solidFill>
+              <a:srgbClr val="FF0000"/>
+            </a:solidFill>
+          </a:ln>
+        </p:spPr>
+        <p:style>
+          <a:lnRef idx="2">
+            <a:schemeClr val="accent1">
+              <a:shade val="50000"/>
+            </a:schemeClr>
+          </a:lnRef>
+          <a:fillRef idx="1">
+            <a:schemeClr val="accent1"/>
+          </a:fillRef>
+          <a:effectRef idx="0">
+            <a:schemeClr val="accent1"/>
+          </a:effectRef>
+          <a:fontRef idx="minor">
+            <a:schemeClr val="lt1"/>
+          </a:fontRef>
+        </p:style>
+        <p:txBody>
+          <a:bodyPr rtlCol="0" anchor="ctr"/>
+          <a:lstStyle/>
+          <a:p>
+            <a:pPr algn="ctr"/>
+            <a:endParaRPr lang="en-CA"/>
+          </a:p>
+        </p:txBody>
+      </p:sp>
+      <p:grpSp>
+        <p:nvGrpSpPr>
+          <p:cNvPr id="54" name="Group 53"/>
+          <p:cNvGrpSpPr/>
+          <p:nvPr/>
+        </p:nvGrpSpPr>
+        <p:grpSpPr>
+          <a:xfrm>
+            <a:off x="7950201" y="2273563"/>
+            <a:ext cx="3708399" cy="3441126"/>
+            <a:chOff x="7950201" y="3048263"/>
+            <a:chExt cx="3708399" cy="3441126"/>
+          </a:xfrm>
+        </p:grpSpPr>
+        <p:sp>
+          <p:nvSpPr>
+            <p:cNvPr id="41" name="Rectangle 40"/>
+            <p:cNvSpPr/>
+            <p:nvPr/>
+          </p:nvSpPr>
+          <p:spPr>
+            <a:xfrm>
+              <a:off x="9604375" y="4858173"/>
+              <a:ext cx="2054225" cy="1631216"/>
+            </a:xfrm>
+            <a:prstGeom prst="rect">
+              <a:avLst/>
+            </a:prstGeom>
+          </p:spPr>
+          <p:txBody>
+            <a:bodyPr wrap="square">
+              <a:spAutoFit/>
+            </a:bodyPr>
+            <a:lstStyle/>
+            <a:p>
+              <a:r>
+                <a:rPr lang="en-US" sz="2000" b="1" dirty="0"/>
+                <a:t>Yet women exhibiting these behaviors can be perceived as </a:t>
+              </a:r>
+              <a:r>
+                <a:rPr lang="en-US" sz="2000" b="1" dirty="0" smtClean="0"/>
+                <a:t>“Bossy</a:t>
+              </a:r>
+              <a:r>
+                <a:rPr lang="en-US" sz="2000" b="1" dirty="0"/>
+                <a:t>”</a:t>
+              </a:r>
+              <a:endParaRPr lang="en-CA" sz="2000" b="1" dirty="0"/>
+            </a:p>
+          </p:txBody>
+        </p:sp>
+        <p:cxnSp>
+          <p:nvCxnSpPr>
+            <p:cNvPr id="45" name="Straight Arrow Connector 44"/>
+            <p:cNvCxnSpPr>
+              <a:stCxn id="41" idx="1"/>
+            </p:cNvCxnSpPr>
+            <p:nvPr/>
+          </p:nvCxnSpPr>
+          <p:spPr>
+            <a:xfrm flipH="1" flipV="1">
+              <a:off x="9021761" y="4762803"/>
+              <a:ext cx="582614" cy="910978"/>
+            </a:xfrm>
+            <a:prstGeom prst="straightConnector1">
+              <a:avLst/>
+            </a:prstGeom>
+            <a:ln>
+              <a:solidFill>
+                <a:schemeClr val="tx1"/>
+              </a:solidFill>
+              <a:tailEnd type="triangle"/>
+            </a:ln>
+          </p:spPr>
+          <p:style>
+            <a:lnRef idx="1">
+              <a:schemeClr val="accent1"/>
+            </a:lnRef>
+            <a:fillRef idx="0">
+              <a:schemeClr val="accent1"/>
+            </a:fillRef>
+            <a:effectRef idx="0">
+              <a:schemeClr val="accent1"/>
+            </a:effectRef>
+            <a:fontRef idx="minor">
+              <a:schemeClr val="tx1"/>
+            </a:fontRef>
+          </p:style>
+        </p:cxnSp>
+        <p:cxnSp>
+          <p:nvCxnSpPr>
+            <p:cNvPr id="47" name="Straight Arrow Connector 46"/>
+            <p:cNvCxnSpPr>
+              <a:stCxn id="41" idx="1"/>
+            </p:cNvCxnSpPr>
+            <p:nvPr/>
+          </p:nvCxnSpPr>
+          <p:spPr>
+            <a:xfrm flipH="1">
+              <a:off x="7950201" y="5673781"/>
+              <a:ext cx="1654174" cy="479728"/>
+            </a:xfrm>
+            <a:prstGeom prst="straightConnector1">
+              <a:avLst/>
+            </a:prstGeom>
+            <a:ln>
+              <a:solidFill>
+                <a:schemeClr val="tx1"/>
+              </a:solidFill>
+              <a:tailEnd type="triangle"/>
+            </a:ln>
+          </p:spPr>
+          <p:style>
+            <a:lnRef idx="1">
+              <a:schemeClr val="accent1"/>
+            </a:lnRef>
+            <a:fillRef idx="0">
+              <a:schemeClr val="accent1"/>
+            </a:fillRef>
+            <a:effectRef idx="0">
+              <a:schemeClr val="accent1"/>
+            </a:effectRef>
+            <a:fontRef idx="minor">
+              <a:schemeClr val="tx1"/>
+            </a:fontRef>
+          </p:style>
+        </p:cxnSp>
+        <p:cxnSp>
+          <p:nvCxnSpPr>
+            <p:cNvPr id="49" name="Straight Arrow Connector 48"/>
+            <p:cNvCxnSpPr>
+              <a:stCxn id="41" idx="1"/>
+            </p:cNvCxnSpPr>
+            <p:nvPr/>
+          </p:nvCxnSpPr>
+          <p:spPr>
+            <a:xfrm flipH="1">
+              <a:off x="8335963" y="5673781"/>
+              <a:ext cx="1268412" cy="675877"/>
+            </a:xfrm>
+            <a:prstGeom prst="straightConnector1">
+              <a:avLst/>
+            </a:prstGeom>
+            <a:ln>
+              <a:solidFill>
+                <a:schemeClr val="tx1"/>
+              </a:solidFill>
+              <a:tailEnd type="triangle"/>
+            </a:ln>
+          </p:spPr>
+          <p:style>
+            <a:lnRef idx="1">
+              <a:schemeClr val="accent1"/>
+            </a:lnRef>
+            <a:fillRef idx="0">
+              <a:schemeClr val="accent1"/>
+            </a:fillRef>
+            <a:effectRef idx="0">
+              <a:schemeClr val="accent1"/>
+            </a:effectRef>
+            <a:fontRef idx="minor">
+              <a:schemeClr val="tx1"/>
+            </a:fontRef>
+          </p:style>
+        </p:cxnSp>
+        <p:cxnSp>
+          <p:nvCxnSpPr>
+            <p:cNvPr id="51" name="Straight Arrow Connector 50"/>
+            <p:cNvCxnSpPr>
+              <a:stCxn id="41" idx="1"/>
+            </p:cNvCxnSpPr>
+            <p:nvPr/>
+          </p:nvCxnSpPr>
+          <p:spPr>
+            <a:xfrm flipH="1" flipV="1">
+              <a:off x="8242301" y="3048263"/>
+              <a:ext cx="1362074" cy="2625518"/>
+            </a:xfrm>
+            <a:prstGeom prst="straightConnector1">
+              <a:avLst/>
+            </a:prstGeom>
+            <a:ln>
+              <a:solidFill>
+                <a:schemeClr val="tx1"/>
+              </a:solidFill>
+              <a:tailEnd type="triangle"/>
+            </a:ln>
+          </p:spPr>
+          <p:style>
+            <a:lnRef idx="1">
+              <a:schemeClr val="accent1"/>
+            </a:lnRef>
+            <a:fillRef idx="0">
+              <a:schemeClr val="accent1"/>
+            </a:fillRef>
+            <a:effectRef idx="0">
+              <a:schemeClr val="accent1"/>
+            </a:effectRef>
+            <a:fontRef idx="minor">
+              <a:schemeClr val="tx1"/>
+            </a:fontRef>
+          </p:style>
+        </p:cxnSp>
+      </p:grpSp>
+      <p:grpSp>
+        <p:nvGrpSpPr>
+          <p:cNvPr id="5125" name="Group 5124"/>
+          <p:cNvGrpSpPr/>
+          <p:nvPr/>
+        </p:nvGrpSpPr>
+        <p:grpSpPr>
+          <a:xfrm>
+            <a:off x="110331" y="2594769"/>
+            <a:ext cx="4148930" cy="3416320"/>
+            <a:chOff x="164704" y="3267075"/>
+            <a:chExt cx="4148930" cy="3416320"/>
+          </a:xfrm>
+        </p:grpSpPr>
+        <p:sp>
+          <p:nvSpPr>
+            <p:cNvPr id="43" name="Rectangle 42"/>
+            <p:cNvSpPr/>
+            <p:nvPr/>
+          </p:nvSpPr>
+          <p:spPr>
+            <a:xfrm>
+              <a:off x="164704" y="3267075"/>
+              <a:ext cx="2661442" cy="3416320"/>
+            </a:xfrm>
+            <a:prstGeom prst="rect">
+              <a:avLst/>
+            </a:prstGeom>
+            <a:ln>
+              <a:noFill/>
+            </a:ln>
+          </p:spPr>
+          <p:txBody>
+            <a:bodyPr wrap="square">
+              <a:spAutoFit/>
+            </a:bodyPr>
+            <a:lstStyle/>
+            <a:p>
+              <a:r>
+                <a:rPr lang="en-US" sz="2400" b="1" dirty="0" smtClean="0"/>
+                <a:t>At work, women are expected to put the good of the group ahead of themselves</a:t>
+              </a:r>
+            </a:p>
+            <a:p>
+              <a:endParaRPr lang="en-US" sz="2400" b="1" dirty="0"/>
+            </a:p>
+            <a:p>
+              <a:r>
+                <a:rPr lang="en-US" sz="2400" b="1" dirty="0" smtClean="0"/>
+                <a:t>But that’s not how one advances their scientific career! </a:t>
+              </a:r>
+              <a:endParaRPr lang="en-CA" sz="2400" b="1" dirty="0"/>
+            </a:p>
+          </p:txBody>
+        </p:sp>
+        <p:cxnSp>
+          <p:nvCxnSpPr>
+            <p:cNvPr id="60" name="Straight Arrow Connector 59"/>
+            <p:cNvCxnSpPr>
+              <a:stCxn id="43" idx="3"/>
+            </p:cNvCxnSpPr>
+            <p:nvPr/>
+          </p:nvCxnSpPr>
+          <p:spPr>
+            <a:xfrm>
+              <a:off x="2826146" y="4975235"/>
+              <a:ext cx="1042988" cy="1306819"/>
+            </a:xfrm>
+            <a:prstGeom prst="straightConnector1">
+              <a:avLst/>
+            </a:prstGeom>
+            <a:ln>
+              <a:solidFill>
+                <a:schemeClr val="tx1"/>
+              </a:solidFill>
+              <a:tailEnd type="triangle"/>
+            </a:ln>
+          </p:spPr>
+          <p:style>
+            <a:lnRef idx="1">
+              <a:schemeClr val="accent1"/>
+            </a:lnRef>
+            <a:fillRef idx="0">
+              <a:schemeClr val="accent1"/>
+            </a:fillRef>
+            <a:effectRef idx="0">
+              <a:schemeClr val="accent1"/>
+            </a:effectRef>
+            <a:fontRef idx="minor">
+              <a:schemeClr val="tx1"/>
+            </a:fontRef>
+          </p:style>
+        </p:cxnSp>
+        <p:cxnSp>
+          <p:nvCxnSpPr>
+            <p:cNvPr id="62" name="Straight Arrow Connector 61"/>
+            <p:cNvCxnSpPr>
+              <a:stCxn id="43" idx="3"/>
+              <a:endCxn id="44" idx="2"/>
+            </p:cNvCxnSpPr>
+            <p:nvPr/>
+          </p:nvCxnSpPr>
+          <p:spPr>
+            <a:xfrm flipV="1">
+              <a:off x="2826146" y="4579042"/>
+              <a:ext cx="349252" cy="396193"/>
+            </a:xfrm>
+            <a:prstGeom prst="straightConnector1">
+              <a:avLst/>
+            </a:prstGeom>
+            <a:ln>
+              <a:solidFill>
+                <a:schemeClr val="tx1"/>
+              </a:solidFill>
+              <a:tailEnd type="triangle"/>
+            </a:ln>
+          </p:spPr>
+          <p:style>
+            <a:lnRef idx="1">
+              <a:schemeClr val="accent1"/>
+            </a:lnRef>
+            <a:fillRef idx="0">
+              <a:schemeClr val="accent1"/>
+            </a:fillRef>
+            <a:effectRef idx="0">
+              <a:schemeClr val="accent1"/>
+            </a:effectRef>
+            <a:fontRef idx="minor">
+              <a:schemeClr val="tx1"/>
+            </a:fontRef>
+          </p:style>
+        </p:cxnSp>
+        <p:cxnSp>
+          <p:nvCxnSpPr>
+            <p:cNvPr id="5120" name="Straight Arrow Connector 5119"/>
+            <p:cNvCxnSpPr>
+              <a:stCxn id="43" idx="3"/>
+            </p:cNvCxnSpPr>
+            <p:nvPr/>
+          </p:nvCxnSpPr>
+          <p:spPr>
+            <a:xfrm>
+              <a:off x="2826146" y="4975235"/>
+              <a:ext cx="1335088" cy="1033769"/>
+            </a:xfrm>
+            <a:prstGeom prst="straightConnector1">
+              <a:avLst/>
+            </a:prstGeom>
+            <a:ln>
+              <a:solidFill>
+                <a:schemeClr val="tx1"/>
+              </a:solidFill>
+              <a:tailEnd type="triangle"/>
+            </a:ln>
+          </p:spPr>
+          <p:style>
+            <a:lnRef idx="1">
+              <a:schemeClr val="accent1"/>
+            </a:lnRef>
+            <a:fillRef idx="0">
+              <a:schemeClr val="accent1"/>
+            </a:fillRef>
+            <a:effectRef idx="0">
+              <a:schemeClr val="accent1"/>
+            </a:effectRef>
+            <a:fontRef idx="minor">
+              <a:schemeClr val="tx1"/>
+            </a:fontRef>
+          </p:style>
+        </p:cxnSp>
+        <p:cxnSp>
+          <p:nvCxnSpPr>
+            <p:cNvPr id="5123" name="Straight Arrow Connector 5122"/>
+            <p:cNvCxnSpPr>
+              <a:stCxn id="43" idx="3"/>
+            </p:cNvCxnSpPr>
+            <p:nvPr/>
+          </p:nvCxnSpPr>
+          <p:spPr>
+            <a:xfrm>
+              <a:off x="2826146" y="4975235"/>
+              <a:ext cx="1487488" cy="753191"/>
+            </a:xfrm>
+            <a:prstGeom prst="straightConnector1">
+              <a:avLst/>
+            </a:prstGeom>
+            <a:ln>
+              <a:solidFill>
+                <a:schemeClr val="tx1"/>
+              </a:solidFill>
+              <a:tailEnd type="triangle"/>
+            </a:ln>
+          </p:spPr>
+          <p:style>
+            <a:lnRef idx="1">
+              <a:schemeClr val="accent1"/>
+            </a:lnRef>
+            <a:fillRef idx="0">
+              <a:schemeClr val="accent1"/>
+            </a:fillRef>
+            <a:effectRef idx="0">
+              <a:schemeClr val="accent1"/>
+            </a:effectRef>
+            <a:fontRef idx="minor">
+              <a:schemeClr val="tx1"/>
+            </a:fontRef>
+          </p:style>
+        </p:cxnSp>
+      </p:grpSp>
     </p:spTree>
     <p:extLst>
       <p:ext uri="{BB962C8B-B14F-4D97-AF65-F5344CB8AC3E}">
-        <p14:creationId xmlns:p14="http://schemas.microsoft.com/office/powerpoint/2010/main" val="105643771"/>
+        <p14:creationId xmlns:p14="http://schemas.microsoft.com/office/powerpoint/2010/main" val="1657369397"/>
+      </p:ext>
+    </p:extLst>
+  </p:cSld>
+  <p:clrMapOvr>
+    <a:masterClrMapping/>
+  </p:clrMapOvr>
+  <p:timing>
+    <p:tnLst>
+      <p:par>
+        <p:cTn id="1" dur="indefinite" restart="never" nodeType="tmRoot">
+          <p:childTnLst>
+            <p:seq concurrent="1" nextAc="seek">
+              <p:cTn id="2" dur="indefinite" nodeType="mainSeq">
+                <p:childTnLst>
+                  <p:par>
+                    <p:cTn id="3" fill="hold">
+                      <p:stCondLst>
+                        <p:cond delay="indefinite"/>
+                      </p:stCondLst>
+                      <p:childTnLst>
+                        <p:par>
+                          <p:cTn id="4" fill="hold">
+                            <p:stCondLst>
+                              <p:cond delay="0"/>
+                            </p:stCondLst>
+                            <p:childTnLst>
+                              <p:par>
+                                <p:cTn id="5" presetID="1" presetClass="entr" presetSubtype="0" fill="hold" nodeType="clickEffect">
+                                  <p:stCondLst>
+                                    <p:cond delay="0"/>
+                                  </p:stCondLst>
+                                  <p:childTnLst>
+                                    <p:set>
+                                      <p:cBhvr>
+                                        <p:cTn id="6" dur="1" fill="hold">
+                                          <p:stCondLst>
+                                            <p:cond delay="0"/>
+                                          </p:stCondLst>
+                                        </p:cTn>
+                                        <p:tgtEl>
+                                          <p:spTgt spid="54"/>
+                                        </p:tgtEl>
+                                        <p:attrNameLst>
+                                          <p:attrName>style.visibility</p:attrName>
+                                        </p:attrNameLst>
+                                      </p:cBhvr>
+                                      <p:to>
+                                        <p:strVal val="visible"/>
+                                      </p:to>
+                                    </p:set>
+                                  </p:childTnLst>
+                                </p:cTn>
+                              </p:par>
+                            </p:childTnLst>
+                          </p:cTn>
+                        </p:par>
+                      </p:childTnLst>
+                    </p:cTn>
+                  </p:par>
+                  <p:par>
+                    <p:cTn id="7" fill="hold">
+                      <p:stCondLst>
+                        <p:cond delay="indefinite"/>
+                      </p:stCondLst>
+                      <p:childTnLst>
+                        <p:par>
+                          <p:cTn id="8" fill="hold">
+                            <p:stCondLst>
+                              <p:cond delay="0"/>
+                            </p:stCondLst>
+                            <p:childTnLst>
+                              <p:par>
+                                <p:cTn id="9" presetID="1" presetClass="entr" presetSubtype="0" fill="hold" nodeType="clickEffect">
+                                  <p:stCondLst>
+                                    <p:cond delay="0"/>
+                                  </p:stCondLst>
+                                  <p:childTnLst>
+                                    <p:set>
+                                      <p:cBhvr>
+                                        <p:cTn id="10" dur="1" fill="hold">
+                                          <p:stCondLst>
+                                            <p:cond delay="0"/>
+                                          </p:stCondLst>
+                                        </p:cTn>
+                                        <p:tgtEl>
+                                          <p:spTgt spid="5125"/>
+                                        </p:tgtEl>
+                                        <p:attrNameLst>
+                                          <p:attrName>style.visibility</p:attrName>
+                                        </p:attrNameLst>
+                                      </p:cBhvr>
+                                      <p:to>
+                                        <p:strVal val="visible"/>
+                                      </p:to>
+                                    </p:set>
+                                  </p:childTnLst>
+                                </p:cTn>
+                              </p:par>
+                            </p:childTnLst>
+                          </p:cTn>
+                        </p:par>
+                      </p:childTnLst>
+                    </p:cTn>
+                  </p:par>
+                </p:childTnLst>
+              </p:cTn>
+              <p:prevCondLst>
+                <p:cond evt="onPrev" delay="0">
+                  <p:tgtEl>
+                    <p:sldTgt/>
+                  </p:tgtEl>
+                </p:cond>
+              </p:prevCondLst>
+              <p:nextCondLst>
+                <p:cond evt="onNext" delay="0">
+                  <p:tgtEl>
+                    <p:sldTgt/>
+                  </p:tgtEl>
+                </p:cond>
+              </p:nextCondLst>
+            </p:seq>
+          </p:childTnLst>
+        </p:cTn>
+      </p:par>
+    </p:tnLst>
+  </p:timing>
+</p:sld>
+</file>
+
+<file path=ppt/slides/slide14.xml><?xml version="1.0" encoding="utf-8"?>
+<p:sld xmlns:a="http://schemas.openxmlformats.org/drawingml/2006/main" xmlns:r="http://schemas.openxmlformats.org/officeDocument/2006/relationships" xmlns:p="http://schemas.openxmlformats.org/presentationml/2006/main">
+  <p:cSld>
+    <p:spTree>
+      <p:nvGrpSpPr>
+        <p:cNvPr id="1" name=""/>
+        <p:cNvGrpSpPr/>
+        <p:nvPr/>
+      </p:nvGrpSpPr>
+      <p:grpSpPr>
+        <a:xfrm>
+          <a:off x="0" y="0"/>
+          <a:ext cx="0" cy="0"/>
+          <a:chOff x="0" y="0"/>
+          <a:chExt cx="0" cy="0"/>
+        </a:xfrm>
+      </p:grpSpPr>
+      <p:sp>
+        <p:nvSpPr>
+          <p:cNvPr id="2" name="Title 1"/>
+          <p:cNvSpPr>
+            <a:spLocks noGrp="1"/>
+          </p:cNvSpPr>
+          <p:nvPr>
+            <p:ph type="title"/>
+          </p:nvPr>
+        </p:nvSpPr>
+        <p:spPr/>
+        <p:txBody>
+          <a:bodyPr/>
+          <a:lstStyle/>
+          <a:p>
+            <a:r>
+              <a:rPr lang="en-US" dirty="0" smtClean="0"/>
+              <a:t>Leading to extra hurdles</a:t>
+            </a:r>
+            <a:endParaRPr lang="en-CA" dirty="0"/>
+          </a:p>
+        </p:txBody>
+      </p:sp>
+      <p:sp>
+        <p:nvSpPr>
+          <p:cNvPr id="3" name="Content Placeholder 2"/>
+          <p:cNvSpPr>
+            <a:spLocks noGrp="1"/>
+          </p:cNvSpPr>
+          <p:nvPr>
+            <p:ph idx="1"/>
+          </p:nvPr>
+        </p:nvSpPr>
+        <p:spPr>
+          <a:xfrm>
+            <a:off x="838200" y="1690688"/>
+            <a:ext cx="10515600" cy="3609975"/>
+          </a:xfrm>
+        </p:spPr>
+        <p:txBody>
+          <a:bodyPr/>
+          <a:lstStyle/>
+          <a:p>
+            <a:r>
+              <a:rPr lang="en-US" b="1" dirty="0" smtClean="0">
+                <a:latin typeface="+mj-lt"/>
+              </a:rPr>
+              <a:t>Prove-it-Again. </a:t>
+            </a:r>
+            <a:r>
+              <a:rPr lang="en-US" dirty="0">
+                <a:latin typeface="+mj-lt"/>
+              </a:rPr>
+              <a:t>Two-thirds of the women interviewed, and two-thirds of the women surveyed, reported having to prove themselves over and over again – their successes discounted, their expertise questioned.</a:t>
+            </a:r>
+            <a:endParaRPr lang="en-US" dirty="0" smtClean="0">
+              <a:latin typeface="+mj-lt"/>
+            </a:endParaRPr>
+          </a:p>
+          <a:p>
+            <a:r>
+              <a:rPr lang="en-US" dirty="0">
+                <a:latin typeface="+mj-lt"/>
+              </a:rPr>
+              <a:t> </a:t>
+            </a:r>
+            <a:r>
+              <a:rPr lang="en-US" b="1" dirty="0" smtClean="0">
+                <a:latin typeface="+mj-lt"/>
+              </a:rPr>
+              <a:t>The Tightrope. </a:t>
+            </a:r>
+            <a:r>
+              <a:rPr lang="en-US" dirty="0" smtClean="0">
+                <a:latin typeface="+mj-lt"/>
+              </a:rPr>
+              <a:t>Women </a:t>
+            </a:r>
+            <a:r>
+              <a:rPr lang="en-US" dirty="0">
+                <a:latin typeface="+mj-lt"/>
+              </a:rPr>
+              <a:t>need to behave in masculine ways in order to be seen as competent—but women </a:t>
+            </a:r>
+            <a:r>
+              <a:rPr lang="en-US" dirty="0" smtClean="0">
+                <a:latin typeface="+mj-lt"/>
+              </a:rPr>
+              <a:t>are also </a:t>
+            </a:r>
+            <a:r>
+              <a:rPr lang="en-US" dirty="0">
+                <a:latin typeface="+mj-lt"/>
+              </a:rPr>
+              <a:t>expected to be feminine. So women find themselves walking a tightrope between being seen as too feminine to be </a:t>
+            </a:r>
+            <a:r>
+              <a:rPr lang="en-US" dirty="0" smtClean="0">
+                <a:latin typeface="+mj-lt"/>
+              </a:rPr>
+              <a:t>competent. </a:t>
+            </a:r>
+            <a:endParaRPr lang="en-CA" dirty="0">
+              <a:latin typeface="+mj-lt"/>
+            </a:endParaRPr>
+          </a:p>
+        </p:txBody>
+      </p:sp>
+      <p:sp>
+        <p:nvSpPr>
+          <p:cNvPr id="4" name="TextBox 3"/>
+          <p:cNvSpPr txBox="1"/>
+          <p:nvPr/>
+        </p:nvSpPr>
+        <p:spPr>
+          <a:xfrm>
+            <a:off x="838200" y="5727700"/>
+            <a:ext cx="7666714" cy="646331"/>
+          </a:xfrm>
+          <a:prstGeom prst="rect">
+            <a:avLst/>
+          </a:prstGeom>
+          <a:noFill/>
+        </p:spPr>
+        <p:txBody>
+          <a:bodyPr wrap="none" rtlCol="0">
+            <a:spAutoFit/>
+          </a:bodyPr>
+          <a:lstStyle/>
+          <a:p>
+            <a:r>
+              <a:rPr lang="en-US" dirty="0" smtClean="0">
+                <a:hlinkClick r:id="rId2"/>
+              </a:rPr>
+              <a:t>https://hbr.org/2015/03/the-5-biases-pushing-women-out-of-stem</a:t>
+            </a:r>
+            <a:endParaRPr lang="en-US" dirty="0" smtClean="0"/>
+          </a:p>
+          <a:p>
+            <a:r>
+              <a:rPr lang="en-US" dirty="0" smtClean="0"/>
+              <a:t>http://www.uchastings.edu/news/articles/2015/01/double-jeopardy-report.pdf</a:t>
+            </a:r>
+            <a:endParaRPr lang="en-CA" dirty="0"/>
+          </a:p>
+        </p:txBody>
+      </p:sp>
+    </p:spTree>
+    <p:extLst>
+      <p:ext uri="{BB962C8B-B14F-4D97-AF65-F5344CB8AC3E}">
+        <p14:creationId xmlns:p14="http://schemas.microsoft.com/office/powerpoint/2010/main" val="1796109820"/>
       </p:ext>
     </p:extLst>
   </p:cSld>
@@ -4729,7 +5806,7 @@
 </p:sld>
 </file>
 
-<file path=ppt/slides/slide8.xml><?xml version="1.0" encoding="utf-8"?>
+<file path=ppt/slides/slide15.xml><?xml version="1.0" encoding="utf-8"?>
 <p:sld xmlns:a="http://schemas.openxmlformats.org/drawingml/2006/main" xmlns:r="http://schemas.openxmlformats.org/officeDocument/2006/relationships" xmlns:p="http://schemas.openxmlformats.org/presentationml/2006/main">
   <p:cSld>
     <p:spTree>
@@ -5124,6 +6201,3423 @@
     <p:bldLst>
       <p:bldP spid="11" grpId="0"/>
     </p:bldLst>
+  </p:timing>
+</p:sld>
+</file>
+
+<file path=ppt/slides/slide16.xml><?xml version="1.0" encoding="utf-8"?>
+<p:sld xmlns:a="http://schemas.openxmlformats.org/drawingml/2006/main" xmlns:r="http://schemas.openxmlformats.org/officeDocument/2006/relationships" xmlns:p="http://schemas.openxmlformats.org/presentationml/2006/main">
+  <p:cSld>
+    <p:spTree>
+      <p:nvGrpSpPr>
+        <p:cNvPr id="1" name=""/>
+        <p:cNvGrpSpPr/>
+        <p:nvPr/>
+      </p:nvGrpSpPr>
+      <p:grpSpPr>
+        <a:xfrm>
+          <a:off x="0" y="0"/>
+          <a:ext cx="0" cy="0"/>
+          <a:chOff x="0" y="0"/>
+          <a:chExt cx="0" cy="0"/>
+        </a:xfrm>
+      </p:grpSpPr>
+      <p:sp>
+        <p:nvSpPr>
+          <p:cNvPr id="3" name="Content Placeholder 2"/>
+          <p:cNvSpPr>
+            <a:spLocks noGrp="1"/>
+          </p:cNvSpPr>
+          <p:nvPr>
+            <p:ph idx="1"/>
+          </p:nvPr>
+        </p:nvSpPr>
+        <p:spPr>
+          <a:xfrm>
+            <a:off x="431800" y="1825625"/>
+            <a:ext cx="11668342" cy="4351338"/>
+          </a:xfrm>
+        </p:spPr>
+        <p:txBody>
+          <a:bodyPr/>
+          <a:lstStyle/>
+          <a:p>
+            <a:pPr marL="0" indent="0">
+              <a:buNone/>
+            </a:pPr>
+            <a:r>
+              <a:rPr lang="en-US" dirty="0" smtClean="0"/>
+              <a:t>Form sub-groups by career stage					</a:t>
+            </a:r>
+            <a:r>
+              <a:rPr lang="en-US" dirty="0" smtClean="0">
+                <a:solidFill>
+                  <a:srgbClr val="92D050"/>
+                </a:solidFill>
+              </a:rPr>
+              <a:t>now- </a:t>
+            </a:r>
+            <a:r>
+              <a:rPr lang="en-US" dirty="0" smtClean="0">
+                <a:solidFill>
+                  <a:srgbClr val="92D050"/>
+                </a:solidFill>
+              </a:rPr>
+              <a:t>3h45pm</a:t>
+            </a:r>
+            <a:endParaRPr lang="en-US" dirty="0" smtClean="0">
+              <a:solidFill>
+                <a:srgbClr val="92D050"/>
+              </a:solidFill>
+            </a:endParaRPr>
+          </a:p>
+          <a:p>
+            <a:pPr lvl="1"/>
+            <a:r>
+              <a:rPr lang="en-US" dirty="0" smtClean="0"/>
+              <a:t>Grads / </a:t>
+            </a:r>
+            <a:r>
+              <a:rPr lang="en-US" dirty="0" err="1" smtClean="0"/>
+              <a:t>PostDocs</a:t>
+            </a:r>
+            <a:r>
+              <a:rPr lang="en-US" dirty="0" smtClean="0"/>
+              <a:t> / Pre-Tenured Profs / Post-Tenured Profs</a:t>
+            </a:r>
+          </a:p>
+          <a:p>
+            <a:pPr marL="457200" lvl="1" indent="0">
+              <a:buNone/>
+            </a:pPr>
+            <a:endParaRPr lang="en-US" dirty="0" smtClean="0"/>
+          </a:p>
+          <a:p>
+            <a:pPr marL="971550" lvl="1" indent="-514350">
+              <a:lnSpc>
+                <a:spcPct val="150000"/>
+              </a:lnSpc>
+              <a:buFont typeface="+mj-lt"/>
+              <a:buAutoNum type="arabicPeriod"/>
+            </a:pPr>
+            <a:r>
+              <a:rPr lang="en-US" dirty="0" smtClean="0"/>
+              <a:t>Identify the main challenges for </a:t>
+            </a:r>
+            <a:r>
+              <a:rPr lang="en-US" dirty="0" smtClean="0"/>
+              <a:t>minorities in science at </a:t>
+            </a:r>
+            <a:r>
+              <a:rPr lang="en-US" dirty="0" smtClean="0"/>
+              <a:t>your career stage</a:t>
+            </a:r>
+          </a:p>
+          <a:p>
+            <a:pPr marL="971550" lvl="1" indent="-514350">
+              <a:lnSpc>
+                <a:spcPct val="150000"/>
+              </a:lnSpc>
+              <a:buFont typeface="+mj-lt"/>
+              <a:buAutoNum type="arabicPeriod"/>
+            </a:pPr>
+            <a:r>
+              <a:rPr lang="en-US" dirty="0" smtClean="0"/>
+              <a:t>Identify </a:t>
+            </a:r>
+            <a:r>
+              <a:rPr lang="en-US" dirty="0"/>
+              <a:t>p</a:t>
+            </a:r>
+            <a:r>
+              <a:rPr lang="en-US" dirty="0" smtClean="0"/>
+              <a:t>otential </a:t>
+            </a:r>
+            <a:r>
+              <a:rPr lang="en-US" b="1" dirty="0" smtClean="0"/>
+              <a:t>s</a:t>
+            </a:r>
+            <a:r>
+              <a:rPr lang="en-US" b="1" dirty="0" smtClean="0"/>
+              <a:t>olutions</a:t>
+            </a:r>
+            <a:endParaRPr lang="en-US" dirty="0" smtClean="0"/>
+          </a:p>
+          <a:p>
+            <a:pPr marL="0" indent="0">
+              <a:lnSpc>
+                <a:spcPct val="150000"/>
+              </a:lnSpc>
+              <a:buNone/>
+            </a:pPr>
+            <a:r>
+              <a:rPr lang="en-US" dirty="0" smtClean="0"/>
+              <a:t>Share with larger group							</a:t>
+            </a:r>
+            <a:r>
+              <a:rPr lang="en-US" dirty="0" smtClean="0">
+                <a:solidFill>
+                  <a:srgbClr val="92D050"/>
+                </a:solidFill>
+              </a:rPr>
+              <a:t>3h45-4h00pm</a:t>
+            </a:r>
+            <a:endParaRPr lang="en-CA" dirty="0">
+              <a:solidFill>
+                <a:srgbClr val="92D050"/>
+              </a:solidFill>
+            </a:endParaRPr>
+          </a:p>
+        </p:txBody>
+      </p:sp>
+      <p:sp>
+        <p:nvSpPr>
+          <p:cNvPr id="4" name="Title 1"/>
+          <p:cNvSpPr>
+            <a:spLocks noGrp="1"/>
+          </p:cNvSpPr>
+          <p:nvPr>
+            <p:ph type="title"/>
+          </p:nvPr>
+        </p:nvSpPr>
+        <p:spPr>
+          <a:xfrm>
+            <a:off x="838200" y="365125"/>
+            <a:ext cx="10515600" cy="1325563"/>
+          </a:xfrm>
+        </p:spPr>
+        <p:txBody>
+          <a:bodyPr/>
+          <a:lstStyle/>
+          <a:p>
+            <a:pPr algn="ctr"/>
+            <a:r>
+              <a:rPr lang="en-US" b="1" dirty="0" smtClean="0"/>
+              <a:t>3 – Group Discussion</a:t>
+            </a:r>
+            <a:endParaRPr lang="en-CA" b="1" dirty="0"/>
+          </a:p>
+        </p:txBody>
+      </p:sp>
+    </p:spTree>
+    <p:extLst>
+      <p:ext uri="{BB962C8B-B14F-4D97-AF65-F5344CB8AC3E}">
+        <p14:creationId xmlns:p14="http://schemas.microsoft.com/office/powerpoint/2010/main" val="713072647"/>
+      </p:ext>
+    </p:extLst>
+  </p:cSld>
+  <p:clrMapOvr>
+    <a:masterClrMapping/>
+  </p:clrMapOvr>
+  <p:timing>
+    <p:tnLst>
+      <p:par>
+        <p:cTn id="1" dur="indefinite" restart="never" nodeType="tmRoot"/>
+      </p:par>
+    </p:tnLst>
+  </p:timing>
+</p:sld>
+</file>
+
+<file path=ppt/slides/slide17.xml><?xml version="1.0" encoding="utf-8"?>
+<p:sld xmlns:a="http://schemas.openxmlformats.org/drawingml/2006/main" xmlns:r="http://schemas.openxmlformats.org/officeDocument/2006/relationships" xmlns:p="http://schemas.openxmlformats.org/presentationml/2006/main">
+  <p:cSld>
+    <p:spTree>
+      <p:nvGrpSpPr>
+        <p:cNvPr id="1" name=""/>
+        <p:cNvGrpSpPr/>
+        <p:nvPr/>
+      </p:nvGrpSpPr>
+      <p:grpSpPr>
+        <a:xfrm>
+          <a:off x="0" y="0"/>
+          <a:ext cx="0" cy="0"/>
+          <a:chOff x="0" y="0"/>
+          <a:chExt cx="0" cy="0"/>
+        </a:xfrm>
+      </p:grpSpPr>
+      <p:sp>
+        <p:nvSpPr>
+          <p:cNvPr id="2" name="Title 1"/>
+          <p:cNvSpPr>
+            <a:spLocks noGrp="1"/>
+          </p:cNvSpPr>
+          <p:nvPr>
+            <p:ph type="title"/>
+          </p:nvPr>
+        </p:nvSpPr>
+        <p:spPr/>
+        <p:txBody>
+          <a:bodyPr/>
+          <a:lstStyle/>
+          <a:p>
+            <a:endParaRPr lang="en-US"/>
+          </a:p>
+        </p:txBody>
+      </p:sp>
+      <p:sp>
+        <p:nvSpPr>
+          <p:cNvPr id="3" name="Content Placeholder 2"/>
+          <p:cNvSpPr>
+            <a:spLocks noGrp="1"/>
+          </p:cNvSpPr>
+          <p:nvPr>
+            <p:ph idx="1"/>
+          </p:nvPr>
+        </p:nvSpPr>
+        <p:spPr/>
+        <p:txBody>
+          <a:bodyPr/>
+          <a:lstStyle/>
+          <a:p>
+            <a:endParaRPr lang="en-US"/>
+          </a:p>
+        </p:txBody>
+      </p:sp>
+    </p:spTree>
+    <p:extLst>
+      <p:ext uri="{BB962C8B-B14F-4D97-AF65-F5344CB8AC3E}">
+        <p14:creationId xmlns:p14="http://schemas.microsoft.com/office/powerpoint/2010/main" val="40118861"/>
+      </p:ext>
+    </p:extLst>
+  </p:cSld>
+  <p:clrMapOvr>
+    <a:masterClrMapping/>
+  </p:clrMapOvr>
+</p:sld>
+</file>
+
+<file path=ppt/slides/slide18.xml><?xml version="1.0" encoding="utf-8"?>
+<p:sld xmlns:a="http://schemas.openxmlformats.org/drawingml/2006/main" xmlns:r="http://schemas.openxmlformats.org/officeDocument/2006/relationships" xmlns:p="http://schemas.openxmlformats.org/presentationml/2006/main">
+  <p:cSld>
+    <p:spTree>
+      <p:nvGrpSpPr>
+        <p:cNvPr id="1" name=""/>
+        <p:cNvGrpSpPr/>
+        <p:nvPr/>
+      </p:nvGrpSpPr>
+      <p:grpSpPr>
+        <a:xfrm>
+          <a:off x="0" y="0"/>
+          <a:ext cx="0" cy="0"/>
+          <a:chOff x="0" y="0"/>
+          <a:chExt cx="0" cy="0"/>
+        </a:xfrm>
+      </p:grpSpPr>
+      <p:sp>
+        <p:nvSpPr>
+          <p:cNvPr id="2" name="Title 1"/>
+          <p:cNvSpPr>
+            <a:spLocks noGrp="1"/>
+          </p:cNvSpPr>
+          <p:nvPr>
+            <p:ph type="title"/>
+          </p:nvPr>
+        </p:nvSpPr>
+        <p:spPr/>
+        <p:txBody>
+          <a:bodyPr/>
+          <a:lstStyle/>
+          <a:p>
+            <a:r>
+              <a:rPr lang="en-US" dirty="0" smtClean="0"/>
+              <a:t>The little things that add up</a:t>
+            </a:r>
+            <a:endParaRPr lang="en-US" dirty="0"/>
+          </a:p>
+        </p:txBody>
+      </p:sp>
+      <p:sp>
+        <p:nvSpPr>
+          <p:cNvPr id="3" name="Content Placeholder 2"/>
+          <p:cNvSpPr>
+            <a:spLocks noGrp="1"/>
+          </p:cNvSpPr>
+          <p:nvPr>
+            <p:ph idx="1"/>
+          </p:nvPr>
+        </p:nvSpPr>
+        <p:spPr/>
+        <p:txBody>
+          <a:bodyPr>
+            <a:normAutofit/>
+          </a:bodyPr>
+          <a:lstStyle/>
+          <a:p>
+            <a:r>
+              <a:rPr lang="en-US" dirty="0" smtClean="0"/>
+              <a:t>Women are less likely to promote themselves</a:t>
+            </a:r>
+          </a:p>
+          <a:p>
+            <a:r>
+              <a:rPr lang="en-US" dirty="0" smtClean="0"/>
+              <a:t>Women feel like they have less time to mentor</a:t>
+            </a:r>
+          </a:p>
+          <a:p>
+            <a:r>
+              <a:rPr lang="en-US" dirty="0" smtClean="0"/>
+              <a:t>Women suffer more from imposter syndrome</a:t>
+            </a:r>
+          </a:p>
+          <a:p>
+            <a:r>
+              <a:rPr lang="en-US" dirty="0"/>
+              <a:t>S</a:t>
+            </a:r>
+            <a:r>
+              <a:rPr lang="en-US" dirty="0" smtClean="0"/>
+              <a:t>aying </a:t>
+            </a:r>
+            <a:r>
+              <a:rPr lang="en-US" dirty="0"/>
+              <a:t>things in meetings and other people getting credit for </a:t>
+            </a:r>
+            <a:r>
+              <a:rPr lang="en-US" dirty="0" smtClean="0"/>
+              <a:t>their ideas</a:t>
+            </a:r>
+          </a:p>
+          <a:p>
+            <a:r>
+              <a:rPr lang="en-US" dirty="0" smtClean="0"/>
+              <a:t>Not </a:t>
+            </a:r>
+            <a:r>
+              <a:rPr lang="en-US" dirty="0"/>
+              <a:t>being viewed as an expert in outreach </a:t>
+            </a:r>
+            <a:r>
+              <a:rPr lang="en-US" dirty="0" smtClean="0"/>
+              <a:t>contexts</a:t>
+            </a:r>
+          </a:p>
+          <a:p>
+            <a:r>
+              <a:rPr lang="en-US" dirty="0" smtClean="0"/>
+              <a:t>Not </a:t>
+            </a:r>
+            <a:r>
+              <a:rPr lang="en-US" dirty="0"/>
+              <a:t>thinking of women when nominating women as reviewers, award recipients etc.</a:t>
+            </a:r>
+          </a:p>
+          <a:p>
+            <a:endParaRPr lang="en-US" dirty="0" smtClean="0"/>
+          </a:p>
+          <a:p>
+            <a:endParaRPr lang="en-US" dirty="0"/>
+          </a:p>
+        </p:txBody>
+      </p:sp>
+    </p:spTree>
+    <p:extLst>
+      <p:ext uri="{BB962C8B-B14F-4D97-AF65-F5344CB8AC3E}">
+        <p14:creationId xmlns:p14="http://schemas.microsoft.com/office/powerpoint/2010/main" val="929408013"/>
+      </p:ext>
+    </p:extLst>
+  </p:cSld>
+  <p:clrMapOvr>
+    <a:masterClrMapping/>
+  </p:clrMapOvr>
+</p:sld>
+</file>
+
+<file path=ppt/slides/slide19.xml><?xml version="1.0" encoding="utf-8"?>
+<p:sld xmlns:a="http://schemas.openxmlformats.org/drawingml/2006/main" xmlns:r="http://schemas.openxmlformats.org/officeDocument/2006/relationships" xmlns:p="http://schemas.openxmlformats.org/presentationml/2006/main">
+  <p:cSld>
+    <p:spTree>
+      <p:nvGrpSpPr>
+        <p:cNvPr id="1" name=""/>
+        <p:cNvGrpSpPr/>
+        <p:nvPr/>
+      </p:nvGrpSpPr>
+      <p:grpSpPr>
+        <a:xfrm>
+          <a:off x="0" y="0"/>
+          <a:ext cx="0" cy="0"/>
+          <a:chOff x="0" y="0"/>
+          <a:chExt cx="0" cy="0"/>
+        </a:xfrm>
+      </p:grpSpPr>
+      <p:pic>
+        <p:nvPicPr>
+          <p:cNvPr id="4" name="Picture 3"/>
+          <p:cNvPicPr>
+            <a:picLocks noChangeAspect="1"/>
+          </p:cNvPicPr>
+          <p:nvPr/>
+        </p:nvPicPr>
+        <p:blipFill>
+          <a:blip r:embed="rId2"/>
+          <a:stretch>
+            <a:fillRect/>
+          </a:stretch>
+        </p:blipFill>
+        <p:spPr>
+          <a:xfrm>
+            <a:off x="94247" y="776370"/>
+            <a:ext cx="11886462" cy="5119103"/>
+          </a:xfrm>
+          <a:prstGeom prst="rect">
+            <a:avLst/>
+          </a:prstGeom>
+        </p:spPr>
+      </p:pic>
+    </p:spTree>
+    <p:extLst>
+      <p:ext uri="{BB962C8B-B14F-4D97-AF65-F5344CB8AC3E}">
+        <p14:creationId xmlns:p14="http://schemas.microsoft.com/office/powerpoint/2010/main" val="2055957331"/>
+      </p:ext>
+    </p:extLst>
+  </p:cSld>
+  <p:clrMapOvr>
+    <a:masterClrMapping/>
+  </p:clrMapOvr>
+</p:sld>
+</file>
+
+<file path=ppt/slides/slide2.xml><?xml version="1.0" encoding="utf-8"?>
+<p:sld xmlns:a="http://schemas.openxmlformats.org/drawingml/2006/main" xmlns:r="http://schemas.openxmlformats.org/officeDocument/2006/relationships" xmlns:p="http://schemas.openxmlformats.org/presentationml/2006/main">
+  <p:cSld>
+    <p:spTree>
+      <p:nvGrpSpPr>
+        <p:cNvPr id="1" name=""/>
+        <p:cNvGrpSpPr/>
+        <p:nvPr/>
+      </p:nvGrpSpPr>
+      <p:grpSpPr>
+        <a:xfrm>
+          <a:off x="0" y="0"/>
+          <a:ext cx="0" cy="0"/>
+          <a:chOff x="0" y="0"/>
+          <a:chExt cx="0" cy="0"/>
+        </a:xfrm>
+      </p:grpSpPr>
+      <p:sp>
+        <p:nvSpPr>
+          <p:cNvPr id="4" name="TextBox 3"/>
+          <p:cNvSpPr txBox="1"/>
+          <p:nvPr/>
+        </p:nvSpPr>
+        <p:spPr>
+          <a:xfrm>
+            <a:off x="928617" y="849063"/>
+            <a:ext cx="8246553" cy="5262979"/>
+          </a:xfrm>
+          <a:prstGeom prst="rect">
+            <a:avLst/>
+          </a:prstGeom>
+          <a:noFill/>
+        </p:spPr>
+        <p:txBody>
+          <a:bodyPr wrap="none" rtlCol="0">
+            <a:spAutoFit/>
+          </a:bodyPr>
+          <a:lstStyle/>
+          <a:p>
+            <a:pPr algn="ctr"/>
+            <a:r>
+              <a:rPr lang="en-US" sz="4800" dirty="0" smtClean="0"/>
+              <a:t>Presentation Overview</a:t>
+            </a:r>
+            <a:endParaRPr lang="en-US" sz="4800" dirty="0" smtClean="0"/>
+          </a:p>
+          <a:p>
+            <a:endParaRPr lang="en-US" sz="4800" dirty="0"/>
+          </a:p>
+          <a:p>
+            <a:pPr marL="342900" indent="-342900">
+              <a:buAutoNum type="arabicParenR"/>
+            </a:pPr>
+            <a:r>
+              <a:rPr lang="en-US" sz="4800" dirty="0" smtClean="0"/>
+              <a:t> Women are leaving Academia</a:t>
+            </a:r>
+          </a:p>
+          <a:p>
+            <a:pPr marL="342900" indent="-342900">
+              <a:buAutoNum type="arabicParenR"/>
+            </a:pPr>
+            <a:r>
+              <a:rPr lang="en-US" sz="4800" dirty="0" smtClean="0"/>
+              <a:t> Why? – Implicit Biases</a:t>
+            </a:r>
+          </a:p>
+          <a:p>
+            <a:pPr marL="342900" indent="-342900">
+              <a:buAutoNum type="arabicParenR"/>
+            </a:pPr>
+            <a:r>
+              <a:rPr lang="en-US" sz="4800" dirty="0" smtClean="0"/>
+              <a:t> Why? – Unique challenges</a:t>
+            </a:r>
+          </a:p>
+          <a:p>
+            <a:pPr marL="342900" indent="-342900">
+              <a:buAutoNum type="arabicParenR"/>
+            </a:pPr>
+            <a:r>
+              <a:rPr lang="en-US" sz="4800" dirty="0"/>
+              <a:t> </a:t>
+            </a:r>
+            <a:r>
+              <a:rPr lang="en-US" sz="4800" dirty="0" smtClean="0"/>
+              <a:t>Let’s discuss!</a:t>
+            </a:r>
+          </a:p>
+          <a:p>
+            <a:pPr marL="800100" lvl="1" indent="-342900">
+              <a:buAutoNum type="arabicParenR"/>
+            </a:pPr>
+            <a:endParaRPr lang="en-CA" sz="4800" dirty="0"/>
+          </a:p>
+        </p:txBody>
+      </p:sp>
+    </p:spTree>
+    <p:extLst>
+      <p:ext uri="{BB962C8B-B14F-4D97-AF65-F5344CB8AC3E}">
+        <p14:creationId xmlns:p14="http://schemas.microsoft.com/office/powerpoint/2010/main" val="2015643884"/>
+      </p:ext>
+    </p:extLst>
+  </p:cSld>
+  <p:clrMapOvr>
+    <a:masterClrMapping/>
+  </p:clrMapOvr>
+  <p:timing>
+    <p:tnLst>
+      <p:par>
+        <p:cTn id="1" dur="indefinite" restart="never" nodeType="tmRoot"/>
+      </p:par>
+    </p:tnLst>
+  </p:timing>
+</p:sld>
+</file>
+
+<file path=ppt/slides/slide20.xml><?xml version="1.0" encoding="utf-8"?>
+<p:sld xmlns:a="http://schemas.openxmlformats.org/drawingml/2006/main" xmlns:r="http://schemas.openxmlformats.org/officeDocument/2006/relationships" xmlns:p="http://schemas.openxmlformats.org/presentationml/2006/main">
+  <p:cSld>
+    <p:spTree>
+      <p:nvGrpSpPr>
+        <p:cNvPr id="1" name=""/>
+        <p:cNvGrpSpPr/>
+        <p:nvPr/>
+      </p:nvGrpSpPr>
+      <p:grpSpPr>
+        <a:xfrm>
+          <a:off x="0" y="0"/>
+          <a:ext cx="0" cy="0"/>
+          <a:chOff x="0" y="0"/>
+          <a:chExt cx="0" cy="0"/>
+        </a:xfrm>
+      </p:grpSpPr>
+      <p:sp>
+        <p:nvSpPr>
+          <p:cNvPr id="3" name="Content Placeholder 2"/>
+          <p:cNvSpPr>
+            <a:spLocks noGrp="1"/>
+          </p:cNvSpPr>
+          <p:nvPr>
+            <p:ph idx="1"/>
+          </p:nvPr>
+        </p:nvSpPr>
+        <p:spPr/>
+        <p:txBody>
+          <a:bodyPr>
+            <a:normAutofit fontScale="70000" lnSpcReduction="20000"/>
+          </a:bodyPr>
+          <a:lstStyle/>
+          <a:p>
+            <a:r>
+              <a:rPr lang="en-US" b="1" dirty="0"/>
+              <a:t>Pattern 1: Prove-it-Again.</a:t>
+            </a:r>
+            <a:r>
+              <a:rPr lang="en-US" dirty="0"/>
+              <a:t> Two-thirds of the women interviewed, and two-thirds of the women surveyed, reported having to prove themselves over and over again – their successes discounted, their expertise questioned. “People just assume you’re not going to be able to cut it,” a statistician told us, in a typical comment. </a:t>
+            </a:r>
+            <a:endParaRPr lang="en-US" dirty="0" smtClean="0"/>
+          </a:p>
+          <a:p>
+            <a:r>
+              <a:rPr lang="en-US" b="1" dirty="0"/>
+              <a:t>Pattern 2: The Tightrope.</a:t>
+            </a:r>
+            <a:r>
+              <a:rPr lang="en-US" dirty="0"/>
+              <a:t> Women need to behave in masculine ways in order to be seen as competent—but women are expected to be feminine. So women find themselves walking a tightrope between being seen as too feminine to be competent, and too masculine to be likable. </a:t>
+            </a:r>
+            <a:endParaRPr lang="en-US" dirty="0" smtClean="0"/>
+          </a:p>
+          <a:p>
+            <a:r>
+              <a:rPr lang="en-US" b="1" dirty="0"/>
+              <a:t>Pattern 3: The Maternal Wall. </a:t>
+            </a:r>
+            <a:r>
+              <a:rPr lang="en-US" dirty="0"/>
+              <a:t>When professional women have children, they often find themselves running into a wall: their commitment and competence are questioned, and opportunities start drying up. </a:t>
+            </a:r>
+            <a:endParaRPr lang="en-US" dirty="0" smtClean="0"/>
+          </a:p>
+          <a:p>
+            <a:r>
+              <a:rPr lang="en-US" b="1" dirty="0"/>
+              <a:t>Pattern 4: Tug-of-War.</a:t>
+            </a:r>
+            <a:r>
+              <a:rPr lang="en-US" dirty="0"/>
+              <a:t> </a:t>
+            </a:r>
+            <a:r>
+              <a:rPr lang="en-US" dirty="0">
+                <a:hlinkClick r:id="rId2"/>
+              </a:rPr>
+              <a:t>Studies show</a:t>
+            </a:r>
+            <a:r>
+              <a:rPr lang="en-US" dirty="0"/>
+              <a:t> that women who have encountered discrimination early in their careers often distance themselves from other </a:t>
+            </a:r>
+            <a:r>
+              <a:rPr lang="en-US" dirty="0" smtClean="0"/>
+              <a:t>women; </a:t>
+            </a:r>
+            <a:r>
+              <a:rPr lang="en-US" dirty="0"/>
+              <a:t>gender bias against women fuels conflict among women</a:t>
+            </a:r>
+            <a:endParaRPr lang="en-US" dirty="0" smtClean="0"/>
+          </a:p>
+          <a:p>
+            <a:r>
+              <a:rPr lang="en-US" b="1" dirty="0"/>
+              <a:t>Pattern 5: Isolation</a:t>
+            </a:r>
+            <a:r>
+              <a:rPr lang="en-US" b="1" dirty="0" smtClean="0"/>
+              <a:t>. </a:t>
+            </a:r>
+            <a:r>
+              <a:rPr lang="en-US" dirty="0"/>
+              <a:t>“A lot of times,” said a microbiologist, “There are things that people exclude me from because they say, ‘Oh, she’s going to be the only black person there… just don’t invite her, she won’t feel comfortable.’”</a:t>
+            </a:r>
+          </a:p>
+        </p:txBody>
+      </p:sp>
+      <p:pic>
+        <p:nvPicPr>
+          <p:cNvPr id="4" name="Picture 3"/>
+          <p:cNvPicPr>
+            <a:picLocks noChangeAspect="1"/>
+          </p:cNvPicPr>
+          <p:nvPr/>
+        </p:nvPicPr>
+        <p:blipFill>
+          <a:blip r:embed="rId3"/>
+          <a:stretch>
+            <a:fillRect/>
+          </a:stretch>
+        </p:blipFill>
+        <p:spPr>
+          <a:xfrm>
+            <a:off x="433137" y="186584"/>
+            <a:ext cx="5642810" cy="1275114"/>
+          </a:xfrm>
+          <a:prstGeom prst="rect">
+            <a:avLst/>
+          </a:prstGeom>
+        </p:spPr>
+      </p:pic>
+    </p:spTree>
+    <p:extLst>
+      <p:ext uri="{BB962C8B-B14F-4D97-AF65-F5344CB8AC3E}">
+        <p14:creationId xmlns:p14="http://schemas.microsoft.com/office/powerpoint/2010/main" val="1018265401"/>
+      </p:ext>
+    </p:extLst>
+  </p:cSld>
+  <p:clrMapOvr>
+    <a:masterClrMapping/>
+  </p:clrMapOvr>
+</p:sld>
+</file>
+
+<file path=ppt/slides/slide21.xml><?xml version="1.0" encoding="utf-8"?>
+<p:sld xmlns:a="http://schemas.openxmlformats.org/drawingml/2006/main" xmlns:r="http://schemas.openxmlformats.org/officeDocument/2006/relationships" xmlns:p="http://schemas.openxmlformats.org/presentationml/2006/main">
+  <p:cSld>
+    <p:spTree>
+      <p:nvGrpSpPr>
+        <p:cNvPr id="1" name=""/>
+        <p:cNvGrpSpPr/>
+        <p:nvPr/>
+      </p:nvGrpSpPr>
+      <p:grpSpPr>
+        <a:xfrm>
+          <a:off x="0" y="0"/>
+          <a:ext cx="0" cy="0"/>
+          <a:chOff x="0" y="0"/>
+          <a:chExt cx="0" cy="0"/>
+        </a:xfrm>
+      </p:grpSpPr>
+      <p:pic>
+        <p:nvPicPr>
+          <p:cNvPr id="4" name="Picture 3"/>
+          <p:cNvPicPr>
+            <a:picLocks noChangeAspect="1"/>
+          </p:cNvPicPr>
+          <p:nvPr/>
+        </p:nvPicPr>
+        <p:blipFill>
+          <a:blip r:embed="rId2"/>
+          <a:stretch>
+            <a:fillRect/>
+          </a:stretch>
+        </p:blipFill>
+        <p:spPr>
+          <a:xfrm>
+            <a:off x="0" y="440397"/>
+            <a:ext cx="12192000" cy="5977206"/>
+          </a:xfrm>
+          <a:prstGeom prst="rect">
+            <a:avLst/>
+          </a:prstGeom>
+        </p:spPr>
+      </p:pic>
+    </p:spTree>
+    <p:extLst>
+      <p:ext uri="{BB962C8B-B14F-4D97-AF65-F5344CB8AC3E}">
+        <p14:creationId xmlns:p14="http://schemas.microsoft.com/office/powerpoint/2010/main" val="1521097315"/>
+      </p:ext>
+    </p:extLst>
+  </p:cSld>
+  <p:clrMapOvr>
+    <a:masterClrMapping/>
+  </p:clrMapOvr>
+</p:sld>
+</file>
+
+<file path=ppt/slides/slide22.xml><?xml version="1.0" encoding="utf-8"?>
+<p:sld xmlns:a="http://schemas.openxmlformats.org/drawingml/2006/main" xmlns:r="http://schemas.openxmlformats.org/officeDocument/2006/relationships" xmlns:p="http://schemas.openxmlformats.org/presentationml/2006/main">
+  <p:cSld>
+    <p:spTree>
+      <p:nvGrpSpPr>
+        <p:cNvPr id="1" name=""/>
+        <p:cNvGrpSpPr/>
+        <p:nvPr/>
+      </p:nvGrpSpPr>
+      <p:grpSpPr>
+        <a:xfrm>
+          <a:off x="0" y="0"/>
+          <a:ext cx="0" cy="0"/>
+          <a:chOff x="0" y="0"/>
+          <a:chExt cx="0" cy="0"/>
+        </a:xfrm>
+      </p:grpSpPr>
+      <p:sp>
+        <p:nvSpPr>
+          <p:cNvPr id="2" name="Title 1"/>
+          <p:cNvSpPr>
+            <a:spLocks noGrp="1"/>
+          </p:cNvSpPr>
+          <p:nvPr>
+            <p:ph type="title"/>
+          </p:nvPr>
+        </p:nvSpPr>
+        <p:spPr/>
+        <p:txBody>
+          <a:bodyPr/>
+          <a:lstStyle/>
+          <a:p>
+            <a:r>
+              <a:rPr lang="en-US" dirty="0" smtClean="0"/>
+              <a:t>Solutions</a:t>
+            </a:r>
+            <a:endParaRPr lang="en-US" dirty="0"/>
+          </a:p>
+        </p:txBody>
+      </p:sp>
+      <p:sp>
+        <p:nvSpPr>
+          <p:cNvPr id="3" name="Content Placeholder 2"/>
+          <p:cNvSpPr>
+            <a:spLocks noGrp="1"/>
+          </p:cNvSpPr>
+          <p:nvPr>
+            <p:ph idx="1"/>
+          </p:nvPr>
+        </p:nvSpPr>
+        <p:spPr/>
+        <p:txBody>
+          <a:bodyPr/>
+          <a:lstStyle/>
+          <a:p>
+            <a:pPr marL="228600" lvl="1">
+              <a:spcBef>
+                <a:spcPts val="1000"/>
+              </a:spcBef>
+            </a:pPr>
+            <a:r>
+              <a:rPr lang="en-US" dirty="0" smtClean="0"/>
+              <a:t>When nominating people for seminar speakers, awards, working groups, </a:t>
+            </a:r>
+            <a:r>
+              <a:rPr lang="en-US" dirty="0" err="1" smtClean="0"/>
+              <a:t>etc</a:t>
+            </a:r>
+            <a:r>
+              <a:rPr lang="en-US" dirty="0" smtClean="0"/>
+              <a:t>: think about it, and consult lists (</a:t>
+            </a:r>
+            <a:r>
+              <a:rPr lang="en-US" dirty="0" smtClean="0">
+                <a:hlinkClick r:id="rId2"/>
+              </a:rPr>
+              <a:t>https://diversifyeeb.wordpress.com/about/)</a:t>
+            </a:r>
+            <a:endParaRPr lang="en-US" dirty="0" smtClean="0"/>
+          </a:p>
+          <a:p>
+            <a:pPr marL="228600" lvl="1">
+              <a:spcBef>
+                <a:spcPts val="1000"/>
+              </a:spcBef>
+            </a:pPr>
+            <a:r>
+              <a:rPr lang="en-US" dirty="0" smtClean="0"/>
+              <a:t>Perceived competitiveness: promote your colleagues and recognize their success</a:t>
+            </a:r>
+          </a:p>
+          <a:p>
+            <a:pPr marL="228600" lvl="1">
+              <a:spcBef>
+                <a:spcPts val="1000"/>
+              </a:spcBef>
+            </a:pPr>
+            <a:r>
+              <a:rPr lang="en-US" dirty="0" smtClean="0"/>
+              <a:t>Do implicit bias training</a:t>
+            </a:r>
+            <a:endParaRPr lang="en-US" dirty="0" smtClean="0"/>
+          </a:p>
+          <a:p>
+            <a:pPr marL="228600" lvl="1">
+              <a:spcBef>
+                <a:spcPts val="1000"/>
+              </a:spcBef>
+            </a:pPr>
+            <a:r>
+              <a:rPr lang="en-US" dirty="0" smtClean="0"/>
+              <a:t>Recommendation letters</a:t>
+            </a:r>
+          </a:p>
+          <a:p>
+            <a:pPr marL="228600" lvl="1">
+              <a:spcBef>
+                <a:spcPts val="1000"/>
+              </a:spcBef>
+            </a:pPr>
+            <a:r>
+              <a:rPr lang="en-US" dirty="0" smtClean="0"/>
+              <a:t>Mentoring programs</a:t>
+            </a:r>
+          </a:p>
+          <a:p>
+            <a:pPr marL="228600" lvl="1">
+              <a:spcBef>
+                <a:spcPts val="1000"/>
+              </a:spcBef>
+            </a:pPr>
+            <a:endParaRPr lang="en-US" dirty="0" smtClean="0"/>
+          </a:p>
+          <a:p>
+            <a:endParaRPr lang="en-US" dirty="0" smtClean="0"/>
+          </a:p>
+          <a:p>
+            <a:endParaRPr lang="en-US" dirty="0"/>
+          </a:p>
+        </p:txBody>
+      </p:sp>
+    </p:spTree>
+    <p:extLst>
+      <p:ext uri="{BB962C8B-B14F-4D97-AF65-F5344CB8AC3E}">
+        <p14:creationId xmlns:p14="http://schemas.microsoft.com/office/powerpoint/2010/main" val="475624464"/>
+      </p:ext>
+    </p:extLst>
+  </p:cSld>
+  <p:clrMapOvr>
+    <a:masterClrMapping/>
+  </p:clrMapOvr>
+</p:sld>
+</file>
+
+<file path=ppt/slides/slide23.xml><?xml version="1.0" encoding="utf-8"?>
+<p:sld xmlns:a="http://schemas.openxmlformats.org/drawingml/2006/main" xmlns:r="http://schemas.openxmlformats.org/officeDocument/2006/relationships" xmlns:p="http://schemas.openxmlformats.org/presentationml/2006/main">
+  <p:cSld>
+    <p:spTree>
+      <p:nvGrpSpPr>
+        <p:cNvPr id="1" name=""/>
+        <p:cNvGrpSpPr/>
+        <p:nvPr/>
+      </p:nvGrpSpPr>
+      <p:grpSpPr>
+        <a:xfrm>
+          <a:off x="0" y="0"/>
+          <a:ext cx="0" cy="0"/>
+          <a:chOff x="0" y="0"/>
+          <a:chExt cx="0" cy="0"/>
+        </a:xfrm>
+      </p:grpSpPr>
+      <p:sp>
+        <p:nvSpPr>
+          <p:cNvPr id="2" name="Title 1"/>
+          <p:cNvSpPr>
+            <a:spLocks noGrp="1"/>
+          </p:cNvSpPr>
+          <p:nvPr>
+            <p:ph type="title"/>
+          </p:nvPr>
+        </p:nvSpPr>
+        <p:spPr/>
+        <p:txBody>
+          <a:bodyPr/>
+          <a:lstStyle/>
+          <a:p>
+            <a:r>
+              <a:rPr lang="en-US" dirty="0" smtClean="0"/>
+              <a:t>Grad student strategies</a:t>
+            </a:r>
+            <a:endParaRPr lang="en-US" dirty="0"/>
+          </a:p>
+        </p:txBody>
+      </p:sp>
+      <p:sp>
+        <p:nvSpPr>
+          <p:cNvPr id="3" name="Content Placeholder 2"/>
+          <p:cNvSpPr>
+            <a:spLocks noGrp="1"/>
+          </p:cNvSpPr>
+          <p:nvPr>
+            <p:ph idx="1"/>
+          </p:nvPr>
+        </p:nvSpPr>
+        <p:spPr/>
+        <p:txBody>
+          <a:bodyPr/>
+          <a:lstStyle/>
+          <a:p>
+            <a:pPr marL="0" indent="0">
+              <a:buNone/>
+            </a:pPr>
+            <a:r>
+              <a:rPr lang="en-US" dirty="0" smtClean="0"/>
+              <a:t>-Have </a:t>
+            </a:r>
+            <a:r>
+              <a:rPr lang="en-US" dirty="0"/>
+              <a:t>open discussions involving all members of their </a:t>
+            </a:r>
+            <a:r>
+              <a:rPr lang="en-US" dirty="0" err="1"/>
+              <a:t>dept</a:t>
+            </a:r>
+            <a:r>
+              <a:rPr lang="en-US" dirty="0"/>
+              <a:t> about bias, </a:t>
+            </a:r>
+            <a:r>
+              <a:rPr lang="en-US" dirty="0" err="1"/>
+              <a:t>microagressions</a:t>
+            </a:r>
+            <a:r>
+              <a:rPr lang="en-US" dirty="0"/>
+              <a:t>, inappropriate behavior and harassment </a:t>
+            </a:r>
+            <a:endParaRPr lang="en-US" dirty="0" smtClean="0"/>
+          </a:p>
+          <a:p>
+            <a:pPr marL="0" indent="0">
+              <a:buNone/>
+            </a:pPr>
+            <a:r>
+              <a:rPr lang="en-US" dirty="0" smtClean="0"/>
+              <a:t>-Have </a:t>
+            </a:r>
+            <a:r>
+              <a:rPr lang="en-US" dirty="0"/>
+              <a:t>elected grad student </a:t>
+            </a:r>
+            <a:r>
+              <a:rPr lang="en-US" dirty="0" err="1"/>
+              <a:t>liasons</a:t>
+            </a:r>
+            <a:r>
+              <a:rPr lang="en-US" dirty="0"/>
+              <a:t> and identified allies in the faculty to facilitate these </a:t>
+            </a:r>
+            <a:r>
+              <a:rPr lang="en-US" dirty="0" smtClean="0"/>
+              <a:t>conversations</a:t>
+            </a:r>
+          </a:p>
+          <a:p>
+            <a:pPr marL="0" indent="0">
+              <a:buNone/>
+            </a:pPr>
+            <a:endParaRPr lang="en-US" dirty="0"/>
+          </a:p>
+          <a:p>
+            <a:pPr marL="0" indent="0">
+              <a:buNone/>
+            </a:pPr>
+            <a:r>
+              <a:rPr lang="en-US" dirty="0" smtClean="0"/>
+              <a:t>-Greater </a:t>
+            </a:r>
+            <a:r>
+              <a:rPr lang="en-US" dirty="0"/>
+              <a:t>transparency about how bias would be dealt with, for example in a handbook, so that it was clear how reporting and enforcement would work</a:t>
+            </a:r>
+          </a:p>
+        </p:txBody>
+      </p:sp>
+    </p:spTree>
+    <p:extLst>
+      <p:ext uri="{BB962C8B-B14F-4D97-AF65-F5344CB8AC3E}">
+        <p14:creationId xmlns:p14="http://schemas.microsoft.com/office/powerpoint/2010/main" val="868275826"/>
+      </p:ext>
+    </p:extLst>
+  </p:cSld>
+  <p:clrMapOvr>
+    <a:masterClrMapping/>
+  </p:clrMapOvr>
+</p:sld>
+</file>
+
+<file path=ppt/slides/slide24.xml><?xml version="1.0" encoding="utf-8"?>
+<p:sld xmlns:a="http://schemas.openxmlformats.org/drawingml/2006/main" xmlns:r="http://schemas.openxmlformats.org/officeDocument/2006/relationships" xmlns:p="http://schemas.openxmlformats.org/presentationml/2006/main">
+  <p:cSld>
+    <p:spTree>
+      <p:nvGrpSpPr>
+        <p:cNvPr id="1" name=""/>
+        <p:cNvGrpSpPr/>
+        <p:nvPr/>
+      </p:nvGrpSpPr>
+      <p:grpSpPr>
+        <a:xfrm>
+          <a:off x="0" y="0"/>
+          <a:ext cx="0" cy="0"/>
+          <a:chOff x="0" y="0"/>
+          <a:chExt cx="0" cy="0"/>
+        </a:xfrm>
+      </p:grpSpPr>
+      <p:sp>
+        <p:nvSpPr>
+          <p:cNvPr id="2" name="Title 1"/>
+          <p:cNvSpPr>
+            <a:spLocks noGrp="1"/>
+          </p:cNvSpPr>
+          <p:nvPr>
+            <p:ph type="title"/>
+          </p:nvPr>
+        </p:nvSpPr>
+        <p:spPr/>
+        <p:txBody>
+          <a:bodyPr/>
+          <a:lstStyle/>
+          <a:p>
+            <a:r>
+              <a:rPr lang="en-US" dirty="0" smtClean="0"/>
+              <a:t>Postdoc strategies</a:t>
+            </a:r>
+            <a:endParaRPr lang="en-US" dirty="0"/>
+          </a:p>
+        </p:txBody>
+      </p:sp>
+      <p:sp>
+        <p:nvSpPr>
+          <p:cNvPr id="3" name="Content Placeholder 2"/>
+          <p:cNvSpPr>
+            <a:spLocks noGrp="1"/>
+          </p:cNvSpPr>
+          <p:nvPr>
+            <p:ph idx="1"/>
+          </p:nvPr>
+        </p:nvSpPr>
+        <p:spPr/>
+        <p:txBody>
+          <a:bodyPr/>
+          <a:lstStyle/>
+          <a:p>
+            <a:pPr marL="0" indent="0">
+              <a:buNone/>
+            </a:pPr>
+            <a:r>
+              <a:rPr lang="en-US" dirty="0" smtClean="0"/>
+              <a:t>-</a:t>
+            </a:r>
+            <a:r>
+              <a:rPr lang="en-US" dirty="0"/>
+              <a:t>Establish contact people for postdocs among the faculty </a:t>
+            </a:r>
+            <a:endParaRPr lang="en-US" dirty="0" smtClean="0"/>
+          </a:p>
+          <a:p>
+            <a:pPr marL="0" indent="0">
+              <a:buNone/>
+            </a:pPr>
+            <a:r>
+              <a:rPr lang="en-US" dirty="0" smtClean="0"/>
+              <a:t>-</a:t>
+            </a:r>
+            <a:r>
+              <a:rPr lang="en-US" dirty="0"/>
+              <a:t>Build a postdoc network to allow easy exchange among postdocs and actively recruit postdocs into this </a:t>
+            </a:r>
+            <a:r>
+              <a:rPr lang="en-US" dirty="0" smtClean="0"/>
+              <a:t>network</a:t>
+            </a:r>
+          </a:p>
+          <a:p>
+            <a:pPr marL="0" indent="0">
+              <a:buNone/>
+            </a:pPr>
+            <a:r>
+              <a:rPr lang="en-US" dirty="0"/>
+              <a:t>-Provide a support network and raise awareness for issues related to pregnancy leave and childcare </a:t>
+            </a:r>
+            <a:endParaRPr lang="en-US" dirty="0" smtClean="0"/>
+          </a:p>
+          <a:p>
+            <a:pPr marL="0" indent="0">
+              <a:buNone/>
+            </a:pPr>
+            <a:r>
+              <a:rPr lang="en-US" dirty="0" smtClean="0"/>
+              <a:t>-</a:t>
+            </a:r>
+            <a:r>
+              <a:rPr lang="en-US" dirty="0"/>
+              <a:t>Establish formalized networking opportunities at conferences, e.g. apps at meetings, poster previews as part of </a:t>
+            </a:r>
+            <a:r>
+              <a:rPr lang="en-US" dirty="0" smtClean="0"/>
+              <a:t>talks</a:t>
+            </a:r>
+            <a:endParaRPr lang="en-US" dirty="0"/>
+          </a:p>
+        </p:txBody>
+      </p:sp>
+    </p:spTree>
+    <p:extLst>
+      <p:ext uri="{BB962C8B-B14F-4D97-AF65-F5344CB8AC3E}">
+        <p14:creationId xmlns:p14="http://schemas.microsoft.com/office/powerpoint/2010/main" val="1540865851"/>
+      </p:ext>
+    </p:extLst>
+  </p:cSld>
+  <p:clrMapOvr>
+    <a:masterClrMapping/>
+  </p:clrMapOvr>
+</p:sld>
+</file>
+
+<file path=ppt/slides/slide25.xml><?xml version="1.0" encoding="utf-8"?>
+<p:sld xmlns:a="http://schemas.openxmlformats.org/drawingml/2006/main" xmlns:r="http://schemas.openxmlformats.org/officeDocument/2006/relationships" xmlns:p="http://schemas.openxmlformats.org/presentationml/2006/main">
+  <p:cSld>
+    <p:spTree>
+      <p:nvGrpSpPr>
+        <p:cNvPr id="1" name=""/>
+        <p:cNvGrpSpPr/>
+        <p:nvPr/>
+      </p:nvGrpSpPr>
+      <p:grpSpPr>
+        <a:xfrm>
+          <a:off x="0" y="0"/>
+          <a:ext cx="0" cy="0"/>
+          <a:chOff x="0" y="0"/>
+          <a:chExt cx="0" cy="0"/>
+        </a:xfrm>
+      </p:grpSpPr>
+      <p:sp>
+        <p:nvSpPr>
+          <p:cNvPr id="2" name="Title 1"/>
+          <p:cNvSpPr>
+            <a:spLocks noGrp="1"/>
+          </p:cNvSpPr>
+          <p:nvPr>
+            <p:ph type="title"/>
+          </p:nvPr>
+        </p:nvSpPr>
+        <p:spPr/>
+        <p:txBody>
+          <a:bodyPr/>
+          <a:lstStyle/>
+          <a:p>
+            <a:r>
+              <a:rPr lang="en-US" dirty="0" smtClean="0"/>
+              <a:t>Assistant Professors</a:t>
+            </a:r>
+            <a:endParaRPr lang="en-US" dirty="0"/>
+          </a:p>
+        </p:txBody>
+      </p:sp>
+      <p:sp>
+        <p:nvSpPr>
+          <p:cNvPr id="3" name="Content Placeholder 2"/>
+          <p:cNvSpPr>
+            <a:spLocks noGrp="1"/>
+          </p:cNvSpPr>
+          <p:nvPr>
+            <p:ph idx="1"/>
+          </p:nvPr>
+        </p:nvSpPr>
+        <p:spPr/>
+        <p:txBody>
+          <a:bodyPr/>
+          <a:lstStyle/>
+          <a:p>
+            <a:pPr marL="0" indent="0">
+              <a:buNone/>
+            </a:pPr>
+            <a:r>
+              <a:rPr lang="en-US" dirty="0" smtClean="0"/>
+              <a:t>-</a:t>
+            </a:r>
+            <a:r>
+              <a:rPr lang="en-US" dirty="0"/>
+              <a:t>Enforce mandatory unconscious bias training for all committees, especially for all members of search committees </a:t>
+            </a:r>
+            <a:endParaRPr lang="en-US" dirty="0" smtClean="0"/>
+          </a:p>
+          <a:p>
+            <a:pPr marL="0" indent="0">
+              <a:buNone/>
+            </a:pPr>
+            <a:r>
+              <a:rPr lang="en-US" dirty="0" smtClean="0"/>
+              <a:t>-</a:t>
+            </a:r>
+            <a:r>
+              <a:rPr lang="en-US" dirty="0"/>
+              <a:t>Try to mutually reinforce each other during committee </a:t>
+            </a:r>
+            <a:r>
+              <a:rPr lang="en-US" dirty="0" smtClean="0"/>
+              <a:t>discussions; </a:t>
+            </a:r>
+            <a:r>
+              <a:rPr lang="en-US" dirty="0"/>
+              <a:t>work as allies to have a stronger </a:t>
+            </a:r>
+            <a:r>
+              <a:rPr lang="en-US" dirty="0" smtClean="0"/>
+              <a:t>voice. If you see something, say something.</a:t>
+            </a:r>
+          </a:p>
+          <a:p>
+            <a:pPr marL="0" indent="0">
+              <a:buNone/>
+            </a:pPr>
+            <a:r>
+              <a:rPr lang="en-US" dirty="0" smtClean="0"/>
+              <a:t>-</a:t>
+            </a:r>
+            <a:r>
+              <a:rPr lang="en-US" dirty="0"/>
+              <a:t> If presence on committees is required, provide relief from other departmental responsibilities; permit selection of which committees to serve on and mentorship on which committees to prioritize</a:t>
+            </a:r>
+          </a:p>
+        </p:txBody>
+      </p:sp>
+    </p:spTree>
+    <p:extLst>
+      <p:ext uri="{BB962C8B-B14F-4D97-AF65-F5344CB8AC3E}">
+        <p14:creationId xmlns:p14="http://schemas.microsoft.com/office/powerpoint/2010/main" val="1671417423"/>
+      </p:ext>
+    </p:extLst>
+  </p:cSld>
+  <p:clrMapOvr>
+    <a:masterClrMapping/>
+  </p:clrMapOvr>
+</p:sld>
+</file>
+
+<file path=ppt/slides/slide26.xml><?xml version="1.0" encoding="utf-8"?>
+<p:sld xmlns:a="http://schemas.openxmlformats.org/drawingml/2006/main" xmlns:r="http://schemas.openxmlformats.org/officeDocument/2006/relationships" xmlns:p="http://schemas.openxmlformats.org/presentationml/2006/main">
+  <p:cSld>
+    <p:spTree>
+      <p:nvGrpSpPr>
+        <p:cNvPr id="1" name=""/>
+        <p:cNvGrpSpPr/>
+        <p:nvPr/>
+      </p:nvGrpSpPr>
+      <p:grpSpPr>
+        <a:xfrm>
+          <a:off x="0" y="0"/>
+          <a:ext cx="0" cy="0"/>
+          <a:chOff x="0" y="0"/>
+          <a:chExt cx="0" cy="0"/>
+        </a:xfrm>
+      </p:grpSpPr>
+      <p:sp>
+        <p:nvSpPr>
+          <p:cNvPr id="2" name="Title 1"/>
+          <p:cNvSpPr>
+            <a:spLocks noGrp="1"/>
+          </p:cNvSpPr>
+          <p:nvPr>
+            <p:ph type="title"/>
+          </p:nvPr>
+        </p:nvSpPr>
+        <p:spPr/>
+        <p:txBody>
+          <a:bodyPr/>
+          <a:lstStyle/>
+          <a:p>
+            <a:r>
+              <a:rPr lang="en-US" dirty="0" smtClean="0"/>
+              <a:t>Associate professors</a:t>
+            </a:r>
+            <a:endParaRPr lang="en-US" dirty="0"/>
+          </a:p>
+        </p:txBody>
+      </p:sp>
+      <p:sp>
+        <p:nvSpPr>
+          <p:cNvPr id="3" name="Content Placeholder 2"/>
+          <p:cNvSpPr>
+            <a:spLocks noGrp="1"/>
+          </p:cNvSpPr>
+          <p:nvPr>
+            <p:ph idx="1"/>
+          </p:nvPr>
+        </p:nvSpPr>
+        <p:spPr/>
+        <p:txBody>
+          <a:bodyPr>
+            <a:normAutofit fontScale="92500" lnSpcReduction="20000"/>
+          </a:bodyPr>
+          <a:lstStyle/>
+          <a:p>
+            <a:pPr marL="0" lvl="0" indent="0">
+              <a:lnSpc>
+                <a:spcPct val="100000"/>
+              </a:lnSpc>
+              <a:spcBef>
+                <a:spcPts val="0"/>
+              </a:spcBef>
+              <a:buNone/>
+            </a:pPr>
+            <a:r>
+              <a:rPr lang="en-US" dirty="0" smtClean="0"/>
+              <a:t>-</a:t>
+            </a:r>
+            <a:r>
+              <a:rPr lang="en-US" dirty="0"/>
+              <a:t>Provide mentorship for promotion to full </a:t>
+            </a:r>
+            <a:endParaRPr lang="en-US" dirty="0" smtClean="0"/>
+          </a:p>
+          <a:p>
+            <a:pPr marL="0" lvl="0" indent="0">
+              <a:lnSpc>
+                <a:spcPct val="100000"/>
+              </a:lnSpc>
+              <a:spcBef>
+                <a:spcPts val="0"/>
+              </a:spcBef>
+              <a:buNone/>
+            </a:pPr>
+            <a:endParaRPr lang="en-US" dirty="0" smtClean="0"/>
+          </a:p>
+          <a:p>
+            <a:pPr marL="0" lvl="0" indent="0">
+              <a:lnSpc>
+                <a:spcPct val="100000"/>
+              </a:lnSpc>
+              <a:spcBef>
+                <a:spcPts val="0"/>
+              </a:spcBef>
+              <a:buNone/>
+            </a:pPr>
+            <a:r>
+              <a:rPr lang="en-US" dirty="0" smtClean="0"/>
+              <a:t>-</a:t>
+            </a:r>
+            <a:r>
+              <a:rPr lang="en-US" dirty="0"/>
+              <a:t>Hire more women and underrepresented scientists: have interview pool reflect diversity of applicant or current PhD pool in the </a:t>
+            </a:r>
+            <a:r>
+              <a:rPr lang="en-US" dirty="0" smtClean="0"/>
+              <a:t>field</a:t>
+            </a:r>
+          </a:p>
+          <a:p>
+            <a:pPr marL="0" lvl="0" indent="0">
+              <a:lnSpc>
+                <a:spcPct val="100000"/>
+              </a:lnSpc>
+              <a:spcBef>
+                <a:spcPts val="0"/>
+              </a:spcBef>
+              <a:buNone/>
+            </a:pPr>
+            <a:endParaRPr lang="en-US" dirty="0" smtClean="0"/>
+          </a:p>
+          <a:p>
+            <a:pPr marL="0" lvl="0" indent="0">
+              <a:lnSpc>
+                <a:spcPct val="100000"/>
+              </a:lnSpc>
+              <a:spcBef>
+                <a:spcPts val="0"/>
+              </a:spcBef>
+              <a:buNone/>
+            </a:pPr>
+            <a:r>
+              <a:rPr lang="en-US" dirty="0" smtClean="0"/>
+              <a:t>-</a:t>
+            </a:r>
+            <a:r>
+              <a:rPr lang="en-US" dirty="0"/>
+              <a:t>Letter writing: are you using gender-biased vocabulary</a:t>
+            </a:r>
+            <a:r>
+              <a:rPr lang="en-US" dirty="0" smtClean="0"/>
+              <a:t>?</a:t>
+            </a:r>
+          </a:p>
+          <a:p>
+            <a:pPr marL="0" lvl="0" indent="0">
+              <a:lnSpc>
+                <a:spcPct val="100000"/>
+              </a:lnSpc>
+              <a:spcBef>
+                <a:spcPts val="0"/>
+              </a:spcBef>
+              <a:buNone/>
+            </a:pPr>
+            <a:endParaRPr lang="en-US" dirty="0" smtClean="0"/>
+          </a:p>
+          <a:p>
+            <a:pPr marL="0" lvl="0" indent="0">
+              <a:lnSpc>
+                <a:spcPct val="100000"/>
+              </a:lnSpc>
+              <a:spcBef>
+                <a:spcPts val="0"/>
+              </a:spcBef>
+              <a:buNone/>
+            </a:pPr>
+            <a:r>
+              <a:rPr lang="en-US" dirty="0"/>
+              <a:t>-Be aware of unrealistic expectations of who should be on committees. If women are not equally </a:t>
+            </a:r>
+            <a:r>
+              <a:rPr lang="en-US" dirty="0" err="1"/>
+              <a:t>rep'd</a:t>
+            </a:r>
+            <a:r>
+              <a:rPr lang="en-US" dirty="0"/>
+              <a:t> among faculty, expecting 50% </a:t>
+            </a:r>
+            <a:r>
+              <a:rPr lang="en-US" dirty="0" err="1"/>
+              <a:t>rep'n</a:t>
+            </a:r>
+            <a:r>
+              <a:rPr lang="en-US" dirty="0"/>
+              <a:t> on committees creates an undue service burden </a:t>
+            </a:r>
+            <a:endParaRPr lang="en-US" dirty="0" smtClean="0"/>
+          </a:p>
+          <a:p>
+            <a:pPr marL="0" lvl="0" indent="0">
+              <a:lnSpc>
+                <a:spcPct val="100000"/>
+              </a:lnSpc>
+              <a:spcBef>
+                <a:spcPts val="0"/>
+              </a:spcBef>
+              <a:buNone/>
+            </a:pPr>
+            <a:endParaRPr lang="en-US" dirty="0" smtClean="0"/>
+          </a:p>
+          <a:p>
+            <a:pPr marL="0" lvl="0" indent="0">
+              <a:lnSpc>
+                <a:spcPct val="100000"/>
+              </a:lnSpc>
+              <a:spcBef>
+                <a:spcPts val="0"/>
+              </a:spcBef>
+              <a:buNone/>
+            </a:pPr>
+            <a:r>
+              <a:rPr lang="en-US" dirty="0" smtClean="0"/>
+              <a:t>-</a:t>
+            </a:r>
+            <a:r>
+              <a:rPr lang="en-US" dirty="0"/>
+              <a:t>Reminder at the beginning of committee meetings that unconscious bias exists to limit effects</a:t>
+            </a:r>
+          </a:p>
+        </p:txBody>
+      </p:sp>
+    </p:spTree>
+    <p:extLst>
+      <p:ext uri="{BB962C8B-B14F-4D97-AF65-F5344CB8AC3E}">
+        <p14:creationId xmlns:p14="http://schemas.microsoft.com/office/powerpoint/2010/main" val="1981299414"/>
+      </p:ext>
+    </p:extLst>
+  </p:cSld>
+  <p:clrMapOvr>
+    <a:masterClrMapping/>
+  </p:clrMapOvr>
+</p:sld>
+</file>
+
+<file path=ppt/slides/slide27.xml><?xml version="1.0" encoding="utf-8"?>
+<p:sld xmlns:a="http://schemas.openxmlformats.org/drawingml/2006/main" xmlns:r="http://schemas.openxmlformats.org/officeDocument/2006/relationships" xmlns:p="http://schemas.openxmlformats.org/presentationml/2006/main">
+  <p:cSld>
+    <p:spTree>
+      <p:nvGrpSpPr>
+        <p:cNvPr id="1" name=""/>
+        <p:cNvGrpSpPr/>
+        <p:nvPr/>
+      </p:nvGrpSpPr>
+      <p:grpSpPr>
+        <a:xfrm>
+          <a:off x="0" y="0"/>
+          <a:ext cx="0" cy="0"/>
+          <a:chOff x="0" y="0"/>
+          <a:chExt cx="0" cy="0"/>
+        </a:xfrm>
+      </p:grpSpPr>
+      <p:sp>
+        <p:nvSpPr>
+          <p:cNvPr id="2" name="Title 1"/>
+          <p:cNvSpPr>
+            <a:spLocks noGrp="1"/>
+          </p:cNvSpPr>
+          <p:nvPr>
+            <p:ph type="title"/>
+          </p:nvPr>
+        </p:nvSpPr>
+        <p:spPr/>
+        <p:txBody>
+          <a:bodyPr/>
+          <a:lstStyle/>
+          <a:p>
+            <a:r>
+              <a:rPr lang="en-US" dirty="0" smtClean="0"/>
+              <a:t>Full professors</a:t>
+            </a:r>
+            <a:endParaRPr lang="en-US" dirty="0"/>
+          </a:p>
+        </p:txBody>
+      </p:sp>
+      <p:sp>
+        <p:nvSpPr>
+          <p:cNvPr id="3" name="Content Placeholder 2"/>
+          <p:cNvSpPr>
+            <a:spLocks noGrp="1"/>
+          </p:cNvSpPr>
+          <p:nvPr>
+            <p:ph idx="1"/>
+          </p:nvPr>
+        </p:nvSpPr>
+        <p:spPr/>
+        <p:txBody>
+          <a:bodyPr/>
+          <a:lstStyle/>
+          <a:p>
+            <a:pPr marL="0" indent="0">
+              <a:buNone/>
+            </a:pPr>
+            <a:r>
+              <a:rPr lang="en-US" dirty="0" smtClean="0"/>
+              <a:t>-</a:t>
+            </a:r>
+            <a:r>
+              <a:rPr lang="en-US" dirty="0"/>
+              <a:t>Communicate positive messages about our profession </a:t>
+            </a:r>
+            <a:endParaRPr lang="en-US" dirty="0" smtClean="0"/>
+          </a:p>
+          <a:p>
+            <a:pPr marL="0" indent="0">
+              <a:buNone/>
+            </a:pPr>
+            <a:r>
+              <a:rPr lang="en-US" dirty="0" smtClean="0"/>
+              <a:t>-</a:t>
+            </a:r>
+            <a:r>
+              <a:rPr lang="en-US" dirty="0"/>
+              <a:t>Seminars: Increase representation of women and other underrepresented groups as speakers to illustrate positive role </a:t>
+            </a:r>
+            <a:r>
+              <a:rPr lang="en-US" dirty="0" smtClean="0"/>
+              <a:t>models</a:t>
+            </a:r>
+          </a:p>
+          <a:p>
+            <a:pPr marL="0" indent="0">
+              <a:buNone/>
+            </a:pPr>
+            <a:endParaRPr lang="en-US" dirty="0"/>
+          </a:p>
+          <a:p>
+            <a:pPr marL="0" indent="0">
+              <a:buNone/>
+            </a:pPr>
+            <a:r>
+              <a:rPr lang="en-US" dirty="0"/>
+              <a:t>-Create opportunities for yourself; e.g. invite yourself to give seminars and nominate yourself or ask someone to nominate you for </a:t>
+            </a:r>
+            <a:r>
+              <a:rPr lang="en-US" dirty="0" smtClean="0"/>
+              <a:t>awards	</a:t>
+            </a:r>
+            <a:endParaRPr lang="en-US" dirty="0"/>
+          </a:p>
+        </p:txBody>
+      </p:sp>
+    </p:spTree>
+    <p:extLst>
+      <p:ext uri="{BB962C8B-B14F-4D97-AF65-F5344CB8AC3E}">
+        <p14:creationId xmlns:p14="http://schemas.microsoft.com/office/powerpoint/2010/main" val="429503946"/>
+      </p:ext>
+    </p:extLst>
+  </p:cSld>
+  <p:clrMapOvr>
+    <a:masterClrMapping/>
+  </p:clrMapOvr>
+</p:sld>
+</file>
+
+<file path=ppt/slides/slide3.xml><?xml version="1.0" encoding="utf-8"?>
+<p:sld xmlns:a="http://schemas.openxmlformats.org/drawingml/2006/main" xmlns:r="http://schemas.openxmlformats.org/officeDocument/2006/relationships" xmlns:p="http://schemas.openxmlformats.org/presentationml/2006/main">
+  <p:cSld>
+    <p:spTree>
+      <p:nvGrpSpPr>
+        <p:cNvPr id="1" name=""/>
+        <p:cNvGrpSpPr/>
+        <p:nvPr/>
+      </p:nvGrpSpPr>
+      <p:grpSpPr>
+        <a:xfrm>
+          <a:off x="0" y="0"/>
+          <a:ext cx="0" cy="0"/>
+          <a:chOff x="0" y="0"/>
+          <a:chExt cx="0" cy="0"/>
+        </a:xfrm>
+      </p:grpSpPr>
+      <p:pic>
+        <p:nvPicPr>
+          <p:cNvPr id="1026" name="Picture 2" descr="More women earn doctoratesTaken from: http://best.berkeley.edu/~aagogino/papers/WIA_findings.pdf "/>
+          <p:cNvPicPr>
+            <a:picLocks noChangeAspect="1" noChangeArrowheads="1"/>
+          </p:cNvPicPr>
+          <p:nvPr/>
+        </p:nvPicPr>
+        <p:blipFill>
+          <a:blip r:embed="rId2">
+            <a:extLst>
+              <a:ext uri="{28A0092B-C50C-407E-A947-70E740481C1C}">
+                <a14:useLocalDpi xmlns:a14="http://schemas.microsoft.com/office/drawing/2010/main" val="0"/>
+              </a:ext>
+            </a:extLst>
+          </a:blip>
+          <a:srcRect/>
+          <a:stretch>
+            <a:fillRect/>
+          </a:stretch>
+        </p:blipFill>
+        <p:spPr bwMode="auto">
+          <a:xfrm>
+            <a:off x="3289300" y="1480286"/>
+            <a:ext cx="7162799" cy="5377714"/>
+          </a:xfrm>
+          <a:prstGeom prst="rect">
+            <a:avLst/>
+          </a:prstGeom>
+          <a:noFill/>
+          <a:extLst>
+            <a:ext uri="{909E8E84-426E-40DD-AFC4-6F175D3DCCD1}">
+              <a14:hiddenFill xmlns:a14="http://schemas.microsoft.com/office/drawing/2010/main">
+                <a:solidFill>
+                  <a:srgbClr val="FFFFFF"/>
+                </a:solidFill>
+              </a14:hiddenFill>
+            </a:ext>
+          </a:extLst>
+        </p:spPr>
+      </p:pic>
+      <p:cxnSp>
+        <p:nvCxnSpPr>
+          <p:cNvPr id="5" name="Straight Connector 4"/>
+          <p:cNvCxnSpPr/>
+          <p:nvPr/>
+        </p:nvCxnSpPr>
+        <p:spPr>
+          <a:xfrm flipV="1">
+            <a:off x="4368800" y="3429000"/>
+            <a:ext cx="4203700" cy="1231900"/>
+          </a:xfrm>
+          <a:prstGeom prst="line">
+            <a:avLst/>
+          </a:prstGeom>
+          <a:ln w="76200"/>
+        </p:spPr>
+        <p:style>
+          <a:lnRef idx="1">
+            <a:schemeClr val="accent1"/>
+          </a:lnRef>
+          <a:fillRef idx="0">
+            <a:schemeClr val="accent1"/>
+          </a:fillRef>
+          <a:effectRef idx="0">
+            <a:schemeClr val="accent1"/>
+          </a:effectRef>
+          <a:fontRef idx="minor">
+            <a:schemeClr val="tx1"/>
+          </a:fontRef>
+        </p:style>
+      </p:cxnSp>
+      <p:sp>
+        <p:nvSpPr>
+          <p:cNvPr id="13" name="Title 1"/>
+          <p:cNvSpPr>
+            <a:spLocks noGrp="1"/>
+          </p:cNvSpPr>
+          <p:nvPr>
+            <p:ph type="title"/>
+          </p:nvPr>
+        </p:nvSpPr>
+        <p:spPr>
+          <a:xfrm>
+            <a:off x="2578100" y="365126"/>
+            <a:ext cx="7124700" cy="840005"/>
+          </a:xfrm>
+        </p:spPr>
+        <p:txBody>
+          <a:bodyPr>
+            <a:normAutofit fontScale="90000"/>
+          </a:bodyPr>
+          <a:lstStyle/>
+          <a:p>
+            <a:pPr algn="ctr"/>
+            <a:r>
+              <a:rPr lang="en-US" b="1" dirty="0" smtClean="0"/>
+              <a:t>1- Women Are Leaving Academia</a:t>
+            </a:r>
+            <a:endParaRPr lang="en-CA" b="1" dirty="0"/>
+          </a:p>
+        </p:txBody>
+      </p:sp>
+    </p:spTree>
+    <p:extLst>
+      <p:ext uri="{BB962C8B-B14F-4D97-AF65-F5344CB8AC3E}">
+        <p14:creationId xmlns:p14="http://schemas.microsoft.com/office/powerpoint/2010/main" val="1733366775"/>
+      </p:ext>
+    </p:extLst>
+  </p:cSld>
+  <p:clrMapOvr>
+    <a:masterClrMapping/>
+  </p:clrMapOvr>
+  <p:timing>
+    <p:tnLst>
+      <p:par>
+        <p:cTn id="1" dur="indefinite" restart="never" nodeType="tmRoot"/>
+      </p:par>
+    </p:tnLst>
+  </p:timing>
+</p:sld>
+</file>
+
+<file path=ppt/slides/slide4.xml><?xml version="1.0" encoding="utf-8"?>
+<p:sld xmlns:a="http://schemas.openxmlformats.org/drawingml/2006/main" xmlns:r="http://schemas.openxmlformats.org/officeDocument/2006/relationships" xmlns:p="http://schemas.openxmlformats.org/presentationml/2006/main">
+  <p:cSld>
+    <p:spTree>
+      <p:nvGrpSpPr>
+        <p:cNvPr id="1" name=""/>
+        <p:cNvGrpSpPr/>
+        <p:nvPr/>
+      </p:nvGrpSpPr>
+      <p:grpSpPr>
+        <a:xfrm>
+          <a:off x="0" y="0"/>
+          <a:ext cx="0" cy="0"/>
+          <a:chOff x="0" y="0"/>
+          <a:chExt cx="0" cy="0"/>
+        </a:xfrm>
+      </p:grpSpPr>
+      <p:pic>
+        <p:nvPicPr>
+          <p:cNvPr id="4" name="Content Placeholder 3"/>
+          <p:cNvPicPr>
+            <a:picLocks noGrp="1" noChangeAspect="1"/>
+          </p:cNvPicPr>
+          <p:nvPr>
+            <p:ph idx="1"/>
+          </p:nvPr>
+        </p:nvPicPr>
+        <p:blipFill>
+          <a:blip r:embed="rId2">
+            <a:extLst>
+              <a:ext uri="{28A0092B-C50C-407E-A947-70E740481C1C}">
+                <a14:useLocalDpi xmlns:a14="http://schemas.microsoft.com/office/drawing/2010/main" val="0"/>
+              </a:ext>
+            </a:extLst>
+          </a:blip>
+          <a:stretch>
+            <a:fillRect/>
+          </a:stretch>
+        </p:blipFill>
+        <p:spPr>
+          <a:xfrm>
+            <a:off x="1064554" y="142876"/>
+            <a:ext cx="9611384" cy="6117723"/>
+          </a:xfrm>
+          <a:prstGeom prst="rect">
+            <a:avLst/>
+          </a:prstGeom>
+        </p:spPr>
+      </p:pic>
+      <p:sp>
+        <p:nvSpPr>
+          <p:cNvPr id="5" name="TextBox 4"/>
+          <p:cNvSpPr txBox="1"/>
+          <p:nvPr/>
+        </p:nvSpPr>
+        <p:spPr>
+          <a:xfrm>
+            <a:off x="6875929" y="6395529"/>
+            <a:ext cx="5316071" cy="369332"/>
+          </a:xfrm>
+          <a:prstGeom prst="rect">
+            <a:avLst/>
+          </a:prstGeom>
+          <a:noFill/>
+        </p:spPr>
+        <p:txBody>
+          <a:bodyPr wrap="none" rtlCol="0">
+            <a:spAutoFit/>
+          </a:bodyPr>
+          <a:lstStyle/>
+          <a:p>
+            <a:r>
+              <a:rPr lang="en-CA" dirty="0" smtClean="0"/>
+              <a:t>Image from https://www.chemicalimbalance.ed.ac.uk/</a:t>
+            </a:r>
+            <a:endParaRPr lang="en-CA" dirty="0"/>
+          </a:p>
+        </p:txBody>
+      </p:sp>
+    </p:spTree>
+    <p:extLst>
+      <p:ext uri="{BB962C8B-B14F-4D97-AF65-F5344CB8AC3E}">
+        <p14:creationId xmlns:p14="http://schemas.microsoft.com/office/powerpoint/2010/main" val="2079715870"/>
+      </p:ext>
+    </p:extLst>
+  </p:cSld>
+  <p:clrMapOvr>
+    <a:masterClrMapping/>
+  </p:clrMapOvr>
+  <p:timing>
+    <p:tnLst>
+      <p:par>
+        <p:cTn id="1" dur="indefinite" restart="never" nodeType="tmRoot"/>
+      </p:par>
+    </p:tnLst>
+  </p:timing>
+</p:sld>
+</file>
+
+<file path=ppt/slides/slide5.xml><?xml version="1.0" encoding="utf-8"?>
+<p:sld xmlns:a="http://schemas.openxmlformats.org/drawingml/2006/main" xmlns:r="http://schemas.openxmlformats.org/officeDocument/2006/relationships" xmlns:p="http://schemas.openxmlformats.org/presentationml/2006/main">
+  <p:cSld>
+    <p:spTree>
+      <p:nvGrpSpPr>
+        <p:cNvPr id="1" name=""/>
+        <p:cNvGrpSpPr/>
+        <p:nvPr/>
+      </p:nvGrpSpPr>
+      <p:grpSpPr>
+        <a:xfrm>
+          <a:off x="0" y="0"/>
+          <a:ext cx="0" cy="0"/>
+          <a:chOff x="0" y="0"/>
+          <a:chExt cx="0" cy="0"/>
+        </a:xfrm>
+      </p:grpSpPr>
+      <p:pic>
+        <p:nvPicPr>
+          <p:cNvPr id="5" name="Picture 4"/>
+          <p:cNvPicPr>
+            <a:picLocks noChangeAspect="1"/>
+          </p:cNvPicPr>
+          <p:nvPr/>
+        </p:nvPicPr>
+        <p:blipFill>
+          <a:blip r:embed="rId3"/>
+          <a:stretch>
+            <a:fillRect/>
+          </a:stretch>
+        </p:blipFill>
+        <p:spPr>
+          <a:xfrm>
+            <a:off x="1295400" y="1741925"/>
+            <a:ext cx="8550269" cy="4820723"/>
+          </a:xfrm>
+          <a:prstGeom prst="rect">
+            <a:avLst/>
+          </a:prstGeom>
+        </p:spPr>
+      </p:pic>
+      <p:sp>
+        <p:nvSpPr>
+          <p:cNvPr id="6" name="TextBox 5"/>
+          <p:cNvSpPr txBox="1"/>
+          <p:nvPr/>
+        </p:nvSpPr>
+        <p:spPr>
+          <a:xfrm>
+            <a:off x="132347" y="264597"/>
+            <a:ext cx="12059653" cy="1477328"/>
+          </a:xfrm>
+          <a:prstGeom prst="rect">
+            <a:avLst/>
+          </a:prstGeom>
+          <a:noFill/>
+        </p:spPr>
+        <p:txBody>
+          <a:bodyPr wrap="square" rtlCol="0">
+            <a:spAutoFit/>
+          </a:bodyPr>
+          <a:lstStyle/>
+          <a:p>
+            <a:r>
+              <a:rPr lang="en-US" b="1" dirty="0"/>
+              <a:t>There are problems: </a:t>
+            </a:r>
+          </a:p>
+          <a:p>
+            <a:endParaRPr lang="en-US" dirty="0"/>
+          </a:p>
+          <a:p>
+            <a:r>
+              <a:rPr lang="en-US" dirty="0"/>
+              <a:t>Women are not retained in academia in proportion to their abundance in the educational pipeline</a:t>
+            </a:r>
+          </a:p>
+          <a:p>
+            <a:endParaRPr lang="en-US" dirty="0"/>
+          </a:p>
+          <a:p>
+            <a:r>
+              <a:rPr lang="en-US" dirty="0"/>
+              <a:t>Research suggests the reasons </a:t>
+            </a:r>
+            <a:r>
+              <a:rPr lang="en-US" dirty="0" smtClean="0"/>
+              <a:t>for this are </a:t>
+            </a:r>
+            <a:r>
+              <a:rPr lang="en-US" dirty="0"/>
+              <a:t>largely related to social perceptions and their institutional </a:t>
+            </a:r>
+            <a:r>
+              <a:rPr lang="en-US" dirty="0" smtClean="0"/>
+              <a:t>manifestations </a:t>
+            </a:r>
+          </a:p>
+        </p:txBody>
+      </p:sp>
+    </p:spTree>
+    <p:extLst>
+      <p:ext uri="{BB962C8B-B14F-4D97-AF65-F5344CB8AC3E}">
+        <p14:creationId xmlns:p14="http://schemas.microsoft.com/office/powerpoint/2010/main" val="1421947834"/>
+      </p:ext>
+    </p:extLst>
+  </p:cSld>
+  <p:clrMapOvr>
+    <a:masterClrMapping/>
+  </p:clrMapOvr>
+  <p:timing>
+    <p:tnLst>
+      <p:par>
+        <p:cTn id="1" dur="indefinite" restart="never" nodeType="tmRoot">
+          <p:childTnLst>
+            <p:seq concurrent="1" nextAc="seek">
+              <p:cTn id="2" dur="indefinite" nodeType="mainSeq">
+                <p:childTnLst>
+                  <p:par>
+                    <p:cTn id="3" fill="hold">
+                      <p:stCondLst>
+                        <p:cond delay="indefinite"/>
+                      </p:stCondLst>
+                      <p:childTnLst>
+                        <p:par>
+                          <p:cTn id="4" fill="hold">
+                            <p:stCondLst>
+                              <p:cond delay="0"/>
+                            </p:stCondLst>
+                            <p:childTnLst>
+                              <p:par>
+                                <p:cTn id="5" presetID="1" presetClass="entr" presetSubtype="0" fill="hold" nodeType="clickEffect">
+                                  <p:stCondLst>
+                                    <p:cond delay="0"/>
+                                  </p:stCondLst>
+                                  <p:childTnLst>
+                                    <p:set>
+                                      <p:cBhvr>
+                                        <p:cTn id="6" dur="1" fill="hold">
+                                          <p:stCondLst>
+                                            <p:cond delay="0"/>
+                                          </p:stCondLst>
+                                        </p:cTn>
+                                        <p:tgtEl>
+                                          <p:spTgt spid="6">
+                                            <p:txEl>
+                                              <p:pRg st="0" end="0"/>
+                                            </p:txEl>
+                                          </p:spTgt>
+                                        </p:tgtEl>
+                                        <p:attrNameLst>
+                                          <p:attrName>style.visibility</p:attrName>
+                                        </p:attrNameLst>
+                                      </p:cBhvr>
+                                      <p:to>
+                                        <p:strVal val="visible"/>
+                                      </p:to>
+                                    </p:set>
+                                  </p:childTnLst>
+                                </p:cTn>
+                              </p:par>
+                            </p:childTnLst>
+                          </p:cTn>
+                        </p:par>
+                      </p:childTnLst>
+                    </p:cTn>
+                  </p:par>
+                  <p:par>
+                    <p:cTn id="7" fill="hold">
+                      <p:stCondLst>
+                        <p:cond delay="indefinite"/>
+                      </p:stCondLst>
+                      <p:childTnLst>
+                        <p:par>
+                          <p:cTn id="8" fill="hold">
+                            <p:stCondLst>
+                              <p:cond delay="0"/>
+                            </p:stCondLst>
+                            <p:childTnLst>
+                              <p:par>
+                                <p:cTn id="9" presetID="1" presetClass="entr" presetSubtype="0" fill="hold" nodeType="clickEffect">
+                                  <p:stCondLst>
+                                    <p:cond delay="0"/>
+                                  </p:stCondLst>
+                                  <p:childTnLst>
+                                    <p:set>
+                                      <p:cBhvr>
+                                        <p:cTn id="10" dur="1" fill="hold">
+                                          <p:stCondLst>
+                                            <p:cond delay="0"/>
+                                          </p:stCondLst>
+                                        </p:cTn>
+                                        <p:tgtEl>
+                                          <p:spTgt spid="6">
+                                            <p:txEl>
+                                              <p:pRg st="2" end="2"/>
+                                            </p:txEl>
+                                          </p:spTgt>
+                                        </p:tgtEl>
+                                        <p:attrNameLst>
+                                          <p:attrName>style.visibility</p:attrName>
+                                        </p:attrNameLst>
+                                      </p:cBhvr>
+                                      <p:to>
+                                        <p:strVal val="visible"/>
+                                      </p:to>
+                                    </p:set>
+                                  </p:childTnLst>
+                                </p:cTn>
+                              </p:par>
+                            </p:childTnLst>
+                          </p:cTn>
+                        </p:par>
+                      </p:childTnLst>
+                    </p:cTn>
+                  </p:par>
+                  <p:par>
+                    <p:cTn id="11" fill="hold">
+                      <p:stCondLst>
+                        <p:cond delay="indefinite"/>
+                      </p:stCondLst>
+                      <p:childTnLst>
+                        <p:par>
+                          <p:cTn id="12" fill="hold">
+                            <p:stCondLst>
+                              <p:cond delay="0"/>
+                            </p:stCondLst>
+                            <p:childTnLst>
+                              <p:par>
+                                <p:cTn id="13" presetID="1" presetClass="entr" presetSubtype="0" fill="hold" nodeType="clickEffect">
+                                  <p:stCondLst>
+                                    <p:cond delay="0"/>
+                                  </p:stCondLst>
+                                  <p:childTnLst>
+                                    <p:set>
+                                      <p:cBhvr>
+                                        <p:cTn id="14" dur="1" fill="hold">
+                                          <p:stCondLst>
+                                            <p:cond delay="0"/>
+                                          </p:stCondLst>
+                                        </p:cTn>
+                                        <p:tgtEl>
+                                          <p:spTgt spid="5"/>
+                                        </p:tgtEl>
+                                        <p:attrNameLst>
+                                          <p:attrName>style.visibility</p:attrName>
+                                        </p:attrNameLst>
+                                      </p:cBhvr>
+                                      <p:to>
+                                        <p:strVal val="visible"/>
+                                      </p:to>
+                                    </p:set>
+                                  </p:childTnLst>
+                                </p:cTn>
+                              </p:par>
+                            </p:childTnLst>
+                          </p:cTn>
+                        </p:par>
+                      </p:childTnLst>
+                    </p:cTn>
+                  </p:par>
+                  <p:par>
+                    <p:cTn id="15" fill="hold">
+                      <p:stCondLst>
+                        <p:cond delay="indefinite"/>
+                      </p:stCondLst>
+                      <p:childTnLst>
+                        <p:par>
+                          <p:cTn id="16" fill="hold">
+                            <p:stCondLst>
+                              <p:cond delay="0"/>
+                            </p:stCondLst>
+                            <p:childTnLst>
+                              <p:par>
+                                <p:cTn id="17" presetID="1" presetClass="entr" presetSubtype="0" fill="hold" nodeType="clickEffect">
+                                  <p:stCondLst>
+                                    <p:cond delay="0"/>
+                                  </p:stCondLst>
+                                  <p:childTnLst>
+                                    <p:set>
+                                      <p:cBhvr>
+                                        <p:cTn id="18" dur="1" fill="hold">
+                                          <p:stCondLst>
+                                            <p:cond delay="0"/>
+                                          </p:stCondLst>
+                                        </p:cTn>
+                                        <p:tgtEl>
+                                          <p:spTgt spid="6">
+                                            <p:txEl>
+                                              <p:pRg st="4" end="4"/>
+                                            </p:txEl>
+                                          </p:spTgt>
+                                        </p:tgtEl>
+                                        <p:attrNameLst>
+                                          <p:attrName>style.visibility</p:attrName>
+                                        </p:attrNameLst>
+                                      </p:cBhvr>
+                                      <p:to>
+                                        <p:strVal val="visible"/>
+                                      </p:to>
+                                    </p:set>
+                                  </p:childTnLst>
+                                </p:cTn>
+                              </p:par>
+                            </p:childTnLst>
+                          </p:cTn>
+                        </p:par>
+                      </p:childTnLst>
+                    </p:cTn>
+                  </p:par>
+                </p:childTnLst>
+              </p:cTn>
+              <p:prevCondLst>
+                <p:cond evt="onPrev" delay="0">
+                  <p:tgtEl>
+                    <p:sldTgt/>
+                  </p:tgtEl>
+                </p:cond>
+              </p:prevCondLst>
+              <p:nextCondLst>
+                <p:cond evt="onNext" delay="0">
+                  <p:tgtEl>
+                    <p:sldTgt/>
+                  </p:tgtEl>
+                </p:cond>
+              </p:nextCondLst>
+            </p:seq>
+          </p:childTnLst>
+        </p:cTn>
+      </p:par>
+    </p:tnLst>
+  </p:timing>
+</p:sld>
+</file>
+
+<file path=ppt/slides/slide6.xml><?xml version="1.0" encoding="utf-8"?>
+<p:sld xmlns:a="http://schemas.openxmlformats.org/drawingml/2006/main" xmlns:r="http://schemas.openxmlformats.org/officeDocument/2006/relationships" xmlns:p="http://schemas.openxmlformats.org/presentationml/2006/main">
+  <p:cSld>
+    <p:spTree>
+      <p:nvGrpSpPr>
+        <p:cNvPr id="1" name=""/>
+        <p:cNvGrpSpPr/>
+        <p:nvPr/>
+      </p:nvGrpSpPr>
+      <p:grpSpPr>
+        <a:xfrm>
+          <a:off x="0" y="0"/>
+          <a:ext cx="0" cy="0"/>
+          <a:chOff x="0" y="0"/>
+          <a:chExt cx="0" cy="0"/>
+        </a:xfrm>
+      </p:grpSpPr>
+      <p:sp>
+        <p:nvSpPr>
+          <p:cNvPr id="3" name="Content Placeholder 2"/>
+          <p:cNvSpPr>
+            <a:spLocks noGrp="1"/>
+          </p:cNvSpPr>
+          <p:nvPr>
+            <p:ph idx="1"/>
+          </p:nvPr>
+        </p:nvSpPr>
+        <p:spPr>
+          <a:xfrm>
+            <a:off x="254000" y="1205131"/>
+            <a:ext cx="11772900" cy="5524500"/>
+          </a:xfrm>
+        </p:spPr>
+        <p:txBody>
+          <a:bodyPr>
+            <a:normAutofit lnSpcReduction="10000"/>
+          </a:bodyPr>
+          <a:lstStyle/>
+          <a:p>
+            <a:r>
+              <a:rPr lang="en-US" dirty="0" smtClean="0"/>
+              <a:t>Decreased </a:t>
+            </a:r>
+            <a:r>
+              <a:rPr lang="en-US" u="sng" dirty="0" smtClean="0"/>
+              <a:t>Salary</a:t>
+            </a:r>
+            <a:endParaRPr lang="en-US" dirty="0" smtClean="0"/>
+          </a:p>
+          <a:p>
+            <a:pPr lvl="1"/>
+            <a:r>
+              <a:rPr lang="en-US" sz="1900" dirty="0" smtClean="0"/>
+              <a:t>Shen et al. 2010. Why women earn less: Just two factors explain post-PhD pay gap. Nature </a:t>
+            </a:r>
+            <a:endParaRPr lang="en-US" sz="2200" dirty="0" smtClean="0"/>
+          </a:p>
+          <a:p>
+            <a:r>
+              <a:rPr lang="en-US" dirty="0" smtClean="0"/>
+              <a:t>Decreased </a:t>
+            </a:r>
+            <a:r>
+              <a:rPr lang="en-US" u="sng" dirty="0" smtClean="0"/>
+              <a:t>Funding</a:t>
+            </a:r>
+            <a:r>
+              <a:rPr lang="en-US" dirty="0" smtClean="0"/>
+              <a:t> (4%)</a:t>
+            </a:r>
+          </a:p>
+          <a:p>
+            <a:pPr lvl="1"/>
+            <a:r>
+              <a:rPr lang="en-US" sz="1900" dirty="0" smtClean="0"/>
+              <a:t>Van der lee &amp; </a:t>
+            </a:r>
+            <a:r>
+              <a:rPr lang="en-US" sz="1900" dirty="0" err="1" smtClean="0"/>
+              <a:t>Ellemers</a:t>
+            </a:r>
+            <a:r>
+              <a:rPr lang="en-US" sz="1900" dirty="0" smtClean="0"/>
+              <a:t>. 2015. Gender </a:t>
+            </a:r>
+            <a:r>
+              <a:rPr lang="en-US" sz="1900" dirty="0"/>
+              <a:t>contributes to personal research </a:t>
+            </a:r>
+            <a:r>
+              <a:rPr lang="en-US" sz="1900" dirty="0" smtClean="0"/>
+              <a:t>funding </a:t>
+            </a:r>
+            <a:r>
+              <a:rPr lang="en-CA" sz="1900" dirty="0" smtClean="0"/>
+              <a:t>success </a:t>
+            </a:r>
+            <a:r>
+              <a:rPr lang="en-CA" sz="1900" dirty="0"/>
+              <a:t>in The </a:t>
+            </a:r>
+            <a:r>
+              <a:rPr lang="en-CA" sz="1900" dirty="0" smtClean="0"/>
+              <a:t>Netherlands. PNAS. </a:t>
+            </a:r>
+          </a:p>
+          <a:p>
+            <a:r>
+              <a:rPr lang="en-US" dirty="0" smtClean="0"/>
+              <a:t>Decreased </a:t>
+            </a:r>
+            <a:r>
+              <a:rPr lang="en-US" u="sng" dirty="0" smtClean="0"/>
+              <a:t>Awards and Prizes</a:t>
+            </a:r>
+          </a:p>
+          <a:p>
+            <a:pPr lvl="1"/>
+            <a:r>
+              <a:rPr lang="en-US" sz="1900" dirty="0" smtClean="0"/>
+              <a:t>Lincoln </a:t>
+            </a:r>
+            <a:r>
+              <a:rPr lang="en-US" sz="1900" i="1" dirty="0" smtClean="0"/>
+              <a:t>et al. </a:t>
+            </a:r>
+            <a:r>
+              <a:rPr lang="en-US" sz="1900" dirty="0" smtClean="0"/>
+              <a:t>2012. The Matilda Effect in science: Awards and prizes in the US, 1990s and 2000s. Social Studies of Science. </a:t>
+            </a:r>
+            <a:endParaRPr lang="en-US" sz="1900" dirty="0" smtClean="0"/>
+          </a:p>
+          <a:p>
+            <a:r>
+              <a:rPr lang="en-US" dirty="0" smtClean="0"/>
+              <a:t>Decreased in </a:t>
+            </a:r>
+            <a:r>
+              <a:rPr lang="en-US" u="sng" dirty="0" smtClean="0"/>
+              <a:t>Hiring and Mentoring</a:t>
+            </a:r>
+          </a:p>
+          <a:p>
+            <a:pPr lvl="1"/>
+            <a:r>
+              <a:rPr lang="en-US" sz="1900" dirty="0" smtClean="0"/>
+              <a:t>Moss-</a:t>
+            </a:r>
+            <a:r>
+              <a:rPr lang="en-US" sz="1900" dirty="0" err="1" smtClean="0"/>
+              <a:t>Rascusin</a:t>
+            </a:r>
+            <a:r>
+              <a:rPr lang="en-US" sz="1900" dirty="0" smtClean="0"/>
+              <a:t> </a:t>
+            </a:r>
+            <a:r>
+              <a:rPr lang="en-US" sz="1900" i="1" dirty="0" smtClean="0"/>
+              <a:t>et al. </a:t>
+            </a:r>
+            <a:r>
+              <a:rPr lang="en-US" sz="1900" dirty="0" smtClean="0"/>
+              <a:t>2012. Science faculty’s subtle gender biases favor male students. PNAS</a:t>
+            </a:r>
+            <a:endParaRPr lang="en-US" sz="1900" dirty="0" smtClean="0"/>
+          </a:p>
+          <a:p>
+            <a:r>
+              <a:rPr lang="en-US" dirty="0" smtClean="0"/>
+              <a:t>Decreased </a:t>
+            </a:r>
+            <a:r>
+              <a:rPr lang="en-US" u="sng" dirty="0" smtClean="0"/>
+              <a:t>Publication</a:t>
+            </a:r>
+            <a:r>
+              <a:rPr lang="en-US" dirty="0" smtClean="0"/>
+              <a:t> (8%)</a:t>
+            </a:r>
+          </a:p>
+          <a:p>
+            <a:pPr lvl="1"/>
+            <a:r>
+              <a:rPr lang="en-US" sz="1900" dirty="0" err="1" smtClean="0"/>
+              <a:t>Budden</a:t>
+            </a:r>
+            <a:r>
+              <a:rPr lang="en-US" sz="1900" dirty="0" smtClean="0"/>
+              <a:t> </a:t>
+            </a:r>
+            <a:r>
+              <a:rPr lang="en-US" sz="1900" i="1" dirty="0" smtClean="0"/>
+              <a:t>et al. </a:t>
+            </a:r>
+            <a:r>
+              <a:rPr lang="en-US" sz="1900" dirty="0" smtClean="0"/>
+              <a:t>2008. Double-blind </a:t>
+            </a:r>
+            <a:r>
+              <a:rPr lang="en-US" sz="1900" dirty="0"/>
+              <a:t>review </a:t>
+            </a:r>
+            <a:r>
+              <a:rPr lang="en-US" sz="1900" dirty="0" err="1"/>
+              <a:t>favours</a:t>
+            </a:r>
+            <a:r>
+              <a:rPr lang="en-US" sz="1900" dirty="0"/>
+              <a:t> increased representation of female </a:t>
+            </a:r>
+            <a:r>
+              <a:rPr lang="en-US" sz="1900" dirty="0" smtClean="0"/>
+              <a:t>authors. Trends in Ecology and Evolution</a:t>
+            </a:r>
+          </a:p>
+          <a:p>
+            <a:pPr lvl="1"/>
+            <a:endParaRPr lang="en-US" sz="1900" dirty="0"/>
+          </a:p>
+          <a:p>
+            <a:pPr marL="457200" lvl="1" indent="0">
+              <a:buNone/>
+            </a:pPr>
+            <a:r>
+              <a:rPr lang="en-US" dirty="0" smtClean="0"/>
+              <a:t>=&gt; These differences are not associated with differences in productivity or performance</a:t>
+            </a:r>
+          </a:p>
+          <a:p>
+            <a:pPr marL="0" indent="0">
+              <a:buNone/>
+            </a:pPr>
+            <a:endParaRPr lang="en-CA" sz="2200" u="sng" dirty="0"/>
+          </a:p>
+        </p:txBody>
+      </p:sp>
+      <p:sp>
+        <p:nvSpPr>
+          <p:cNvPr id="8" name="Title 1"/>
+          <p:cNvSpPr>
+            <a:spLocks noGrp="1"/>
+          </p:cNvSpPr>
+          <p:nvPr>
+            <p:ph type="title"/>
+          </p:nvPr>
+        </p:nvSpPr>
+        <p:spPr>
+          <a:xfrm>
+            <a:off x="0" y="276226"/>
+            <a:ext cx="4953000" cy="840005"/>
+          </a:xfrm>
+        </p:spPr>
+        <p:txBody>
+          <a:bodyPr>
+            <a:normAutofit/>
+          </a:bodyPr>
+          <a:lstStyle/>
+          <a:p>
+            <a:pPr algn="ctr"/>
+            <a:r>
+              <a:rPr lang="en-US" sz="3600" dirty="0"/>
+              <a:t>The Gender Penalty</a:t>
+            </a:r>
+            <a:endParaRPr lang="en-CA" sz="3600" dirty="0"/>
+          </a:p>
+        </p:txBody>
+      </p:sp>
+    </p:spTree>
+    <p:extLst>
+      <p:ext uri="{BB962C8B-B14F-4D97-AF65-F5344CB8AC3E}">
+        <p14:creationId xmlns:p14="http://schemas.microsoft.com/office/powerpoint/2010/main" val="105643771"/>
+      </p:ext>
+    </p:extLst>
+  </p:cSld>
+  <p:clrMapOvr>
+    <a:masterClrMapping/>
+  </p:clrMapOvr>
+  <p:timing>
+    <p:tnLst>
+      <p:par>
+        <p:cTn id="1" dur="indefinite" restart="never" nodeType="tmRoot"/>
+      </p:par>
+    </p:tnLst>
+  </p:timing>
+</p:sld>
+</file>
+
+<file path=ppt/slides/slide7.xml><?xml version="1.0" encoding="utf-8"?>
+<p:sld xmlns:a="http://schemas.openxmlformats.org/drawingml/2006/main" xmlns:r="http://schemas.openxmlformats.org/officeDocument/2006/relationships" xmlns:p="http://schemas.openxmlformats.org/presentationml/2006/main">
+  <p:cSld>
+    <p:spTree>
+      <p:nvGrpSpPr>
+        <p:cNvPr id="1" name=""/>
+        <p:cNvGrpSpPr/>
+        <p:nvPr/>
+      </p:nvGrpSpPr>
+      <p:grpSpPr>
+        <a:xfrm>
+          <a:off x="0" y="0"/>
+          <a:ext cx="0" cy="0"/>
+          <a:chOff x="0" y="0"/>
+          <a:chExt cx="0" cy="0"/>
+        </a:xfrm>
+      </p:grpSpPr>
+      <p:sp>
+        <p:nvSpPr>
+          <p:cNvPr id="2" name="Title 1"/>
+          <p:cNvSpPr>
+            <a:spLocks noGrp="1"/>
+          </p:cNvSpPr>
+          <p:nvPr>
+            <p:ph type="title"/>
+          </p:nvPr>
+        </p:nvSpPr>
+        <p:spPr/>
+        <p:txBody>
+          <a:bodyPr/>
+          <a:lstStyle/>
+          <a:p>
+            <a:r>
+              <a:rPr lang="en-CA" dirty="0" smtClean="0"/>
+              <a:t>The Gender pay gap</a:t>
+            </a:r>
+            <a:endParaRPr lang="en-CA" dirty="0"/>
+          </a:p>
+        </p:txBody>
+      </p:sp>
+      <p:sp>
+        <p:nvSpPr>
+          <p:cNvPr id="3" name="Content Placeholder 2"/>
+          <p:cNvSpPr>
+            <a:spLocks noGrp="1"/>
+          </p:cNvSpPr>
+          <p:nvPr>
+            <p:ph idx="1"/>
+          </p:nvPr>
+        </p:nvSpPr>
+        <p:spPr>
+          <a:xfrm>
+            <a:off x="838200" y="1825625"/>
+            <a:ext cx="5394158" cy="4351338"/>
+          </a:xfrm>
+        </p:spPr>
+        <p:txBody>
+          <a:bodyPr/>
+          <a:lstStyle/>
+          <a:p>
+            <a:pPr marL="0" indent="0">
+              <a:buNone/>
+            </a:pPr>
+            <a:r>
+              <a:rPr lang="en-CA" dirty="0" smtClean="0"/>
+              <a:t>Faculty at McMaster University, same rank: $3515</a:t>
+            </a:r>
+          </a:p>
+          <a:p>
+            <a:pPr marL="0" indent="0">
+              <a:buNone/>
+            </a:pPr>
+            <a:r>
+              <a:rPr lang="en-CA" dirty="0" smtClean="0"/>
+              <a:t>Faculty at UBC, same rank: $3000</a:t>
+            </a:r>
+          </a:p>
+          <a:p>
+            <a:pPr marL="0" indent="0">
+              <a:buNone/>
+            </a:pPr>
+            <a:r>
+              <a:rPr lang="en-CA" dirty="0" smtClean="0"/>
+              <a:t>Canadian universities in 2006, same rank: $4,000-5,000 gap.</a:t>
+            </a:r>
+          </a:p>
+          <a:p>
+            <a:pPr marL="0" indent="0">
+              <a:buNone/>
+            </a:pPr>
+            <a:r>
+              <a:rPr lang="en-CA" dirty="0">
+                <a:solidFill>
+                  <a:srgbClr val="FF0000"/>
+                </a:solidFill>
+              </a:rPr>
+              <a:t>All jobs in Canada: $8000 gap</a:t>
+            </a:r>
+          </a:p>
+          <a:p>
+            <a:pPr marL="0" indent="0">
+              <a:buNone/>
+            </a:pPr>
+            <a:endParaRPr lang="en-CA" dirty="0" smtClean="0"/>
+          </a:p>
+          <a:p>
+            <a:pPr marL="0" indent="0">
+              <a:buNone/>
+            </a:pPr>
+            <a:endParaRPr lang="en-CA" dirty="0"/>
+          </a:p>
+        </p:txBody>
+      </p:sp>
+      <p:pic>
+        <p:nvPicPr>
+          <p:cNvPr id="4" name="Picture 2" descr="Canada's Pay Gap"/>
+          <p:cNvPicPr>
+            <a:picLocks noChangeAspect="1" noChangeArrowheads="1"/>
+          </p:cNvPicPr>
+          <p:nvPr/>
+        </p:nvPicPr>
+        <p:blipFill rotWithShape="1">
+          <a:blip r:embed="rId2">
+            <a:extLst>
+              <a:ext uri="{28A0092B-C50C-407E-A947-70E740481C1C}">
+                <a14:useLocalDpi xmlns:a14="http://schemas.microsoft.com/office/drawing/2010/main" val="0"/>
+              </a:ext>
+            </a:extLst>
+          </a:blip>
+          <a:srcRect l="50032" b="49662"/>
+          <a:stretch/>
+        </p:blipFill>
+        <p:spPr bwMode="auto">
+          <a:xfrm>
+            <a:off x="6521118" y="1657067"/>
+            <a:ext cx="5209672" cy="4688453"/>
+          </a:xfrm>
+          <a:prstGeom prst="rect">
+            <a:avLst/>
+          </a:prstGeom>
+          <a:noFill/>
+          <a:extLst>
+            <a:ext uri="{909E8E84-426E-40DD-AFC4-6F175D3DCCD1}">
+              <a14:hiddenFill xmlns:a14="http://schemas.microsoft.com/office/drawing/2010/main">
+                <a:solidFill>
+                  <a:srgbClr val="FFFFFF"/>
+                </a:solidFill>
+              </a14:hiddenFill>
+            </a:ext>
+          </a:extLst>
+        </p:spPr>
+      </p:pic>
+    </p:spTree>
+    <p:extLst>
+      <p:ext uri="{BB962C8B-B14F-4D97-AF65-F5344CB8AC3E}">
+        <p14:creationId xmlns:p14="http://schemas.microsoft.com/office/powerpoint/2010/main" val="1170255939"/>
+      </p:ext>
+    </p:extLst>
+  </p:cSld>
+  <p:clrMapOvr>
+    <a:masterClrMapping/>
+  </p:clrMapOvr>
+  <p:timing>
+    <p:tnLst>
+      <p:par>
+        <p:cTn id="1" dur="indefinite" restart="never" nodeType="tmRoot"/>
+      </p:par>
+    </p:tnLst>
+  </p:timing>
+</p:sld>
+</file>
+
+<file path=ppt/slides/slide8.xml><?xml version="1.0" encoding="utf-8"?>
+<p:sld xmlns:a="http://schemas.openxmlformats.org/drawingml/2006/main" xmlns:r="http://schemas.openxmlformats.org/officeDocument/2006/relationships" xmlns:p="http://schemas.openxmlformats.org/presentationml/2006/main">
+  <p:cSld>
+    <p:spTree>
+      <p:nvGrpSpPr>
+        <p:cNvPr id="1" name=""/>
+        <p:cNvGrpSpPr/>
+        <p:nvPr/>
+      </p:nvGrpSpPr>
+      <p:grpSpPr>
+        <a:xfrm>
+          <a:off x="0" y="0"/>
+          <a:ext cx="0" cy="0"/>
+          <a:chOff x="0" y="0"/>
+          <a:chExt cx="0" cy="0"/>
+        </a:xfrm>
+      </p:grpSpPr>
+      <p:pic>
+        <p:nvPicPr>
+          <p:cNvPr id="15362" name="Picture 2" descr="https://www.nature.com/polopoly_fs/7.9287.1362483120!/image/Women-funding-gap.jpg_gen/derivatives/fullsize/Women-funding-gap.jpg"/>
+          <p:cNvPicPr>
+            <a:picLocks noChangeAspect="1" noChangeArrowheads="1"/>
+          </p:cNvPicPr>
+          <p:nvPr/>
+        </p:nvPicPr>
+        <p:blipFill>
+          <a:blip r:embed="rId2">
+            <a:extLst>
+              <a:ext uri="{28A0092B-C50C-407E-A947-70E740481C1C}">
+                <a14:useLocalDpi xmlns:a14="http://schemas.microsoft.com/office/drawing/2010/main" val="0"/>
+              </a:ext>
+            </a:extLst>
+          </a:blip>
+          <a:srcRect/>
+          <a:stretch>
+            <a:fillRect/>
+          </a:stretch>
+        </p:blipFill>
+        <p:spPr bwMode="auto">
+          <a:xfrm>
+            <a:off x="2013951" y="-79741"/>
+            <a:ext cx="7371349" cy="6937741"/>
+          </a:xfrm>
+          <a:prstGeom prst="rect">
+            <a:avLst/>
+          </a:prstGeom>
+          <a:noFill/>
+          <a:extLst>
+            <a:ext uri="{909E8E84-426E-40DD-AFC4-6F175D3DCCD1}">
+              <a14:hiddenFill xmlns:a14="http://schemas.microsoft.com/office/drawing/2010/main">
+                <a:solidFill>
+                  <a:srgbClr val="FFFFFF"/>
+                </a:solidFill>
+              </a14:hiddenFill>
+            </a:ext>
+          </a:extLst>
+        </p:spPr>
+      </p:pic>
+      <p:sp>
+        <p:nvSpPr>
+          <p:cNvPr id="4" name="TextBox 3"/>
+          <p:cNvSpPr txBox="1"/>
+          <p:nvPr/>
+        </p:nvSpPr>
+        <p:spPr>
+          <a:xfrm>
+            <a:off x="9385300" y="6242230"/>
+            <a:ext cx="2783904" cy="369332"/>
+          </a:xfrm>
+          <a:prstGeom prst="rect">
+            <a:avLst/>
+          </a:prstGeom>
+          <a:noFill/>
+        </p:spPr>
+        <p:txBody>
+          <a:bodyPr wrap="none" rtlCol="0">
+            <a:spAutoFit/>
+          </a:bodyPr>
+          <a:lstStyle/>
+          <a:p>
+            <a:r>
+              <a:rPr lang="en-US" dirty="0" smtClean="0"/>
+              <a:t>Shen. Nature. 2013. vol.495</a:t>
+            </a:r>
+            <a:endParaRPr lang="en-CA" dirty="0"/>
+          </a:p>
+        </p:txBody>
+      </p:sp>
+    </p:spTree>
+    <p:extLst>
+      <p:ext uri="{BB962C8B-B14F-4D97-AF65-F5344CB8AC3E}">
+        <p14:creationId xmlns:p14="http://schemas.microsoft.com/office/powerpoint/2010/main" val="1800122220"/>
+      </p:ext>
+    </p:extLst>
+  </p:cSld>
+  <p:clrMapOvr>
+    <a:masterClrMapping/>
+  </p:clrMapOvr>
+  <p:timing>
+    <p:tnLst>
+      <p:par>
+        <p:cTn id="1" dur="indefinite" restart="never" nodeType="tmRoot"/>
+      </p:par>
+    </p:tnLst>
+  </p:timing>
+</p:sld>
+</file>
+
+<file path=ppt/slides/slide9.xml><?xml version="1.0" encoding="utf-8"?>
+<p:sld xmlns:a="http://schemas.openxmlformats.org/drawingml/2006/main" xmlns:r="http://schemas.openxmlformats.org/officeDocument/2006/relationships" xmlns:p="http://schemas.openxmlformats.org/presentationml/2006/main">
+  <p:cSld>
+    <p:spTree>
+      <p:nvGrpSpPr>
+        <p:cNvPr id="1" name=""/>
+        <p:cNvGrpSpPr/>
+        <p:nvPr/>
+      </p:nvGrpSpPr>
+      <p:grpSpPr>
+        <a:xfrm>
+          <a:off x="0" y="0"/>
+          <a:ext cx="0" cy="0"/>
+          <a:chOff x="0" y="0"/>
+          <a:chExt cx="0" cy="0"/>
+        </a:xfrm>
+      </p:grpSpPr>
+      <p:sp>
+        <p:nvSpPr>
+          <p:cNvPr id="2" name="Title 1"/>
+          <p:cNvSpPr>
+            <a:spLocks noGrp="1"/>
+          </p:cNvSpPr>
+          <p:nvPr>
+            <p:ph type="title"/>
+          </p:nvPr>
+        </p:nvSpPr>
+        <p:spPr/>
+        <p:txBody>
+          <a:bodyPr>
+            <a:noAutofit/>
+          </a:bodyPr>
+          <a:lstStyle/>
+          <a:p>
+            <a:r>
+              <a:rPr lang="en-CA" sz="3600" dirty="0">
+                <a:latin typeface="+mn-lt"/>
+              </a:rPr>
+              <a:t>The time gap: Women faculty do more service and mentoring and </a:t>
+            </a:r>
+            <a:r>
+              <a:rPr lang="en-CA" sz="3600" dirty="0" smtClean="0">
+                <a:latin typeface="+mn-lt"/>
+              </a:rPr>
+              <a:t>men </a:t>
+            </a:r>
+            <a:r>
+              <a:rPr lang="en-CA" sz="3600" dirty="0">
+                <a:latin typeface="+mn-lt"/>
+              </a:rPr>
+              <a:t>faculty do more research </a:t>
+            </a:r>
+            <a:endParaRPr lang="en-CA" sz="3600" dirty="0">
+              <a:latin typeface="+mn-lt"/>
+            </a:endParaRPr>
+          </a:p>
+        </p:txBody>
+      </p:sp>
+      <p:pic>
+        <p:nvPicPr>
+          <p:cNvPr id="4" name="Picture 3"/>
+          <p:cNvPicPr>
+            <a:picLocks noChangeAspect="1"/>
+          </p:cNvPicPr>
+          <p:nvPr/>
+        </p:nvPicPr>
+        <p:blipFill>
+          <a:blip r:embed="rId2"/>
+          <a:stretch>
+            <a:fillRect/>
+          </a:stretch>
+        </p:blipFill>
+        <p:spPr>
+          <a:xfrm>
+            <a:off x="2152650" y="2000294"/>
+            <a:ext cx="7656880" cy="4400506"/>
+          </a:xfrm>
+          <a:prstGeom prst="rect">
+            <a:avLst/>
+          </a:prstGeom>
+        </p:spPr>
+      </p:pic>
+      <p:cxnSp>
+        <p:nvCxnSpPr>
+          <p:cNvPr id="5" name="Straight Connector 4"/>
+          <p:cNvCxnSpPr/>
+          <p:nvPr/>
+        </p:nvCxnSpPr>
+        <p:spPr>
+          <a:xfrm flipH="1">
+            <a:off x="7588624" y="2000294"/>
+            <a:ext cx="26894" cy="1200106"/>
+          </a:xfrm>
+          <a:prstGeom prst="line">
+            <a:avLst/>
+          </a:prstGeom>
+          <a:ln w="76200">
+            <a:solidFill>
+              <a:srgbClr val="FF0000"/>
+            </a:solidFill>
+          </a:ln>
+        </p:spPr>
+        <p:style>
+          <a:lnRef idx="1">
+            <a:schemeClr val="accent1"/>
+          </a:lnRef>
+          <a:fillRef idx="0">
+            <a:schemeClr val="accent1"/>
+          </a:fillRef>
+          <a:effectRef idx="0">
+            <a:schemeClr val="accent1"/>
+          </a:effectRef>
+          <a:fontRef idx="minor">
+            <a:schemeClr val="tx1"/>
+          </a:fontRef>
+        </p:style>
+      </p:cxnSp>
+      <p:cxnSp>
+        <p:nvCxnSpPr>
+          <p:cNvPr id="7" name="Straight Connector 6"/>
+          <p:cNvCxnSpPr/>
+          <p:nvPr/>
+        </p:nvCxnSpPr>
+        <p:spPr>
+          <a:xfrm flipH="1">
+            <a:off x="7575177" y="3362930"/>
+            <a:ext cx="26894" cy="1200106"/>
+          </a:xfrm>
+          <a:prstGeom prst="line">
+            <a:avLst/>
+          </a:prstGeom>
+          <a:ln w="76200">
+            <a:solidFill>
+              <a:srgbClr val="FF0000"/>
+            </a:solidFill>
+          </a:ln>
+        </p:spPr>
+        <p:style>
+          <a:lnRef idx="1">
+            <a:schemeClr val="accent1"/>
+          </a:lnRef>
+          <a:fillRef idx="0">
+            <a:schemeClr val="accent1"/>
+          </a:fillRef>
+          <a:effectRef idx="0">
+            <a:schemeClr val="accent1"/>
+          </a:effectRef>
+          <a:fontRef idx="minor">
+            <a:schemeClr val="tx1"/>
+          </a:fontRef>
+        </p:style>
+      </p:cxnSp>
+      <p:cxnSp>
+        <p:nvCxnSpPr>
+          <p:cNvPr id="8" name="Straight Connector 7"/>
+          <p:cNvCxnSpPr/>
+          <p:nvPr/>
+        </p:nvCxnSpPr>
+        <p:spPr>
+          <a:xfrm flipH="1">
+            <a:off x="7615519" y="4693024"/>
+            <a:ext cx="322729" cy="1188988"/>
+          </a:xfrm>
+          <a:prstGeom prst="line">
+            <a:avLst/>
+          </a:prstGeom>
+          <a:ln w="76200">
+            <a:solidFill>
+              <a:srgbClr val="FF0000"/>
+            </a:solidFill>
+          </a:ln>
+        </p:spPr>
+        <p:style>
+          <a:lnRef idx="1">
+            <a:schemeClr val="accent1"/>
+          </a:lnRef>
+          <a:fillRef idx="0">
+            <a:schemeClr val="accent1"/>
+          </a:fillRef>
+          <a:effectRef idx="0">
+            <a:schemeClr val="accent1"/>
+          </a:effectRef>
+          <a:fontRef idx="minor">
+            <a:schemeClr val="tx1"/>
+          </a:fontRef>
+        </p:style>
+      </p:cxnSp>
+      <p:sp>
+        <p:nvSpPr>
+          <p:cNvPr id="10" name="TextBox 9"/>
+          <p:cNvSpPr txBox="1"/>
+          <p:nvPr/>
+        </p:nvSpPr>
+        <p:spPr>
+          <a:xfrm>
+            <a:off x="4159625" y="1815628"/>
+            <a:ext cx="989373" cy="369332"/>
+          </a:xfrm>
+          <a:prstGeom prst="rect">
+            <a:avLst/>
+          </a:prstGeom>
+          <a:noFill/>
+        </p:spPr>
+        <p:txBody>
+          <a:bodyPr wrap="none" rtlCol="0">
+            <a:spAutoFit/>
+          </a:bodyPr>
+          <a:lstStyle/>
+          <a:p>
+            <a:r>
+              <a:rPr lang="en-CA" dirty="0"/>
+              <a:t>research</a:t>
+            </a:r>
+            <a:endParaRPr lang="en-CA" dirty="0"/>
+          </a:p>
+        </p:txBody>
+      </p:sp>
+      <p:sp>
+        <p:nvSpPr>
+          <p:cNvPr id="11" name="TextBox 10"/>
+          <p:cNvSpPr txBox="1"/>
+          <p:nvPr/>
+        </p:nvSpPr>
+        <p:spPr>
+          <a:xfrm>
+            <a:off x="5256629" y="1815628"/>
+            <a:ext cx="988476" cy="369332"/>
+          </a:xfrm>
+          <a:prstGeom prst="rect">
+            <a:avLst/>
+          </a:prstGeom>
+          <a:noFill/>
+        </p:spPr>
+        <p:txBody>
+          <a:bodyPr wrap="none" rtlCol="0">
+            <a:spAutoFit/>
+          </a:bodyPr>
+          <a:lstStyle/>
+          <a:p>
+            <a:r>
+              <a:rPr lang="en-CA" dirty="0"/>
+              <a:t>teaching</a:t>
+            </a:r>
+            <a:endParaRPr lang="en-CA" dirty="0"/>
+          </a:p>
+        </p:txBody>
+      </p:sp>
+      <p:sp>
+        <p:nvSpPr>
+          <p:cNvPr id="12" name="TextBox 11"/>
+          <p:cNvSpPr txBox="1"/>
+          <p:nvPr/>
+        </p:nvSpPr>
+        <p:spPr>
+          <a:xfrm>
+            <a:off x="6403536" y="1827286"/>
+            <a:ext cx="601511" cy="369332"/>
+          </a:xfrm>
+          <a:prstGeom prst="rect">
+            <a:avLst/>
+          </a:prstGeom>
+          <a:noFill/>
+        </p:spPr>
+        <p:txBody>
+          <a:bodyPr wrap="none" rtlCol="0">
+            <a:spAutoFit/>
+          </a:bodyPr>
+          <a:lstStyle/>
+          <a:p>
+            <a:r>
+              <a:rPr lang="en-CA" dirty="0"/>
+              <a:t>grad</a:t>
+            </a:r>
+            <a:endParaRPr lang="en-CA" dirty="0"/>
+          </a:p>
+        </p:txBody>
+      </p:sp>
+      <p:sp>
+        <p:nvSpPr>
+          <p:cNvPr id="13" name="TextBox 12"/>
+          <p:cNvSpPr txBox="1"/>
+          <p:nvPr/>
+        </p:nvSpPr>
+        <p:spPr>
+          <a:xfrm>
+            <a:off x="6886508" y="1829334"/>
+            <a:ext cx="842410" cy="369332"/>
+          </a:xfrm>
+          <a:prstGeom prst="rect">
+            <a:avLst/>
+          </a:prstGeom>
+          <a:noFill/>
+        </p:spPr>
+        <p:txBody>
+          <a:bodyPr wrap="none" rtlCol="0">
+            <a:spAutoFit/>
+          </a:bodyPr>
+          <a:lstStyle/>
+          <a:p>
+            <a:r>
+              <a:rPr lang="en-CA" dirty="0"/>
+              <a:t>service</a:t>
+            </a:r>
+            <a:endParaRPr lang="en-CA" dirty="0"/>
+          </a:p>
+        </p:txBody>
+      </p:sp>
+      <p:sp>
+        <p:nvSpPr>
+          <p:cNvPr id="3" name="Rectangle 2"/>
+          <p:cNvSpPr/>
+          <p:nvPr/>
+        </p:nvSpPr>
+        <p:spPr>
+          <a:xfrm>
+            <a:off x="7649386" y="1829334"/>
+            <a:ext cx="2112682" cy="2733702"/>
+          </a:xfrm>
+          <a:prstGeom prst="rect">
+            <a:avLst/>
+          </a:prstGeom>
+          <a:solidFill>
+            <a:schemeClr val="bg1"/>
+          </a:solidFill>
+          <a:ln>
+            <a:solidFill>
+              <a:schemeClr val="bg1"/>
+            </a:solidFill>
+          </a:ln>
+        </p:spPr>
+        <p:style>
+          <a:lnRef idx="2">
+            <a:schemeClr val="accent1">
+              <a:shade val="50000"/>
+            </a:schemeClr>
+          </a:lnRef>
+          <a:fillRef idx="1">
+            <a:schemeClr val="accent1"/>
+          </a:fillRef>
+          <a:effectRef idx="0">
+            <a:schemeClr val="accent1"/>
+          </a:effectRef>
+          <a:fontRef idx="minor">
+            <a:schemeClr val="lt1"/>
+          </a:fontRef>
+        </p:style>
+        <p:txBody>
+          <a:bodyPr rtlCol="0" anchor="ctr"/>
+          <a:lstStyle/>
+          <a:p>
+            <a:pPr algn="ctr"/>
+            <a:endParaRPr lang="en-CA" dirty="0"/>
+          </a:p>
+        </p:txBody>
+      </p:sp>
+      <p:sp>
+        <p:nvSpPr>
+          <p:cNvPr id="16" name="Freeform 15"/>
+          <p:cNvSpPr/>
+          <p:nvPr/>
+        </p:nvSpPr>
+        <p:spPr>
+          <a:xfrm>
+            <a:off x="7730067" y="4826000"/>
+            <a:ext cx="1202266" cy="812800"/>
+          </a:xfrm>
+          <a:custGeom>
+            <a:avLst/>
+            <a:gdLst>
+              <a:gd name="connsiteX0" fmla="*/ 211666 w 1202266"/>
+              <a:gd name="connsiteY0" fmla="*/ 8467 h 812800"/>
+              <a:gd name="connsiteX1" fmla="*/ 1202266 w 1202266"/>
+              <a:gd name="connsiteY1" fmla="*/ 0 h 812800"/>
+              <a:gd name="connsiteX2" fmla="*/ 1007533 w 1202266"/>
+              <a:gd name="connsiteY2" fmla="*/ 804333 h 812800"/>
+              <a:gd name="connsiteX3" fmla="*/ 0 w 1202266"/>
+              <a:gd name="connsiteY3" fmla="*/ 812800 h 812800"/>
+              <a:gd name="connsiteX4" fmla="*/ 211666 w 1202266"/>
+              <a:gd name="connsiteY4" fmla="*/ 8467 h 812800"/>
+            </a:gdLst>
+            <a:ahLst/>
+            <a:cxnLst>
+              <a:cxn ang="0">
+                <a:pos x="connsiteX0" y="connsiteY0"/>
+              </a:cxn>
+              <a:cxn ang="0">
+                <a:pos x="connsiteX1" y="connsiteY1"/>
+              </a:cxn>
+              <a:cxn ang="0">
+                <a:pos x="connsiteX2" y="connsiteY2"/>
+              </a:cxn>
+              <a:cxn ang="0">
+                <a:pos x="connsiteX3" y="connsiteY3"/>
+              </a:cxn>
+              <a:cxn ang="0">
+                <a:pos x="connsiteX4" y="connsiteY4"/>
+              </a:cxn>
+            </a:cxnLst>
+            <a:rect l="l" t="t" r="r" b="b"/>
+            <a:pathLst>
+              <a:path w="1202266" h="812800">
+                <a:moveTo>
+                  <a:pt x="211666" y="8467"/>
+                </a:moveTo>
+                <a:lnTo>
+                  <a:pt x="1202266" y="0"/>
+                </a:lnTo>
+                <a:lnTo>
+                  <a:pt x="1007533" y="804333"/>
+                </a:lnTo>
+                <a:lnTo>
+                  <a:pt x="0" y="812800"/>
+                </a:lnTo>
+                <a:lnTo>
+                  <a:pt x="211666" y="8467"/>
+                </a:lnTo>
+                <a:close/>
+              </a:path>
+            </a:pathLst>
+          </a:custGeom>
+          <a:solidFill>
+            <a:schemeClr val="bg1"/>
+          </a:solidFill>
+          <a:ln>
+            <a:solidFill>
+              <a:schemeClr val="bg1"/>
+            </a:solidFill>
+          </a:ln>
+        </p:spPr>
+        <p:style>
+          <a:lnRef idx="2">
+            <a:schemeClr val="accent1">
+              <a:shade val="50000"/>
+            </a:schemeClr>
+          </a:lnRef>
+          <a:fillRef idx="1">
+            <a:schemeClr val="accent1"/>
+          </a:fillRef>
+          <a:effectRef idx="0">
+            <a:schemeClr val="accent1"/>
+          </a:effectRef>
+          <a:fontRef idx="minor">
+            <a:schemeClr val="lt1"/>
+          </a:fontRef>
+        </p:style>
+        <p:txBody>
+          <a:bodyPr rtlCol="0" anchor="ctr"/>
+          <a:lstStyle/>
+          <a:p>
+            <a:pPr algn="ctr"/>
+            <a:endParaRPr lang="en-CA"/>
+          </a:p>
+        </p:txBody>
+      </p:sp>
+      <p:sp>
+        <p:nvSpPr>
+          <p:cNvPr id="17" name="TextBox 16"/>
+          <p:cNvSpPr txBox="1"/>
+          <p:nvPr/>
+        </p:nvSpPr>
+        <p:spPr>
+          <a:xfrm>
+            <a:off x="7938248" y="2138682"/>
+            <a:ext cx="4101352" cy="646331"/>
+          </a:xfrm>
+          <a:prstGeom prst="rect">
+            <a:avLst/>
+          </a:prstGeom>
+          <a:noFill/>
+        </p:spPr>
+        <p:txBody>
+          <a:bodyPr wrap="square" rtlCol="0">
+            <a:spAutoFit/>
+          </a:bodyPr>
+          <a:lstStyle/>
+          <a:p>
+            <a:r>
+              <a:rPr lang="en-CA" b="1" dirty="0"/>
+              <a:t>+ 2 hours teaching, service, 	mentoring</a:t>
+            </a:r>
+          </a:p>
+          <a:p>
+            <a:r>
+              <a:rPr lang="en-CA" b="1" dirty="0"/>
+              <a:t>- 2 hours research</a:t>
+            </a:r>
+            <a:endParaRPr lang="en-CA" b="1" dirty="0"/>
+          </a:p>
+        </p:txBody>
+      </p:sp>
+      <p:sp>
+        <p:nvSpPr>
+          <p:cNvPr id="18" name="TextBox 17"/>
+          <p:cNvSpPr txBox="1"/>
+          <p:nvPr/>
+        </p:nvSpPr>
+        <p:spPr>
+          <a:xfrm>
+            <a:off x="7964875" y="3481468"/>
+            <a:ext cx="4101352" cy="646331"/>
+          </a:xfrm>
+          <a:prstGeom prst="rect">
+            <a:avLst/>
+          </a:prstGeom>
+          <a:noFill/>
+        </p:spPr>
+        <p:txBody>
+          <a:bodyPr wrap="square" rtlCol="0">
+            <a:spAutoFit/>
+          </a:bodyPr>
+          <a:lstStyle/>
+          <a:p>
+            <a:r>
+              <a:rPr lang="en-CA" b="1" dirty="0"/>
+              <a:t>+ 8 hours teaching, service, 	mentoring</a:t>
+            </a:r>
+          </a:p>
+          <a:p>
+            <a:r>
+              <a:rPr lang="en-CA" b="1" dirty="0"/>
+              <a:t>- 8 hours research</a:t>
+            </a:r>
+            <a:endParaRPr lang="en-CA" b="1" dirty="0"/>
+          </a:p>
+        </p:txBody>
+      </p:sp>
+      <p:sp>
+        <p:nvSpPr>
+          <p:cNvPr id="19" name="TextBox 18"/>
+          <p:cNvSpPr txBox="1"/>
+          <p:nvPr/>
+        </p:nvSpPr>
+        <p:spPr>
+          <a:xfrm>
+            <a:off x="8237106" y="4829732"/>
+            <a:ext cx="4101352" cy="646331"/>
+          </a:xfrm>
+          <a:prstGeom prst="rect">
+            <a:avLst/>
+          </a:prstGeom>
+          <a:noFill/>
+        </p:spPr>
+        <p:txBody>
+          <a:bodyPr wrap="square" rtlCol="0">
+            <a:spAutoFit/>
+          </a:bodyPr>
+          <a:lstStyle/>
+          <a:p>
+            <a:r>
+              <a:rPr lang="en-CA" b="1" dirty="0"/>
+              <a:t>+ 5 hours teaching, service, 	mentoring</a:t>
+            </a:r>
+          </a:p>
+          <a:p>
+            <a:r>
+              <a:rPr lang="en-CA" b="1" dirty="0"/>
+              <a:t>- 0 hours research</a:t>
+            </a:r>
+            <a:endParaRPr lang="en-CA" b="1" dirty="0"/>
+          </a:p>
+        </p:txBody>
+      </p:sp>
+    </p:spTree>
+    <p:extLst>
+      <p:ext uri="{BB962C8B-B14F-4D97-AF65-F5344CB8AC3E}">
+        <p14:creationId xmlns:p14="http://schemas.microsoft.com/office/powerpoint/2010/main" val="545674785"/>
+      </p:ext>
+    </p:extLst>
+  </p:cSld>
+  <p:clrMapOvr>
+    <a:masterClrMapping/>
+  </p:clrMapOvr>
+  <p:timing>
+    <p:tnLst>
+      <p:par>
+        <p:cTn id="1" dur="indefinite" restart="never" nodeType="tmRoot"/>
+      </p:par>
+    </p:tnLst>
   </p:timing>
 </p:sld>
 </file>
